--- a/india/【K2 China】Automation UseCases-20200320-v0.5.pptx
+++ b/india/【K2 China】Automation UseCases-20200320-v0.5.pptx
@@ -6,18 +6,23 @@
     <p:sldMasterId id="2147483660" r:id="rId2"/>
   </p:sldMasterIdLst>
   <p:notesMasterIdLst>
-    <p:notesMasterId r:id="rId9"/>
+    <p:notesMasterId r:id="rId14"/>
   </p:notesMasterIdLst>
   <p:handoutMasterIdLst>
-    <p:handoutMasterId r:id="rId10"/>
+    <p:handoutMasterId r:id="rId15"/>
   </p:handoutMasterIdLst>
   <p:sldIdLst>
     <p:sldId id="265" r:id="rId3"/>
     <p:sldId id="2176" r:id="rId4"/>
-    <p:sldId id="2177" r:id="rId5"/>
-    <p:sldId id="2178" r:id="rId6"/>
-    <p:sldId id="2179" r:id="rId7"/>
-    <p:sldId id="2180" r:id="rId8"/>
+    <p:sldId id="2182" r:id="rId5"/>
+    <p:sldId id="2183" r:id="rId6"/>
+    <p:sldId id="2184" r:id="rId7"/>
+    <p:sldId id="2185" r:id="rId8"/>
+    <p:sldId id="2181" r:id="rId9"/>
+    <p:sldId id="2177" r:id="rId10"/>
+    <p:sldId id="2178" r:id="rId11"/>
+    <p:sldId id="2179" r:id="rId12"/>
+    <p:sldId id="2180" r:id="rId13"/>
   </p:sldIdLst>
   <p:sldSz cx="12192000" cy="6858000"/>
   <p:notesSz cx="6805613" cy="9939338"/>
@@ -240,7 +245,7 @@
           <a:p>
             <a:fld id="{ABB6C95C-B648-2D4B-A96A-72AA69FD4147}" type="datetimeFigureOut">
               <a:rPr lang="en-US" smtClean="0"/>
-              <a:t>3/30/2020</a:t>
+              <a:t>4/15/2020</a:t>
             </a:fld>
             <a:endParaRPr lang="en-US" dirty="0"/>
           </a:p>
@@ -401,7 +406,7 @@
           <a:p>
             <a:fld id="{2A382978-60B3-41E0-9AD0-2E9E6E8B7873}" type="datetimeFigureOut">
               <a:rPr kumimoji="1" lang="ja-JP" altLang="en-US" smtClean="0"/>
-              <a:t>2020/3/30</a:t>
+              <a:t>2020/4/15</a:t>
             </a:fld>
             <a:endParaRPr kumimoji="1" lang="ja-JP" altLang="en-US" dirty="0"/>
           </a:p>
@@ -10321,3229 +10326,7 @@
 </p:sld>
 </file>
 
-<file path=ppt/slides/slide2.xml><?xml version="1.0" encoding="utf-8"?>
-<p:sld xmlns:a="http://schemas.openxmlformats.org/drawingml/2006/main" xmlns:r="http://schemas.openxmlformats.org/officeDocument/2006/relationships" xmlns:p="http://schemas.openxmlformats.org/presentationml/2006/main">
-  <p:cSld>
-    <p:spTree>
-      <p:nvGrpSpPr>
-        <p:cNvPr id="1" name=""/>
-        <p:cNvGrpSpPr/>
-        <p:nvPr/>
-      </p:nvGrpSpPr>
-      <p:grpSpPr>
-        <a:xfrm>
-          <a:off x="0" y="0"/>
-          <a:ext cx="0" cy="0"/>
-          <a:chOff x="0" y="0"/>
-          <a:chExt cx="0" cy="0"/>
-        </a:xfrm>
-      </p:grpSpPr>
-      <p:sp>
-        <p:nvSpPr>
-          <p:cNvPr id="19" name="Rectangle 18"/>
-          <p:cNvSpPr/>
-          <p:nvPr/>
-        </p:nvSpPr>
-        <p:spPr>
-          <a:xfrm>
-            <a:off x="479376" y="1052736"/>
-            <a:ext cx="11081087" cy="460375"/>
-          </a:xfrm>
-          <a:prstGeom prst="rect">
-            <a:avLst/>
-          </a:prstGeom>
-        </p:spPr>
-        <p:txBody>
-          <a:bodyPr wrap="square">
-            <a:spAutoFit/>
-          </a:bodyPr>
-          <a:lstStyle/>
-          <a:p>
-            <a:r>
-              <a:rPr lang="en-US" altLang="ja-JP" sz="2400" dirty="0">
-                <a:solidFill>
-                  <a:srgbClr val="000000"/>
-                </a:solidFill>
-                <a:latin typeface="Meiryo UI" panose="020B0604030504040204" pitchFamily="34" charset="-128"/>
-                <a:ea typeface="Meiryo UI" panose="020B0604030504040204" pitchFamily="34" charset="-128"/>
-              </a:rPr>
-              <a:t>1. </a:t>
-            </a:r>
-            <a:r>
-              <a:rPr lang="en-US" sz="2400" dirty="0"/>
-              <a:t>Respond to user questions/Query Meeting Detailed info/Solutions for user issues</a:t>
-            </a:r>
-            <a:endParaRPr lang="en-US" altLang="ja-JP" sz="2400" dirty="0">
-              <a:solidFill>
-                <a:srgbClr val="000000"/>
-              </a:solidFill>
-              <a:latin typeface="Meiryo UI" panose="020B0604030504040204" pitchFamily="34" charset="-128"/>
-              <a:ea typeface="Meiryo UI" panose="020B0604030504040204" pitchFamily="34" charset="-128"/>
-            </a:endParaRPr>
-          </a:p>
-        </p:txBody>
-      </p:sp>
-      <p:sp>
-        <p:nvSpPr>
-          <p:cNvPr id="47" name="Title 2"/>
-          <p:cNvSpPr>
-            <a:spLocks noGrp="1"/>
-          </p:cNvSpPr>
-          <p:nvPr>
-            <p:ph type="title"/>
-          </p:nvPr>
-        </p:nvSpPr>
-        <p:spPr>
-          <a:xfrm>
-            <a:off x="345018" y="332077"/>
-            <a:ext cx="10727601" cy="423828"/>
-          </a:xfrm>
-        </p:spPr>
-        <p:txBody>
-          <a:bodyPr/>
-          <a:lstStyle/>
-          <a:p>
-            <a:r>
-              <a:rPr lang="en-US" dirty="0"/>
-              <a:t>Top3 Categories</a:t>
-            </a:r>
-          </a:p>
-        </p:txBody>
-      </p:sp>
-      <p:sp>
-        <p:nvSpPr>
-          <p:cNvPr id="39" name="Rectangle 38">
-            <a:extLst>
-              <a:ext uri="{FF2B5EF4-FFF2-40B4-BE49-F238E27FC236}">
-                <a16:creationId xmlns:a16="http://schemas.microsoft.com/office/drawing/2014/main" id="{83881FD6-8C03-48D7-BE23-73F764EB25CE}"/>
-              </a:ext>
-            </a:extLst>
-          </p:cNvPr>
-          <p:cNvSpPr/>
-          <p:nvPr/>
-        </p:nvSpPr>
-        <p:spPr>
-          <a:xfrm>
-            <a:off x="462548" y="1784708"/>
-            <a:ext cx="11081087" cy="460375"/>
-          </a:xfrm>
-          <a:prstGeom prst="rect">
-            <a:avLst/>
-          </a:prstGeom>
-        </p:spPr>
-        <p:txBody>
-          <a:bodyPr wrap="square">
-            <a:spAutoFit/>
-          </a:bodyPr>
-          <a:lstStyle/>
-          <a:p>
-            <a:r>
-              <a:rPr lang="en-US" altLang="ja-JP" sz="2400" dirty="0">
-                <a:solidFill>
-                  <a:srgbClr val="FF0000"/>
-                </a:solidFill>
-                <a:latin typeface="Meiryo UI" panose="020B0604030504040204" pitchFamily="34" charset="-128"/>
-                <a:ea typeface="Meiryo UI" panose="020B0604030504040204" pitchFamily="34" charset="-128"/>
-              </a:rPr>
-              <a:t>2. </a:t>
-            </a:r>
-            <a:r>
-              <a:rPr lang="en-US" sz="2400" dirty="0">
-                <a:solidFill>
-                  <a:srgbClr val="FF0000"/>
-                </a:solidFill>
-              </a:rPr>
-              <a:t>Request Redirect and Delegate</a:t>
-            </a:r>
-            <a:endParaRPr lang="en-US" altLang="ja-JP" sz="2400" dirty="0">
-              <a:solidFill>
-                <a:srgbClr val="FF0000"/>
-              </a:solidFill>
-              <a:latin typeface="Meiryo UI" panose="020B0604030504040204" pitchFamily="34" charset="-128"/>
-              <a:ea typeface="Meiryo UI" panose="020B0604030504040204" pitchFamily="34" charset="-128"/>
-            </a:endParaRPr>
-          </a:p>
-        </p:txBody>
-      </p:sp>
-      <p:sp>
-        <p:nvSpPr>
-          <p:cNvPr id="40" name="Rectangle 39">
-            <a:extLst>
-              <a:ext uri="{FF2B5EF4-FFF2-40B4-BE49-F238E27FC236}">
-                <a16:creationId xmlns:a16="http://schemas.microsoft.com/office/drawing/2014/main" id="{2DF12DBD-B5FB-4DDA-A34A-B16D62E9D515}"/>
-              </a:ext>
-            </a:extLst>
-          </p:cNvPr>
-          <p:cNvSpPr/>
-          <p:nvPr/>
-        </p:nvSpPr>
-        <p:spPr>
-          <a:xfrm>
-            <a:off x="453413" y="2564904"/>
-            <a:ext cx="11081087" cy="460375"/>
-          </a:xfrm>
-          <a:prstGeom prst="rect">
-            <a:avLst/>
-          </a:prstGeom>
-        </p:spPr>
-        <p:txBody>
-          <a:bodyPr wrap="square">
-            <a:spAutoFit/>
-          </a:bodyPr>
-          <a:lstStyle/>
-          <a:p>
-            <a:r>
-              <a:rPr lang="en-US" altLang="ja-JP" sz="2400" dirty="0">
-                <a:solidFill>
-                  <a:srgbClr val="000000"/>
-                </a:solidFill>
-                <a:latin typeface="Meiryo UI" panose="020B0604030504040204" pitchFamily="34" charset="-128"/>
-                <a:ea typeface="Meiryo UI" panose="020B0604030504040204" pitchFamily="34" charset="-128"/>
-              </a:rPr>
-              <a:t>3. </a:t>
-            </a:r>
-            <a:r>
-              <a:rPr lang="en-US" sz="2400" dirty="0"/>
-              <a:t>Add/Update/Remove user usage access in all EMS sub systems</a:t>
-            </a:r>
-            <a:endParaRPr lang="en-US" altLang="ja-JP" sz="2400" dirty="0">
-              <a:solidFill>
-                <a:srgbClr val="000000"/>
-              </a:solidFill>
-              <a:latin typeface="Meiryo UI" panose="020B0604030504040204" pitchFamily="34" charset="-128"/>
-              <a:ea typeface="Meiryo UI" panose="020B0604030504040204" pitchFamily="34" charset="-128"/>
-            </a:endParaRPr>
-          </a:p>
-        </p:txBody>
-      </p:sp>
-    </p:spTree>
-  </p:cSld>
-  <p:clrMapOvr>
-    <a:masterClrMapping/>
-  </p:clrMapOvr>
-</p:sld>
-</file>
-
-<file path=ppt/slides/slide3.xml><?xml version="1.0" encoding="utf-8"?>
-<p:sld xmlns:a="http://schemas.openxmlformats.org/drawingml/2006/main" xmlns:r="http://schemas.openxmlformats.org/officeDocument/2006/relationships" xmlns:p="http://schemas.openxmlformats.org/presentationml/2006/main">
-  <p:cSld>
-    <p:spTree>
-      <p:nvGrpSpPr>
-        <p:cNvPr id="1" name=""/>
-        <p:cNvGrpSpPr/>
-        <p:nvPr/>
-      </p:nvGrpSpPr>
-      <p:grpSpPr>
-        <a:xfrm>
-          <a:off x="0" y="0"/>
-          <a:ext cx="0" cy="0"/>
-          <a:chOff x="0" y="0"/>
-          <a:chExt cx="0" cy="0"/>
-        </a:xfrm>
-      </p:grpSpPr>
-      <p:sp>
-        <p:nvSpPr>
-          <p:cNvPr id="19" name="Rectangle 18"/>
-          <p:cNvSpPr/>
-          <p:nvPr/>
-        </p:nvSpPr>
-        <p:spPr>
-          <a:xfrm>
-            <a:off x="516469" y="776255"/>
-            <a:ext cx="11081087" cy="460375"/>
-          </a:xfrm>
-          <a:prstGeom prst="rect">
-            <a:avLst/>
-          </a:prstGeom>
-        </p:spPr>
-        <p:txBody>
-          <a:bodyPr wrap="square">
-            <a:spAutoFit/>
-          </a:bodyPr>
-          <a:lstStyle/>
-          <a:p>
-            <a:r>
-              <a:rPr lang="en-US" altLang="ja-JP" sz="2400" dirty="0">
-                <a:solidFill>
-                  <a:srgbClr val="000000"/>
-                </a:solidFill>
-                <a:latin typeface="Meiryo UI" panose="020B0604030504040204" pitchFamily="34" charset="-128"/>
-                <a:ea typeface="Meiryo UI" panose="020B0604030504040204" pitchFamily="34" charset="-128"/>
-              </a:rPr>
-              <a:t>Pattern 1: Redirect of applicant</a:t>
-            </a:r>
-          </a:p>
-        </p:txBody>
-      </p:sp>
-      <p:grpSp>
-        <p:nvGrpSpPr>
-          <p:cNvPr id="4" name="グループ化 3"/>
-          <p:cNvGrpSpPr/>
-          <p:nvPr/>
-        </p:nvGrpSpPr>
-        <p:grpSpPr>
-          <a:xfrm>
-            <a:off x="1217728" y="1997455"/>
-            <a:ext cx="9325565" cy="2495349"/>
-            <a:chOff x="1825839" y="1618910"/>
-            <a:chExt cx="8692831" cy="2317961"/>
-          </a:xfrm>
-        </p:grpSpPr>
-        <p:sp>
-          <p:nvSpPr>
-            <p:cNvPr id="5" name="正方形/長方形 4"/>
-            <p:cNvSpPr/>
-            <p:nvPr/>
-          </p:nvSpPr>
-          <p:spPr>
-            <a:xfrm>
-              <a:off x="4024270" y="1632871"/>
-              <a:ext cx="4942426" cy="2304000"/>
-            </a:xfrm>
-            <a:prstGeom prst="rect">
-              <a:avLst/>
-            </a:prstGeom>
-            <a:solidFill>
-              <a:schemeClr val="bg1"/>
-            </a:solidFill>
-            <a:ln>
-              <a:solidFill>
-                <a:schemeClr val="tx1">
-                  <a:lumMod val="75000"/>
-                  <a:lumOff val="25000"/>
-                </a:schemeClr>
-              </a:solidFill>
-            </a:ln>
-          </p:spPr>
-          <p:style>
-            <a:lnRef idx="1">
-              <a:schemeClr val="accent1"/>
-            </a:lnRef>
-            <a:fillRef idx="0">
-              <a:schemeClr val="accent1"/>
-            </a:fillRef>
-            <a:effectRef idx="0">
-              <a:schemeClr val="accent1"/>
-            </a:effectRef>
-            <a:fontRef idx="minor">
-              <a:schemeClr val="tx1"/>
-            </a:fontRef>
-          </p:style>
-          <p:txBody>
-            <a:bodyPr rot="0" spcFirstLastPara="0" vertOverflow="overflow" horzOverflow="overflow" vert="horz" wrap="square" lIns="121920" tIns="60960" rIns="121920" bIns="60960" numCol="1" spcCol="0" rtlCol="0" fromWordArt="0" anchor="t" anchorCtr="0" forceAA="0" compatLnSpc="1">
-              <a:noAutofit/>
-            </a:bodyPr>
-            <a:lstStyle/>
-            <a:p>
-              <a:r>
-                <a:rPr lang="en-US" altLang="ja-JP" sz="1335" u="sng" dirty="0">
-                  <a:latin typeface="Meiryo UI" panose="020B0604030504040204" pitchFamily="34" charset="-128"/>
-                  <a:ea typeface="Meiryo UI" panose="020B0604030504040204" pitchFamily="34" charset="-128"/>
-                  <a:cs typeface="Meiryo UI" panose="020B0604030504040204" pitchFamily="34" charset="-128"/>
-                </a:rPr>
-                <a:t>K2</a:t>
-              </a:r>
-              <a:r>
-                <a:rPr lang="ja-JP" altLang="en-US" sz="1335" u="sng" dirty="0">
-                  <a:latin typeface="Meiryo UI" panose="020B0604030504040204" pitchFamily="34" charset="-128"/>
-                  <a:ea typeface="Meiryo UI" panose="020B0604030504040204" pitchFamily="34" charset="-128"/>
-                  <a:cs typeface="Meiryo UI" panose="020B0604030504040204" pitchFamily="34" charset="-128"/>
-                </a:rPr>
-                <a:t> </a:t>
-              </a:r>
-              <a:r>
-                <a:rPr lang="en-US" altLang="ja-JP" sz="1335" u="sng" dirty="0">
-                  <a:latin typeface="Meiryo UI" panose="020B0604030504040204" pitchFamily="34" charset="-128"/>
-                  <a:ea typeface="Meiryo UI" panose="020B0604030504040204" pitchFamily="34" charset="-128"/>
-                  <a:cs typeface="Meiryo UI" panose="020B0604030504040204" pitchFamily="34" charset="-128"/>
-                </a:rPr>
-                <a:t>Team</a:t>
-              </a:r>
-              <a:endParaRPr lang="ja-JP" altLang="en-US" sz="1335" u="sng" dirty="0">
-                <a:latin typeface="Meiryo UI" panose="020B0604030504040204" pitchFamily="34" charset="-128"/>
-                <a:ea typeface="Meiryo UI" panose="020B0604030504040204" pitchFamily="34" charset="-128"/>
-                <a:cs typeface="Meiryo UI" panose="020B0604030504040204" pitchFamily="34" charset="-128"/>
-              </a:endParaRPr>
-            </a:p>
-          </p:txBody>
-        </p:sp>
-        <p:sp>
-          <p:nvSpPr>
-            <p:cNvPr id="6" name="正方形/長方形 5"/>
-            <p:cNvSpPr/>
-            <p:nvPr/>
-          </p:nvSpPr>
-          <p:spPr>
-            <a:xfrm>
-              <a:off x="2503367" y="1632871"/>
-              <a:ext cx="1421719" cy="2304000"/>
-            </a:xfrm>
-            <a:prstGeom prst="rect">
-              <a:avLst/>
-            </a:prstGeom>
-            <a:solidFill>
-              <a:schemeClr val="bg1"/>
-            </a:solidFill>
-            <a:ln>
-              <a:solidFill>
-                <a:schemeClr val="tx1">
-                  <a:lumMod val="75000"/>
-                  <a:lumOff val="25000"/>
-                </a:schemeClr>
-              </a:solidFill>
-            </a:ln>
-          </p:spPr>
-          <p:style>
-            <a:lnRef idx="1">
-              <a:schemeClr val="accent1"/>
-            </a:lnRef>
-            <a:fillRef idx="0">
-              <a:schemeClr val="accent1"/>
-            </a:fillRef>
-            <a:effectRef idx="0">
-              <a:schemeClr val="accent1"/>
-            </a:effectRef>
-            <a:fontRef idx="minor">
-              <a:schemeClr val="tx1"/>
-            </a:fontRef>
-          </p:style>
-          <p:txBody>
-            <a:bodyPr rot="0" spcFirstLastPara="0" vertOverflow="overflow" horzOverflow="overflow" vert="horz" wrap="square" lIns="121920" tIns="60960" rIns="121920" bIns="60960" numCol="1" spcCol="0" rtlCol="0" fromWordArt="0" anchor="t" anchorCtr="0" forceAA="0" compatLnSpc="1">
-              <a:noAutofit/>
-            </a:bodyPr>
-            <a:lstStyle/>
-            <a:p>
-              <a:pPr algn="ctr"/>
-              <a:endParaRPr lang="ja-JP" altLang="en-US" sz="1335" u="sng" dirty="0">
-                <a:latin typeface="Meiryo UI" panose="020B0604030504040204" pitchFamily="34" charset="-128"/>
-                <a:ea typeface="Meiryo UI" panose="020B0604030504040204" pitchFamily="34" charset="-128"/>
-                <a:cs typeface="Meiryo UI" panose="020B0604030504040204" pitchFamily="34" charset="-128"/>
-              </a:endParaRPr>
-            </a:p>
-            <a:p>
-              <a:pPr algn="ctr"/>
-              <a:endParaRPr lang="ja-JP" altLang="en-US" sz="1335" u="sng" dirty="0">
-                <a:latin typeface="Meiryo UI" panose="020B0604030504040204" pitchFamily="34" charset="-128"/>
-                <a:ea typeface="Meiryo UI" panose="020B0604030504040204" pitchFamily="34" charset="-128"/>
-                <a:cs typeface="Meiryo UI" panose="020B0604030504040204" pitchFamily="34" charset="-128"/>
-              </a:endParaRPr>
-            </a:p>
-          </p:txBody>
-        </p:sp>
-        <p:sp>
-          <p:nvSpPr>
-            <p:cNvPr id="7" name="正方形/長方形 6"/>
-            <p:cNvSpPr/>
-            <p:nvPr/>
-          </p:nvSpPr>
-          <p:spPr>
-            <a:xfrm>
-              <a:off x="1825839" y="1632871"/>
-              <a:ext cx="576000" cy="2304000"/>
-            </a:xfrm>
-            <a:prstGeom prst="rect">
-              <a:avLst/>
-            </a:prstGeom>
-            <a:solidFill>
-              <a:schemeClr val="bg1"/>
-            </a:solidFill>
-            <a:ln>
-              <a:solidFill>
-                <a:schemeClr val="tx1">
-                  <a:lumMod val="75000"/>
-                  <a:lumOff val="25000"/>
-                </a:schemeClr>
-              </a:solidFill>
-            </a:ln>
-          </p:spPr>
-          <p:style>
-            <a:lnRef idx="1">
-              <a:schemeClr val="accent1"/>
-            </a:lnRef>
-            <a:fillRef idx="0">
-              <a:schemeClr val="accent1"/>
-            </a:fillRef>
-            <a:effectRef idx="0">
-              <a:schemeClr val="accent1"/>
-            </a:effectRef>
-            <a:fontRef idx="minor">
-              <a:schemeClr val="tx1"/>
-            </a:fontRef>
-          </p:style>
-          <p:txBody>
-            <a:bodyPr rot="0" spcFirstLastPara="0" vertOverflow="overflow" horzOverflow="overflow" vert="horz" wrap="none" lIns="121920" tIns="60960" rIns="121920" bIns="60960" numCol="1" spcCol="0" rtlCol="0" fromWordArt="0" anchor="ctr" anchorCtr="0" forceAA="0" compatLnSpc="1">
-              <a:noAutofit/>
-            </a:bodyPr>
-            <a:lstStyle/>
-            <a:p>
-              <a:pPr algn="ctr"/>
-              <a:r>
-                <a:rPr lang="en-US" altLang="ja-JP" sz="1335" dirty="0">
-                  <a:latin typeface="Meiryo UI" panose="020B0604030504040204" pitchFamily="34" charset="-128"/>
-                  <a:ea typeface="Meiryo UI" panose="020B0604030504040204" pitchFamily="34" charset="-128"/>
-                  <a:cs typeface="Meiryo UI" panose="020B0604030504040204" pitchFamily="34" charset="-128"/>
-                </a:rPr>
-                <a:t>ASIS</a:t>
-              </a:r>
-              <a:endParaRPr lang="ja-JP" altLang="en-US" sz="1335" dirty="0">
-                <a:latin typeface="Meiryo UI" panose="020B0604030504040204" pitchFamily="34" charset="-128"/>
-                <a:ea typeface="Meiryo UI" panose="020B0604030504040204" pitchFamily="34" charset="-128"/>
-                <a:cs typeface="Meiryo UI" panose="020B0604030504040204" pitchFamily="34" charset="-128"/>
-              </a:endParaRPr>
-            </a:p>
-          </p:txBody>
-        </p:sp>
-        <p:sp>
-          <p:nvSpPr>
-            <p:cNvPr id="9" name="角丸四角形 15"/>
-            <p:cNvSpPr/>
-            <p:nvPr/>
-          </p:nvSpPr>
-          <p:spPr>
-            <a:xfrm>
-              <a:off x="2778230" y="1995082"/>
-              <a:ext cx="842879" cy="374975"/>
-            </a:xfrm>
-            <a:prstGeom prst="roundRect">
-              <a:avLst/>
-            </a:prstGeom>
-            <a:solidFill>
-              <a:schemeClr val="bg1"/>
-            </a:solidFill>
-            <a:ln>
-              <a:solidFill>
-                <a:schemeClr val="tx1">
-                  <a:lumMod val="75000"/>
-                  <a:lumOff val="25000"/>
-                </a:schemeClr>
-              </a:solidFill>
-            </a:ln>
-          </p:spPr>
-          <p:style>
-            <a:lnRef idx="1">
-              <a:schemeClr val="accent1"/>
-            </a:lnRef>
-            <a:fillRef idx="0">
-              <a:schemeClr val="accent1"/>
-            </a:fillRef>
-            <a:effectRef idx="0">
-              <a:schemeClr val="accent1"/>
-            </a:effectRef>
-            <a:fontRef idx="minor">
-              <a:schemeClr val="tx1"/>
-            </a:fontRef>
-          </p:style>
-          <p:txBody>
-            <a:bodyPr rot="0" spcFirstLastPara="0" vertOverflow="overflow" horzOverflow="overflow" vert="horz" wrap="square" lIns="121920" tIns="60960" rIns="121920" bIns="60960" numCol="1" spcCol="0" rtlCol="0" fromWordArt="0" anchor="ctr" anchorCtr="0" forceAA="0" compatLnSpc="1">
-              <a:noAutofit/>
-            </a:bodyPr>
-            <a:lstStyle/>
-            <a:p>
-              <a:pPr algn="ctr"/>
-              <a:r>
-                <a:rPr lang="en-US" altLang="ja-JP" sz="800" dirty="0">
-                  <a:latin typeface="Meiryo UI" panose="020B0604030504040204" pitchFamily="34" charset="-128"/>
-                  <a:ea typeface="Meiryo UI" panose="020B0604030504040204" pitchFamily="34" charset="-128"/>
-                  <a:cs typeface="Meiryo UI" panose="020B0604030504040204" pitchFamily="34" charset="-128"/>
-                </a:rPr>
-                <a:t>O</a:t>
-              </a:r>
-              <a:r>
-                <a:rPr lang="ja-JP" altLang="en-US" sz="800" dirty="0">
-                  <a:latin typeface="Meiryo UI" panose="020B0604030504040204" pitchFamily="34" charset="-128"/>
-                  <a:ea typeface="Meiryo UI" panose="020B0604030504040204" pitchFamily="34" charset="-128"/>
-                  <a:cs typeface="Meiryo UI" panose="020B0604030504040204" pitchFamily="34" charset="-128"/>
-                </a:rPr>
-                <a:t>riginal </a:t>
-              </a:r>
-              <a:r>
-                <a:rPr lang="en-US" altLang="ja-JP" sz="800" dirty="0">
-                  <a:latin typeface="Meiryo UI" panose="020B0604030504040204" pitchFamily="34" charset="-128"/>
-                  <a:ea typeface="Meiryo UI" panose="020B0604030504040204" pitchFamily="34" charset="-128"/>
-                  <a:cs typeface="Meiryo UI" panose="020B0604030504040204" pitchFamily="34" charset="-128"/>
-                </a:rPr>
-                <a:t>A</a:t>
-              </a:r>
-              <a:r>
-                <a:rPr lang="ja-JP" altLang="en-US" sz="800" dirty="0">
-                  <a:latin typeface="Meiryo UI" panose="020B0604030504040204" pitchFamily="34" charset="-128"/>
-                  <a:ea typeface="Meiryo UI" panose="020B0604030504040204" pitchFamily="34" charset="-128"/>
-                  <a:cs typeface="Meiryo UI" panose="020B0604030504040204" pitchFamily="34" charset="-128"/>
-                </a:rPr>
-                <a:t>pplicant</a:t>
-              </a:r>
-            </a:p>
-          </p:txBody>
-        </p:sp>
-        <p:cxnSp>
-          <p:nvCxnSpPr>
-            <p:cNvPr id="11" name="直線矢印コネクタ 10"/>
-            <p:cNvCxnSpPr/>
-            <p:nvPr/>
-          </p:nvCxnSpPr>
-          <p:spPr>
-            <a:xfrm>
-              <a:off x="3447739" y="2636476"/>
-              <a:ext cx="741198" cy="8704"/>
-            </a:xfrm>
-            <a:prstGeom prst="straightConnector1">
-              <a:avLst/>
-            </a:prstGeom>
-            <a:ln>
-              <a:solidFill>
-                <a:schemeClr val="tx1">
-                  <a:lumMod val="50000"/>
-                  <a:lumOff val="50000"/>
-                </a:schemeClr>
-              </a:solidFill>
-              <a:headEnd type="none" w="med" len="med"/>
-              <a:tailEnd type="triangle" w="med" len="med"/>
-            </a:ln>
-          </p:spPr>
-          <p:style>
-            <a:lnRef idx="1">
-              <a:schemeClr val="accent1"/>
-            </a:lnRef>
-            <a:fillRef idx="0">
-              <a:schemeClr val="accent1"/>
-            </a:fillRef>
-            <a:effectRef idx="0">
-              <a:schemeClr val="accent1"/>
-            </a:effectRef>
-            <a:fontRef idx="minor">
-              <a:schemeClr val="tx1"/>
-            </a:fontRef>
-          </p:style>
-        </p:cxnSp>
-        <p:cxnSp>
-          <p:nvCxnSpPr>
-            <p:cNvPr id="12" name="直線矢印コネクタ 11"/>
-            <p:cNvCxnSpPr/>
-            <p:nvPr/>
-          </p:nvCxnSpPr>
-          <p:spPr>
-            <a:xfrm flipH="1">
-              <a:off x="4762521" y="2857385"/>
-              <a:ext cx="1279130" cy="13527"/>
-            </a:xfrm>
-            <a:prstGeom prst="straightConnector1">
-              <a:avLst/>
-            </a:prstGeom>
-            <a:ln>
-              <a:solidFill>
-                <a:schemeClr val="tx1">
-                  <a:lumMod val="50000"/>
-                  <a:lumOff val="50000"/>
-                </a:schemeClr>
-              </a:solidFill>
-              <a:headEnd type="triangle" w="med" len="med"/>
-              <a:tailEnd type="none" w="med" len="med"/>
-            </a:ln>
-          </p:spPr>
-          <p:style>
-            <a:lnRef idx="1">
-              <a:schemeClr val="accent1"/>
-            </a:lnRef>
-            <a:fillRef idx="0">
-              <a:schemeClr val="accent1"/>
-            </a:fillRef>
-            <a:effectRef idx="0">
-              <a:schemeClr val="accent1"/>
-            </a:effectRef>
-            <a:fontRef idx="minor">
-              <a:schemeClr val="tx1"/>
-            </a:fontRef>
-          </p:style>
-        </p:cxnSp>
-        <p:sp>
-          <p:nvSpPr>
-            <p:cNvPr id="13" name="正方形/長方形 12"/>
-            <p:cNvSpPr/>
-            <p:nvPr/>
-          </p:nvSpPr>
-          <p:spPr>
-            <a:xfrm>
-              <a:off x="9076487" y="1618910"/>
-              <a:ext cx="1442183" cy="2304000"/>
-            </a:xfrm>
-            <a:prstGeom prst="rect">
-              <a:avLst/>
-            </a:prstGeom>
-            <a:solidFill>
-              <a:schemeClr val="bg1"/>
-            </a:solidFill>
-            <a:ln>
-              <a:solidFill>
-                <a:schemeClr val="tx1">
-                  <a:lumMod val="75000"/>
-                  <a:lumOff val="25000"/>
-                </a:schemeClr>
-              </a:solidFill>
-            </a:ln>
-          </p:spPr>
-          <p:style>
-            <a:lnRef idx="1">
-              <a:schemeClr val="accent1"/>
-            </a:lnRef>
-            <a:fillRef idx="0">
-              <a:schemeClr val="accent1"/>
-            </a:fillRef>
-            <a:effectRef idx="0">
-              <a:schemeClr val="accent1"/>
-            </a:effectRef>
-            <a:fontRef idx="minor">
-              <a:schemeClr val="tx1"/>
-            </a:fontRef>
-          </p:style>
-          <p:txBody>
-            <a:bodyPr rot="0" spcFirstLastPara="0" vertOverflow="overflow" horzOverflow="overflow" vert="horz" wrap="square" lIns="121920" tIns="60960" rIns="121920" bIns="60960" numCol="1" spcCol="0" rtlCol="0" fromWordArt="0" anchor="t" anchorCtr="0" forceAA="0" compatLnSpc="1">
-              <a:noAutofit/>
-            </a:bodyPr>
-            <a:lstStyle/>
-            <a:p>
-              <a:pPr algn="ctr"/>
-              <a:endParaRPr lang="ja-JP" altLang="en-US" sz="1335" u="sng" dirty="0">
-                <a:latin typeface="Meiryo UI" panose="020B0604030504040204" pitchFamily="34" charset="-128"/>
-                <a:ea typeface="Meiryo UI" panose="020B0604030504040204" pitchFamily="34" charset="-128"/>
-                <a:cs typeface="Meiryo UI" panose="020B0604030504040204" pitchFamily="34" charset="-128"/>
-              </a:endParaRPr>
-            </a:p>
-          </p:txBody>
-        </p:sp>
-        <p:cxnSp>
-          <p:nvCxnSpPr>
-            <p:cNvPr id="24" name="直線矢印コネクタ 23"/>
-            <p:cNvCxnSpPr/>
-            <p:nvPr/>
-          </p:nvCxnSpPr>
-          <p:spPr>
-            <a:xfrm flipH="1" flipV="1">
-              <a:off x="8453707" y="2276203"/>
-              <a:ext cx="907407" cy="538709"/>
-            </a:xfrm>
-            <a:prstGeom prst="straightConnector1">
-              <a:avLst/>
-            </a:prstGeom>
-            <a:ln>
-              <a:solidFill>
-                <a:schemeClr val="tx1">
-                  <a:lumMod val="50000"/>
-                  <a:lumOff val="50000"/>
-                </a:schemeClr>
-              </a:solidFill>
-              <a:headEnd type="triangle" w="med" len="med"/>
-              <a:tailEnd type="none" w="med" len="med"/>
-            </a:ln>
-          </p:spPr>
-          <p:style>
-            <a:lnRef idx="1">
-              <a:schemeClr val="accent1"/>
-            </a:lnRef>
-            <a:fillRef idx="0">
-              <a:schemeClr val="accent1"/>
-            </a:fillRef>
-            <a:effectRef idx="0">
-              <a:schemeClr val="accent1"/>
-            </a:effectRef>
-            <a:fontRef idx="minor">
-              <a:schemeClr val="tx1"/>
-            </a:fontRef>
-          </p:style>
-        </p:cxnSp>
-        <p:pic>
-          <p:nvPicPr>
-            <p:cNvPr id="26" name="Picture 14" descr="ICON_Person_Orange_Q408.png"/>
-            <p:cNvPicPr>
-              <a:picLocks noChangeAspect="1"/>
-            </p:cNvPicPr>
-            <p:nvPr/>
-          </p:nvPicPr>
-          <p:blipFill>
-            <a:blip r:embed="rId2"/>
-            <a:srcRect/>
-            <a:stretch>
-              <a:fillRect/>
-            </a:stretch>
-          </p:blipFill>
-          <p:spPr bwMode="auto">
-            <a:xfrm>
-              <a:off x="9408616" y="2709924"/>
-              <a:ext cx="253500" cy="439433"/>
-            </a:xfrm>
-            <a:prstGeom prst="rect">
-              <a:avLst/>
-            </a:prstGeom>
-            <a:noFill/>
-            <a:ln w="9525">
-              <a:noFill/>
-              <a:miter lim="800000"/>
-              <a:headEnd/>
-              <a:tailEnd/>
-            </a:ln>
-          </p:spPr>
-        </p:pic>
-        <p:pic>
-          <p:nvPicPr>
-            <p:cNvPr id="35" name="Picture 27" descr="MC900433941"/>
-            <p:cNvPicPr>
-              <a:picLocks noChangeAspect="1" noChangeArrowheads="1"/>
-            </p:cNvPicPr>
-            <p:nvPr/>
-          </p:nvPicPr>
-          <p:blipFill>
-            <a:blip r:embed="rId3" cstate="screen"/>
-            <a:srcRect/>
-            <a:stretch>
-              <a:fillRect/>
-            </a:stretch>
-          </p:blipFill>
-          <p:spPr bwMode="auto">
-            <a:xfrm>
-              <a:off x="7938116" y="1878589"/>
-              <a:ext cx="504825" cy="534988"/>
-            </a:xfrm>
-            <a:prstGeom prst="rect">
-              <a:avLst/>
-            </a:prstGeom>
-            <a:noFill/>
-            <a:ln>
-              <a:noFill/>
-            </a:ln>
-            <a:extLst>
-              <a:ext uri="{909E8E84-426E-40DD-AFC4-6F175D3DCCD1}">
-                <a14:hiddenFill xmlns:a14="http://schemas.microsoft.com/office/drawing/2010/main">
-                  <a:solidFill>
-                    <a:srgbClr val="FFFFFF"/>
-                  </a:solidFill>
-                </a14:hiddenFill>
-              </a:ext>
-              <a:ext uri="{91240B29-F687-4F45-9708-019B960494DF}">
-                <a14:hiddenLine xmlns:a14="http://schemas.microsoft.com/office/drawing/2010/main" w="9525">
-                  <a:solidFill>
-                    <a:srgbClr val="000000"/>
-                  </a:solidFill>
-                  <a:miter lim="800000"/>
-                  <a:headEnd/>
-                  <a:tailEnd/>
-                </a14:hiddenLine>
-              </a:ext>
-            </a:extLst>
-          </p:spPr>
-        </p:pic>
-        <p:pic>
-          <p:nvPicPr>
-            <p:cNvPr id="36" name="Picture 27" descr="MC900433941"/>
-            <p:cNvPicPr>
-              <a:picLocks noChangeAspect="1" noChangeArrowheads="1"/>
-            </p:cNvPicPr>
-            <p:nvPr/>
-          </p:nvPicPr>
-          <p:blipFill>
-            <a:blip r:embed="rId3" cstate="screen"/>
-            <a:srcRect/>
-            <a:stretch>
-              <a:fillRect/>
-            </a:stretch>
-          </p:blipFill>
-          <p:spPr bwMode="auto">
-            <a:xfrm>
-              <a:off x="4265562" y="2316286"/>
-              <a:ext cx="504825" cy="534988"/>
-            </a:xfrm>
-            <a:prstGeom prst="rect">
-              <a:avLst/>
-            </a:prstGeom>
-            <a:noFill/>
-            <a:ln>
-              <a:noFill/>
-            </a:ln>
-            <a:extLst>
-              <a:ext uri="{909E8E84-426E-40DD-AFC4-6F175D3DCCD1}">
-                <a14:hiddenFill xmlns:a14="http://schemas.microsoft.com/office/drawing/2010/main">
-                  <a:solidFill>
-                    <a:srgbClr val="FFFFFF"/>
-                  </a:solidFill>
-                </a14:hiddenFill>
-              </a:ext>
-              <a:ext uri="{91240B29-F687-4F45-9708-019B960494DF}">
-                <a14:hiddenLine xmlns:a14="http://schemas.microsoft.com/office/drawing/2010/main" w="9525">
-                  <a:solidFill>
-                    <a:srgbClr val="000000"/>
-                  </a:solidFill>
-                  <a:miter lim="800000"/>
-                  <a:headEnd/>
-                  <a:tailEnd/>
-                </a14:hiddenLine>
-              </a:ext>
-            </a:extLst>
-          </p:spPr>
-        </p:pic>
-        <p:pic>
-          <p:nvPicPr>
-            <p:cNvPr id="37" name="Picture 95" descr="10"/>
-            <p:cNvPicPr>
-              <a:picLocks noChangeAspect="1" noChangeArrowheads="1"/>
-            </p:cNvPicPr>
-            <p:nvPr/>
-          </p:nvPicPr>
-          <p:blipFill>
-            <a:blip r:embed="rId4" cstate="screen">
-              <a:extLst>
-                <a:ext uri="{28A0092B-C50C-407E-A947-70E740481C1C}">
-                  <a14:useLocalDpi xmlns:a14="http://schemas.microsoft.com/office/drawing/2010/main" val="0"/>
-                </a:ext>
-              </a:extLst>
-            </a:blip>
-            <a:srcRect/>
-            <a:stretch>
-              <a:fillRect/>
-            </a:stretch>
-          </p:blipFill>
-          <p:spPr bwMode="auto">
-            <a:xfrm>
-              <a:off x="6745388" y="2335312"/>
-              <a:ext cx="253461" cy="145154"/>
-            </a:xfrm>
-            <a:prstGeom prst="rect">
-              <a:avLst/>
-            </a:prstGeom>
-            <a:noFill/>
-            <a:extLst>
-              <a:ext uri="{909E8E84-426E-40DD-AFC4-6F175D3DCCD1}">
-                <a14:hiddenFill xmlns:a14="http://schemas.microsoft.com/office/drawing/2010/main">
-                  <a:solidFill>
-                    <a:srgbClr val="FFFFFF"/>
-                  </a:solidFill>
-                </a14:hiddenFill>
-              </a:ext>
-            </a:extLst>
-          </p:spPr>
-        </p:pic>
-        <p:pic>
-          <p:nvPicPr>
-            <p:cNvPr id="3" name="Picture 210" descr="ICON_Person_Q308"/>
-            <p:cNvPicPr>
-              <a:picLocks noChangeAspect="1" noChangeArrowheads="1"/>
-            </p:cNvPicPr>
-            <p:nvPr/>
-          </p:nvPicPr>
-          <p:blipFill>
-            <a:blip r:embed="rId5"/>
-            <a:srcRect/>
-            <a:stretch>
-              <a:fillRect/>
-            </a:stretch>
-          </p:blipFill>
-          <p:spPr bwMode="auto">
-            <a:xfrm>
-              <a:off x="3166242" y="2413577"/>
-              <a:ext cx="253500" cy="432000"/>
-            </a:xfrm>
-            <a:prstGeom prst="rect">
-              <a:avLst/>
-            </a:prstGeom>
-            <a:noFill/>
-            <a:ln w="9525">
-              <a:noFill/>
-              <a:miter lim="800000"/>
-              <a:headEnd/>
-              <a:tailEnd/>
-            </a:ln>
-          </p:spPr>
-        </p:pic>
-        <p:sp>
-          <p:nvSpPr>
-            <p:cNvPr id="53" name="角丸四角形 15"/>
-            <p:cNvSpPr/>
-            <p:nvPr/>
-          </p:nvSpPr>
-          <p:spPr>
-            <a:xfrm>
-              <a:off x="9257496" y="2316286"/>
-              <a:ext cx="904374" cy="297958"/>
-            </a:xfrm>
-            <a:prstGeom prst="roundRect">
-              <a:avLst/>
-            </a:prstGeom>
-            <a:solidFill>
-              <a:schemeClr val="bg1"/>
-            </a:solidFill>
-            <a:ln>
-              <a:solidFill>
-                <a:schemeClr val="tx1">
-                  <a:lumMod val="75000"/>
-                  <a:lumOff val="25000"/>
-                </a:schemeClr>
-              </a:solidFill>
-            </a:ln>
-          </p:spPr>
-          <p:style>
-            <a:lnRef idx="1">
-              <a:schemeClr val="accent1"/>
-            </a:lnRef>
-            <a:fillRef idx="0">
-              <a:schemeClr val="accent1"/>
-            </a:fillRef>
-            <a:effectRef idx="0">
-              <a:schemeClr val="accent1"/>
-            </a:effectRef>
-            <a:fontRef idx="minor">
-              <a:schemeClr val="tx1"/>
-            </a:fontRef>
-          </p:style>
-          <p:txBody>
-            <a:bodyPr rot="0" spcFirstLastPara="0" vertOverflow="overflow" horzOverflow="overflow" vert="horz" wrap="square" lIns="121920" tIns="60960" rIns="121920" bIns="60960" numCol="1" spcCol="0" rtlCol="0" fromWordArt="0" anchor="ctr" anchorCtr="0" forceAA="0" compatLnSpc="1">
-              <a:noAutofit/>
-            </a:bodyPr>
-            <a:lstStyle/>
-            <a:p>
-              <a:pPr algn="ctr"/>
-              <a:r>
-                <a:rPr lang="en-US" sz="800" dirty="0">
-                  <a:latin typeface="Meiryo UI" panose="020B0604030504040204" pitchFamily="34" charset="-128"/>
-                  <a:ea typeface="Meiryo UI" panose="020B0604030504040204" pitchFamily="34" charset="-128"/>
-                  <a:cs typeface="Meiryo UI" panose="020B0604030504040204" pitchFamily="34" charset="-128"/>
-                </a:rPr>
-                <a:t>N</a:t>
-              </a:r>
-              <a:r>
-                <a:rPr sz="800" dirty="0">
-                  <a:latin typeface="Meiryo UI" panose="020B0604030504040204" pitchFamily="34" charset="-128"/>
-                  <a:ea typeface="Meiryo UI" panose="020B0604030504040204" pitchFamily="34" charset="-128"/>
-                  <a:cs typeface="Meiryo UI" panose="020B0604030504040204" pitchFamily="34" charset="-128"/>
-                </a:rPr>
-                <a:t>ew </a:t>
-              </a:r>
-              <a:r>
-                <a:rPr lang="en-US" sz="800" dirty="0">
-                  <a:latin typeface="Meiryo UI" panose="020B0604030504040204" pitchFamily="34" charset="-128"/>
-                  <a:ea typeface="Meiryo UI" panose="020B0604030504040204" pitchFamily="34" charset="-128"/>
-                  <a:cs typeface="Meiryo UI" panose="020B0604030504040204" pitchFamily="34" charset="-128"/>
-                </a:rPr>
-                <a:t>O</a:t>
-              </a:r>
-              <a:r>
-                <a:rPr sz="800" dirty="0">
-                  <a:latin typeface="Meiryo UI" panose="020B0604030504040204" pitchFamily="34" charset="-128"/>
-                  <a:ea typeface="Meiryo UI" panose="020B0604030504040204" pitchFamily="34" charset="-128"/>
-                  <a:cs typeface="Meiryo UI" panose="020B0604030504040204" pitchFamily="34" charset="-128"/>
-                </a:rPr>
-                <a:t>perator</a:t>
-              </a:r>
-            </a:p>
-          </p:txBody>
-        </p:sp>
-        <p:cxnSp>
-          <p:nvCxnSpPr>
-            <p:cNvPr id="77" name="直線矢印コネクタ 11"/>
-            <p:cNvCxnSpPr/>
-            <p:nvPr/>
-          </p:nvCxnSpPr>
-          <p:spPr>
-            <a:xfrm flipH="1" flipV="1">
-              <a:off x="7437978" y="2203360"/>
-              <a:ext cx="478268" cy="9549"/>
-            </a:xfrm>
-            <a:prstGeom prst="straightConnector1">
-              <a:avLst/>
-            </a:prstGeom>
-            <a:ln>
-              <a:solidFill>
-                <a:schemeClr val="tx1">
-                  <a:lumMod val="50000"/>
-                  <a:lumOff val="50000"/>
-                </a:schemeClr>
-              </a:solidFill>
-              <a:headEnd type="triangle" w="med" len="med"/>
-              <a:tailEnd type="none" w="med" len="med"/>
-            </a:ln>
-          </p:spPr>
-          <p:style>
-            <a:lnRef idx="1">
-              <a:schemeClr val="accent1"/>
-            </a:lnRef>
-            <a:fillRef idx="0">
-              <a:schemeClr val="accent1"/>
-            </a:fillRef>
-            <a:effectRef idx="0">
-              <a:schemeClr val="accent1"/>
-            </a:effectRef>
-            <a:fontRef idx="minor">
-              <a:schemeClr val="tx1"/>
-            </a:fontRef>
-          </p:style>
-        </p:cxnSp>
-      </p:grpSp>
-      <p:sp>
-        <p:nvSpPr>
-          <p:cNvPr id="47" name="Title 2"/>
-          <p:cNvSpPr>
-            <a:spLocks noGrp="1"/>
-          </p:cNvSpPr>
-          <p:nvPr>
-            <p:ph type="title"/>
-          </p:nvPr>
-        </p:nvSpPr>
-        <p:spPr>
-          <a:xfrm>
-            <a:off x="345018" y="332077"/>
-            <a:ext cx="10727601" cy="423828"/>
-          </a:xfrm>
-        </p:spPr>
-        <p:txBody>
-          <a:bodyPr/>
-          <a:lstStyle/>
-          <a:p>
-            <a:r>
-              <a:rPr lang="en-US" dirty="0"/>
-              <a:t>Category: Request redirect and delegate</a:t>
-            </a:r>
-          </a:p>
-        </p:txBody>
-      </p:sp>
-      <p:sp>
-        <p:nvSpPr>
-          <p:cNvPr id="2" name="Rectangle 18"/>
-          <p:cNvSpPr/>
-          <p:nvPr/>
-        </p:nvSpPr>
-        <p:spPr>
-          <a:xfrm>
-            <a:off x="516469" y="1309655"/>
-            <a:ext cx="11081087" cy="583565"/>
-          </a:xfrm>
-          <a:prstGeom prst="rect">
-            <a:avLst/>
-          </a:prstGeom>
-        </p:spPr>
-        <p:txBody>
-          <a:bodyPr wrap="square">
-            <a:spAutoFit/>
-          </a:bodyPr>
-          <a:lstStyle/>
-          <a:p>
-            <a:r>
-              <a:rPr lang="en-US" altLang="ja-JP" sz="1600" dirty="0">
-                <a:solidFill>
-                  <a:srgbClr val="000000"/>
-                </a:solidFill>
-                <a:latin typeface="Meiryo UI" panose="020B0604030504040204" pitchFamily="34" charset="-128"/>
-                <a:ea typeface="Meiryo UI" panose="020B0604030504040204" pitchFamily="34" charset="-128"/>
-              </a:rPr>
-              <a:t>Description: Ticket returned to the original applicant who already leaved office or do not have the right to approve needs to be redirected to a new operator.</a:t>
-            </a:r>
-          </a:p>
-        </p:txBody>
-      </p:sp>
-      <p:sp>
-        <p:nvSpPr>
-          <p:cNvPr id="38" name="Rectangle 18"/>
-          <p:cNvSpPr/>
-          <p:nvPr/>
-        </p:nvSpPr>
-        <p:spPr>
-          <a:xfrm>
-            <a:off x="4439816" y="2884874"/>
-            <a:ext cx="1349167" cy="400110"/>
-          </a:xfrm>
-          <a:prstGeom prst="rect">
-            <a:avLst/>
-          </a:prstGeom>
-        </p:spPr>
-        <p:txBody>
-          <a:bodyPr wrap="square">
-            <a:spAutoFit/>
-          </a:bodyPr>
-          <a:lstStyle/>
-          <a:p>
-            <a:r>
-              <a:rPr lang="en-US" altLang="ja-JP" sz="1000" dirty="0">
-                <a:solidFill>
-                  <a:srgbClr val="000000"/>
-                </a:solidFill>
-                <a:latin typeface="Meiryo UI" panose="020B0604030504040204" pitchFamily="34" charset="-128"/>
-                <a:ea typeface="Meiryo UI" panose="020B0604030504040204" pitchFamily="34" charset="-128"/>
-              </a:rPr>
-              <a:t>original applicant's node? </a:t>
-            </a:r>
-          </a:p>
-        </p:txBody>
-      </p:sp>
-      <p:sp>
-        <p:nvSpPr>
-          <p:cNvPr id="42" name="Left Brace 9"/>
-          <p:cNvSpPr/>
-          <p:nvPr/>
-        </p:nvSpPr>
-        <p:spPr>
-          <a:xfrm>
-            <a:off x="5721985" y="2636912"/>
-            <a:ext cx="398145" cy="1400175"/>
-          </a:xfrm>
-          <a:prstGeom prst="leftBrace">
-            <a:avLst/>
-          </a:prstGeom>
-        </p:spPr>
-        <p:style>
-          <a:lnRef idx="1">
-            <a:schemeClr val="accent1"/>
-          </a:lnRef>
-          <a:fillRef idx="0">
-            <a:schemeClr val="accent1"/>
-          </a:fillRef>
-          <a:effectRef idx="0">
-            <a:schemeClr val="accent1"/>
-          </a:effectRef>
-          <a:fontRef idx="minor">
-            <a:schemeClr val="tx1"/>
-          </a:fontRef>
-        </p:style>
-        <p:txBody>
-          <a:bodyPr rtlCol="0" anchor="ctr"/>
-          <a:lstStyle/>
-          <a:p>
-            <a:pPr algn="ctr"/>
-            <a:endParaRPr lang="en-US"/>
-          </a:p>
-        </p:txBody>
-      </p:sp>
-      <p:sp>
-        <p:nvSpPr>
-          <p:cNvPr id="49" name="Rectangle 18"/>
-          <p:cNvSpPr/>
-          <p:nvPr/>
-        </p:nvSpPr>
-        <p:spPr>
-          <a:xfrm>
-            <a:off x="5532120" y="3687946"/>
-            <a:ext cx="394970" cy="245110"/>
-          </a:xfrm>
-          <a:prstGeom prst="rect">
-            <a:avLst/>
-          </a:prstGeom>
-        </p:spPr>
-        <p:txBody>
-          <a:bodyPr wrap="square">
-            <a:spAutoFit/>
-          </a:bodyPr>
-          <a:lstStyle/>
-          <a:p>
-            <a:r>
-              <a:rPr lang="en-US" altLang="ja-JP" sz="1000" dirty="0">
-                <a:solidFill>
-                  <a:srgbClr val="000000"/>
-                </a:solidFill>
-                <a:latin typeface="Meiryo UI" panose="020B0604030504040204" pitchFamily="34" charset="-128"/>
-                <a:ea typeface="Meiryo UI" panose="020B0604030504040204" pitchFamily="34" charset="-128"/>
-              </a:rPr>
-              <a:t>NO</a:t>
-            </a:r>
-          </a:p>
-        </p:txBody>
-      </p:sp>
-      <p:sp>
-        <p:nvSpPr>
-          <p:cNvPr id="50" name="Rectangle 18"/>
-          <p:cNvSpPr/>
-          <p:nvPr/>
-        </p:nvSpPr>
-        <p:spPr>
-          <a:xfrm>
-            <a:off x="5495925" y="2390140"/>
-            <a:ext cx="455295" cy="245110"/>
-          </a:xfrm>
-          <a:prstGeom prst="rect">
-            <a:avLst/>
-          </a:prstGeom>
-        </p:spPr>
-        <p:txBody>
-          <a:bodyPr wrap="square">
-            <a:spAutoFit/>
-          </a:bodyPr>
-          <a:lstStyle/>
-          <a:p>
-            <a:r>
-              <a:rPr lang="en-US" altLang="ja-JP" sz="1000" dirty="0">
-                <a:solidFill>
-                  <a:srgbClr val="000000"/>
-                </a:solidFill>
-                <a:latin typeface="Meiryo UI" panose="020B0604030504040204" pitchFamily="34" charset="-128"/>
-                <a:ea typeface="Meiryo UI" panose="020B0604030504040204" pitchFamily="34" charset="-128"/>
-              </a:rPr>
-              <a:t>YES</a:t>
-            </a:r>
-          </a:p>
-        </p:txBody>
-      </p:sp>
-      <p:pic>
-        <p:nvPicPr>
-          <p:cNvPr id="75" name="Picture 26" descr="Related image"/>
-          <p:cNvPicPr>
-            <a:picLocks noChangeAspect="1" noChangeArrowheads="1"/>
-          </p:cNvPicPr>
-          <p:nvPr/>
-        </p:nvPicPr>
-        <p:blipFill>
-          <a:blip r:embed="rId6" cstate="print">
-            <a:extLst>
-              <a:ext uri="{28A0092B-C50C-407E-A947-70E740481C1C}">
-                <a14:useLocalDpi xmlns:a14="http://schemas.microsoft.com/office/drawing/2010/main" val="0"/>
-              </a:ext>
-            </a:extLst>
-          </a:blip>
-          <a:srcRect/>
-          <a:stretch>
-            <a:fillRect/>
-          </a:stretch>
-        </p:blipFill>
-        <p:spPr bwMode="auto">
-          <a:xfrm>
-            <a:off x="7090018" y="3903495"/>
-            <a:ext cx="317593" cy="317593"/>
-          </a:xfrm>
-          <a:prstGeom prst="rect">
-            <a:avLst/>
-          </a:prstGeom>
-          <a:noFill/>
-          <a:extLst>
-            <a:ext uri="{909E8E84-426E-40DD-AFC4-6F175D3DCCD1}">
-              <a14:hiddenFill xmlns:a14="http://schemas.microsoft.com/office/drawing/2010/main">
-                <a:solidFill>
-                  <a:srgbClr val="FFFFFF"/>
-                </a:solidFill>
-              </a14:hiddenFill>
-            </a:ext>
-          </a:extLst>
-        </p:spPr>
-      </p:pic>
-      <p:sp>
-        <p:nvSpPr>
-          <p:cNvPr id="51" name="Rectangle 18"/>
-          <p:cNvSpPr/>
-          <p:nvPr/>
-        </p:nvSpPr>
-        <p:spPr>
-          <a:xfrm>
-            <a:off x="6101080" y="3942652"/>
-            <a:ext cx="1060450" cy="246221"/>
-          </a:xfrm>
-          <a:prstGeom prst="rect">
-            <a:avLst/>
-          </a:prstGeom>
-        </p:spPr>
-        <p:txBody>
-          <a:bodyPr wrap="square">
-            <a:spAutoFit/>
-          </a:bodyPr>
-          <a:lstStyle/>
-          <a:p>
-            <a:r>
-              <a:rPr lang="en-US" altLang="ja-JP" sz="1000" dirty="0">
-                <a:solidFill>
-                  <a:srgbClr val="000000"/>
-                </a:solidFill>
-                <a:latin typeface="Meiryo UI" panose="020B0604030504040204" pitchFamily="34" charset="-128"/>
-                <a:ea typeface="Meiryo UI" panose="020B0604030504040204" pitchFamily="34" charset="-128"/>
-              </a:rPr>
-              <a:t>Can’t redirect </a:t>
-            </a:r>
-          </a:p>
-        </p:txBody>
-      </p:sp>
-      <p:sp>
-        <p:nvSpPr>
-          <p:cNvPr id="52" name="Rectangle 18"/>
-          <p:cNvSpPr/>
-          <p:nvPr/>
-        </p:nvSpPr>
-        <p:spPr>
-          <a:xfrm>
-            <a:off x="6120130" y="2382148"/>
-            <a:ext cx="1215390" cy="398780"/>
-          </a:xfrm>
-          <a:prstGeom prst="rect">
-            <a:avLst/>
-          </a:prstGeom>
-        </p:spPr>
-        <p:txBody>
-          <a:bodyPr wrap="square">
-            <a:spAutoFit/>
-          </a:bodyPr>
-          <a:lstStyle/>
-          <a:p>
-            <a:r>
-              <a:rPr lang="en-US" altLang="ja-JP" sz="1000" dirty="0">
-                <a:solidFill>
-                  <a:srgbClr val="000000"/>
-                </a:solidFill>
-                <a:latin typeface="Meiryo UI" panose="020B0604030504040204" pitchFamily="34" charset="-128"/>
-                <a:ea typeface="Meiryo UI" panose="020B0604030504040204" pitchFamily="34" charset="-128"/>
-              </a:rPr>
-              <a:t>Line manager's approval mail </a:t>
-            </a:r>
-          </a:p>
-        </p:txBody>
-      </p:sp>
-      <p:sp>
-        <p:nvSpPr>
-          <p:cNvPr id="79" name="Rectangle: Folded Corner 9"/>
-          <p:cNvSpPr/>
-          <p:nvPr/>
-        </p:nvSpPr>
-        <p:spPr>
-          <a:xfrm>
-            <a:off x="4419356" y="3433594"/>
-            <a:ext cx="1073785" cy="648335"/>
-          </a:xfrm>
-          <a:prstGeom prst="foldedCorner">
-            <a:avLst>
-              <a:gd name="adj" fmla="val 9802"/>
-            </a:avLst>
-          </a:prstGeom>
-          <a:solidFill>
-            <a:schemeClr val="accent6"/>
-          </a:solidFill>
-        </p:spPr>
-        <p:style>
-          <a:lnRef idx="2">
-            <a:schemeClr val="accent1">
-              <a:shade val="50000"/>
-            </a:schemeClr>
-          </a:lnRef>
-          <a:fillRef idx="1">
-            <a:schemeClr val="accent1"/>
-          </a:fillRef>
-          <a:effectRef idx="0">
-            <a:schemeClr val="accent1"/>
-          </a:effectRef>
-          <a:fontRef idx="minor">
-            <a:schemeClr val="lt1"/>
-          </a:fontRef>
-        </p:style>
-        <p:txBody>
-          <a:bodyPr rtlCol="0" anchor="ctr"/>
-          <a:lstStyle/>
-          <a:p>
-            <a:pPr algn="ctr"/>
-            <a:r>
-              <a:rPr lang="en-US" altLang="ja-JP" sz="1200" dirty="0">
-                <a:solidFill>
-                  <a:schemeClr val="tx1"/>
-                </a:solidFill>
-                <a:latin typeface="Meiryo UI" panose="020B0604030504040204" pitchFamily="34" charset="-128"/>
-                <a:ea typeface="Meiryo UI" panose="020B0604030504040204" pitchFamily="34" charset="-128"/>
-              </a:rPr>
-              <a:t>K2 ticket delegate tools</a:t>
-            </a:r>
-          </a:p>
-        </p:txBody>
-      </p:sp>
-      <p:sp>
-        <p:nvSpPr>
-          <p:cNvPr id="80" name="Rectangle: Folded Corner 9"/>
-          <p:cNvSpPr/>
-          <p:nvPr/>
-        </p:nvSpPr>
-        <p:spPr>
-          <a:xfrm>
-            <a:off x="7804785" y="3140705"/>
-            <a:ext cx="1073785" cy="648335"/>
-          </a:xfrm>
-          <a:prstGeom prst="foldedCorner">
-            <a:avLst>
-              <a:gd name="adj" fmla="val 9802"/>
-            </a:avLst>
-          </a:prstGeom>
-          <a:solidFill>
-            <a:schemeClr val="accent6"/>
-          </a:solidFill>
-        </p:spPr>
-        <p:style>
-          <a:lnRef idx="2">
-            <a:schemeClr val="accent1">
-              <a:shade val="50000"/>
-            </a:schemeClr>
-          </a:lnRef>
-          <a:fillRef idx="1">
-            <a:schemeClr val="accent1"/>
-          </a:fillRef>
-          <a:effectRef idx="0">
-            <a:schemeClr val="accent1"/>
-          </a:effectRef>
-          <a:fontRef idx="minor">
-            <a:schemeClr val="lt1"/>
-          </a:fontRef>
-        </p:style>
-        <p:txBody>
-          <a:bodyPr rtlCol="0" anchor="ctr"/>
-          <a:lstStyle/>
-          <a:p>
-            <a:pPr algn="ctr"/>
-            <a:r>
-              <a:rPr lang="en-US" altLang="ja-JP" sz="1200" dirty="0">
-                <a:solidFill>
-                  <a:schemeClr val="tx1"/>
-                </a:solidFill>
-                <a:latin typeface="Meiryo UI" panose="020B0604030504040204" pitchFamily="34" charset="-128"/>
-                <a:ea typeface="Meiryo UI" panose="020B0604030504040204" pitchFamily="34" charset="-128"/>
-              </a:rPr>
-              <a:t>K2 ticket delegate tools</a:t>
-            </a:r>
-          </a:p>
-        </p:txBody>
-      </p:sp>
-    </p:spTree>
-    <p:extLst>
-      <p:ext uri="{BB962C8B-B14F-4D97-AF65-F5344CB8AC3E}">
-        <p14:creationId xmlns:p14="http://schemas.microsoft.com/office/powerpoint/2010/main" val="3455352974"/>
-      </p:ext>
-    </p:extLst>
-  </p:cSld>
-  <p:clrMapOvr>
-    <a:masterClrMapping/>
-  </p:clrMapOvr>
-</p:sld>
-</file>
-
-<file path=ppt/slides/slide4.xml><?xml version="1.0" encoding="utf-8"?>
-<p:sld xmlns:a="http://schemas.openxmlformats.org/drawingml/2006/main" xmlns:r="http://schemas.openxmlformats.org/officeDocument/2006/relationships" xmlns:p="http://schemas.openxmlformats.org/presentationml/2006/main">
-  <p:cSld>
-    <p:spTree>
-      <p:nvGrpSpPr>
-        <p:cNvPr id="1" name=""/>
-        <p:cNvGrpSpPr/>
-        <p:nvPr/>
-      </p:nvGrpSpPr>
-      <p:grpSpPr>
-        <a:xfrm>
-          <a:off x="0" y="0"/>
-          <a:ext cx="0" cy="0"/>
-          <a:chOff x="0" y="0"/>
-          <a:chExt cx="0" cy="0"/>
-        </a:xfrm>
-      </p:grpSpPr>
-      <p:sp>
-        <p:nvSpPr>
-          <p:cNvPr id="19" name="Rectangle 18"/>
-          <p:cNvSpPr/>
-          <p:nvPr/>
-        </p:nvSpPr>
-        <p:spPr>
-          <a:xfrm>
-            <a:off x="516469" y="776255"/>
-            <a:ext cx="11081087" cy="460375"/>
-          </a:xfrm>
-          <a:prstGeom prst="rect">
-            <a:avLst/>
-          </a:prstGeom>
-        </p:spPr>
-        <p:txBody>
-          <a:bodyPr wrap="square">
-            <a:spAutoFit/>
-          </a:bodyPr>
-          <a:lstStyle/>
-          <a:p>
-            <a:r>
-              <a:rPr lang="en-US" altLang="ja-JP" sz="2400" dirty="0">
-                <a:solidFill>
-                  <a:srgbClr val="000000"/>
-                </a:solidFill>
-                <a:latin typeface="Meiryo UI" panose="020B0604030504040204" pitchFamily="34" charset="-128"/>
-                <a:ea typeface="Meiryo UI" panose="020B0604030504040204" pitchFamily="34" charset="-128"/>
-              </a:rPr>
-              <a:t>Pattern 2: Redirect of approver</a:t>
-            </a:r>
-          </a:p>
-        </p:txBody>
-      </p:sp>
-      <p:grpSp>
-        <p:nvGrpSpPr>
-          <p:cNvPr id="4" name="グループ化 3"/>
-          <p:cNvGrpSpPr/>
-          <p:nvPr/>
-        </p:nvGrpSpPr>
-        <p:grpSpPr>
-          <a:xfrm>
-            <a:off x="1217728" y="2077626"/>
-            <a:ext cx="10494897" cy="3034942"/>
-            <a:chOff x="1825839" y="1631654"/>
-            <a:chExt cx="9782824" cy="2305217"/>
-          </a:xfrm>
-        </p:grpSpPr>
-        <p:sp>
-          <p:nvSpPr>
-            <p:cNvPr id="5" name="正方形/長方形 4"/>
-            <p:cNvSpPr/>
-            <p:nvPr/>
-          </p:nvSpPr>
-          <p:spPr>
-            <a:xfrm>
-              <a:off x="4024270" y="1632871"/>
-              <a:ext cx="4942426" cy="2304000"/>
-            </a:xfrm>
-            <a:prstGeom prst="rect">
-              <a:avLst/>
-            </a:prstGeom>
-            <a:solidFill>
-              <a:schemeClr val="bg1"/>
-            </a:solidFill>
-            <a:ln>
-              <a:solidFill>
-                <a:schemeClr val="tx1">
-                  <a:lumMod val="75000"/>
-                  <a:lumOff val="25000"/>
-                </a:schemeClr>
-              </a:solidFill>
-            </a:ln>
-          </p:spPr>
-          <p:style>
-            <a:lnRef idx="1">
-              <a:schemeClr val="accent1"/>
-            </a:lnRef>
-            <a:fillRef idx="0">
-              <a:schemeClr val="accent1"/>
-            </a:fillRef>
-            <a:effectRef idx="0">
-              <a:schemeClr val="accent1"/>
-            </a:effectRef>
-            <a:fontRef idx="minor">
-              <a:schemeClr val="tx1"/>
-            </a:fontRef>
-          </p:style>
-          <p:txBody>
-            <a:bodyPr rot="0" spcFirstLastPara="0" vertOverflow="overflow" horzOverflow="overflow" vert="horz" wrap="square" lIns="121920" tIns="60960" rIns="121920" bIns="60960" numCol="1" spcCol="0" rtlCol="0" fromWordArt="0" anchor="t" anchorCtr="0" forceAA="0" compatLnSpc="1">
-              <a:noAutofit/>
-            </a:bodyPr>
-            <a:lstStyle/>
-            <a:p>
-              <a:r>
-                <a:rPr lang="en-US" altLang="ja-JP" sz="1335" u="sng" dirty="0">
-                  <a:latin typeface="Meiryo UI" panose="020B0604030504040204" pitchFamily="34" charset="-128"/>
-                  <a:ea typeface="Meiryo UI" panose="020B0604030504040204" pitchFamily="34" charset="-128"/>
-                  <a:cs typeface="Meiryo UI" panose="020B0604030504040204" pitchFamily="34" charset="-128"/>
-                </a:rPr>
-                <a:t>K2</a:t>
-              </a:r>
-              <a:r>
-                <a:rPr lang="ja-JP" altLang="en-US" sz="1335" u="sng" dirty="0">
-                  <a:latin typeface="Meiryo UI" panose="020B0604030504040204" pitchFamily="34" charset="-128"/>
-                  <a:ea typeface="Meiryo UI" panose="020B0604030504040204" pitchFamily="34" charset="-128"/>
-                  <a:cs typeface="Meiryo UI" panose="020B0604030504040204" pitchFamily="34" charset="-128"/>
-                </a:rPr>
-                <a:t> </a:t>
-              </a:r>
-              <a:r>
-                <a:rPr lang="en-US" altLang="ja-JP" sz="1335" u="sng" dirty="0">
-                  <a:latin typeface="Meiryo UI" panose="020B0604030504040204" pitchFamily="34" charset="-128"/>
-                  <a:ea typeface="Meiryo UI" panose="020B0604030504040204" pitchFamily="34" charset="-128"/>
-                  <a:cs typeface="Meiryo UI" panose="020B0604030504040204" pitchFamily="34" charset="-128"/>
-                </a:rPr>
-                <a:t>Team</a:t>
-              </a:r>
-              <a:endParaRPr lang="ja-JP" altLang="en-US" sz="1335" u="sng" dirty="0">
-                <a:latin typeface="Meiryo UI" panose="020B0604030504040204" pitchFamily="34" charset="-128"/>
-                <a:ea typeface="Meiryo UI" panose="020B0604030504040204" pitchFamily="34" charset="-128"/>
-                <a:cs typeface="Meiryo UI" panose="020B0604030504040204" pitchFamily="34" charset="-128"/>
-              </a:endParaRPr>
-            </a:p>
-          </p:txBody>
-        </p:sp>
-        <p:sp>
-          <p:nvSpPr>
-            <p:cNvPr id="6" name="正方形/長方形 5"/>
-            <p:cNvSpPr/>
-            <p:nvPr/>
-          </p:nvSpPr>
-          <p:spPr>
-            <a:xfrm>
-              <a:off x="2503367" y="1632871"/>
-              <a:ext cx="1421719" cy="2304000"/>
-            </a:xfrm>
-            <a:prstGeom prst="rect">
-              <a:avLst/>
-            </a:prstGeom>
-            <a:solidFill>
-              <a:schemeClr val="bg1"/>
-            </a:solidFill>
-            <a:ln>
-              <a:solidFill>
-                <a:schemeClr val="tx1">
-                  <a:lumMod val="75000"/>
-                  <a:lumOff val="25000"/>
-                </a:schemeClr>
-              </a:solidFill>
-            </a:ln>
-          </p:spPr>
-          <p:style>
-            <a:lnRef idx="1">
-              <a:schemeClr val="accent1"/>
-            </a:lnRef>
-            <a:fillRef idx="0">
-              <a:schemeClr val="accent1"/>
-            </a:fillRef>
-            <a:effectRef idx="0">
-              <a:schemeClr val="accent1"/>
-            </a:effectRef>
-            <a:fontRef idx="minor">
-              <a:schemeClr val="tx1"/>
-            </a:fontRef>
-          </p:style>
-          <p:txBody>
-            <a:bodyPr rot="0" spcFirstLastPara="0" vertOverflow="overflow" horzOverflow="overflow" vert="horz" wrap="square" lIns="121920" tIns="60960" rIns="121920" bIns="60960" numCol="1" spcCol="0" rtlCol="0" fromWordArt="0" anchor="t" anchorCtr="0" forceAA="0" compatLnSpc="1">
-              <a:noAutofit/>
-            </a:bodyPr>
-            <a:lstStyle/>
-            <a:p>
-              <a:pPr algn="ctr"/>
-              <a:endParaRPr lang="ja-JP" altLang="en-US" sz="1335" u="sng" dirty="0">
-                <a:latin typeface="Meiryo UI" panose="020B0604030504040204" pitchFamily="34" charset="-128"/>
-                <a:ea typeface="Meiryo UI" panose="020B0604030504040204" pitchFamily="34" charset="-128"/>
-                <a:cs typeface="Meiryo UI" panose="020B0604030504040204" pitchFamily="34" charset="-128"/>
-              </a:endParaRPr>
-            </a:p>
-            <a:p>
-              <a:pPr algn="ctr"/>
-              <a:endParaRPr lang="ja-JP" altLang="en-US" sz="1335" u="sng" dirty="0">
-                <a:latin typeface="Meiryo UI" panose="020B0604030504040204" pitchFamily="34" charset="-128"/>
-                <a:ea typeface="Meiryo UI" panose="020B0604030504040204" pitchFamily="34" charset="-128"/>
-                <a:cs typeface="Meiryo UI" panose="020B0604030504040204" pitchFamily="34" charset="-128"/>
-              </a:endParaRPr>
-            </a:p>
-          </p:txBody>
-        </p:sp>
-        <p:sp>
-          <p:nvSpPr>
-            <p:cNvPr id="7" name="正方形/長方形 6"/>
-            <p:cNvSpPr/>
-            <p:nvPr/>
-          </p:nvSpPr>
-          <p:spPr>
-            <a:xfrm>
-              <a:off x="1825839" y="1632871"/>
-              <a:ext cx="576000" cy="2304000"/>
-            </a:xfrm>
-            <a:prstGeom prst="rect">
-              <a:avLst/>
-            </a:prstGeom>
-            <a:solidFill>
-              <a:schemeClr val="bg1"/>
-            </a:solidFill>
-            <a:ln>
-              <a:solidFill>
-                <a:schemeClr val="tx1">
-                  <a:lumMod val="75000"/>
-                  <a:lumOff val="25000"/>
-                </a:schemeClr>
-              </a:solidFill>
-            </a:ln>
-          </p:spPr>
-          <p:style>
-            <a:lnRef idx="1">
-              <a:schemeClr val="accent1"/>
-            </a:lnRef>
-            <a:fillRef idx="0">
-              <a:schemeClr val="accent1"/>
-            </a:fillRef>
-            <a:effectRef idx="0">
-              <a:schemeClr val="accent1"/>
-            </a:effectRef>
-            <a:fontRef idx="minor">
-              <a:schemeClr val="tx1"/>
-            </a:fontRef>
-          </p:style>
-          <p:txBody>
-            <a:bodyPr rot="0" spcFirstLastPara="0" vertOverflow="overflow" horzOverflow="overflow" vert="horz" wrap="none" lIns="121920" tIns="60960" rIns="121920" bIns="60960" numCol="1" spcCol="0" rtlCol="0" fromWordArt="0" anchor="ctr" anchorCtr="0" forceAA="0" compatLnSpc="1">
-              <a:noAutofit/>
-            </a:bodyPr>
-            <a:lstStyle/>
-            <a:p>
-              <a:pPr algn="ctr"/>
-              <a:r>
-                <a:rPr lang="en-US" altLang="ja-JP" sz="1335" dirty="0">
-                  <a:latin typeface="Meiryo UI" panose="020B0604030504040204" pitchFamily="34" charset="-128"/>
-                  <a:ea typeface="Meiryo UI" panose="020B0604030504040204" pitchFamily="34" charset="-128"/>
-                  <a:cs typeface="Meiryo UI" panose="020B0604030504040204" pitchFamily="34" charset="-128"/>
-                </a:rPr>
-                <a:t>ASIS</a:t>
-              </a:r>
-              <a:endParaRPr lang="ja-JP" altLang="en-US" sz="1335" dirty="0">
-                <a:latin typeface="Meiryo UI" panose="020B0604030504040204" pitchFamily="34" charset="-128"/>
-                <a:ea typeface="Meiryo UI" panose="020B0604030504040204" pitchFamily="34" charset="-128"/>
-                <a:cs typeface="Meiryo UI" panose="020B0604030504040204" pitchFamily="34" charset="-128"/>
-              </a:endParaRPr>
-            </a:p>
-          </p:txBody>
-        </p:sp>
-        <p:sp>
-          <p:nvSpPr>
-            <p:cNvPr id="9" name="角丸四角形 15"/>
-            <p:cNvSpPr/>
-            <p:nvPr/>
-          </p:nvSpPr>
-          <p:spPr>
-            <a:xfrm>
-              <a:off x="2815641" y="2056464"/>
-              <a:ext cx="818520" cy="317228"/>
-            </a:xfrm>
-            <a:prstGeom prst="roundRect">
-              <a:avLst/>
-            </a:prstGeom>
-            <a:solidFill>
-              <a:schemeClr val="bg1"/>
-            </a:solidFill>
-            <a:ln>
-              <a:solidFill>
-                <a:schemeClr val="tx1">
-                  <a:lumMod val="75000"/>
-                  <a:lumOff val="25000"/>
-                </a:schemeClr>
-              </a:solidFill>
-            </a:ln>
-          </p:spPr>
-          <p:style>
-            <a:lnRef idx="1">
-              <a:schemeClr val="accent1"/>
-            </a:lnRef>
-            <a:fillRef idx="0">
-              <a:schemeClr val="accent1"/>
-            </a:fillRef>
-            <a:effectRef idx="0">
-              <a:schemeClr val="accent1"/>
-            </a:effectRef>
-            <a:fontRef idx="minor">
-              <a:schemeClr val="tx1"/>
-            </a:fontRef>
-          </p:style>
-          <p:txBody>
-            <a:bodyPr rot="0" spcFirstLastPara="0" vertOverflow="overflow" horzOverflow="overflow" vert="horz" wrap="square" lIns="121920" tIns="60960" rIns="121920" bIns="60960" numCol="1" spcCol="0" rtlCol="0" fromWordArt="0" anchor="ctr" anchorCtr="0" forceAA="0" compatLnSpc="1">
-              <a:noAutofit/>
-            </a:bodyPr>
-            <a:lstStyle/>
-            <a:p>
-              <a:pPr algn="ctr"/>
-              <a:r>
-                <a:rPr lang="en-US" altLang="ja-JP" sz="800" dirty="0">
-                  <a:latin typeface="Meiryo UI" panose="020B0604030504040204" pitchFamily="34" charset="-128"/>
-                  <a:ea typeface="Meiryo UI" panose="020B0604030504040204" pitchFamily="34" charset="-128"/>
-                  <a:cs typeface="Meiryo UI" panose="020B0604030504040204" pitchFamily="34" charset="-128"/>
-                </a:rPr>
-                <a:t>A</a:t>
-              </a:r>
-              <a:r>
-                <a:rPr lang="ja-JP" altLang="en-US" sz="800" dirty="0">
-                  <a:latin typeface="Meiryo UI" panose="020B0604030504040204" pitchFamily="34" charset="-128"/>
-                  <a:ea typeface="Meiryo UI" panose="020B0604030504040204" pitchFamily="34" charset="-128"/>
-                  <a:cs typeface="Meiryo UI" panose="020B0604030504040204" pitchFamily="34" charset="-128"/>
-                </a:rPr>
-                <a:t>pplicant</a:t>
-              </a:r>
-            </a:p>
-          </p:txBody>
-        </p:sp>
-        <p:cxnSp>
-          <p:nvCxnSpPr>
-            <p:cNvPr id="11" name="直線矢印コネクタ 10"/>
-            <p:cNvCxnSpPr/>
-            <p:nvPr/>
-          </p:nvCxnSpPr>
-          <p:spPr>
-            <a:xfrm>
-              <a:off x="3447739" y="2594704"/>
-              <a:ext cx="741198" cy="8704"/>
-            </a:xfrm>
-            <a:prstGeom prst="straightConnector1">
-              <a:avLst/>
-            </a:prstGeom>
-            <a:ln>
-              <a:solidFill>
-                <a:schemeClr val="tx1">
-                  <a:lumMod val="50000"/>
-                  <a:lumOff val="50000"/>
-                </a:schemeClr>
-              </a:solidFill>
-              <a:headEnd type="none" w="med" len="med"/>
-              <a:tailEnd type="triangle" w="med" len="med"/>
-            </a:ln>
-          </p:spPr>
-          <p:style>
-            <a:lnRef idx="1">
-              <a:schemeClr val="accent1"/>
-            </a:lnRef>
-            <a:fillRef idx="0">
-              <a:schemeClr val="accent1"/>
-            </a:fillRef>
-            <a:effectRef idx="0">
-              <a:schemeClr val="accent1"/>
-            </a:effectRef>
-            <a:fontRef idx="minor">
-              <a:schemeClr val="tx1"/>
-            </a:fontRef>
-          </p:style>
-        </p:cxnSp>
-        <p:cxnSp>
-          <p:nvCxnSpPr>
-            <p:cNvPr id="12" name="直線矢印コネクタ 11"/>
-            <p:cNvCxnSpPr>
-              <a:cxnSpLocks/>
-            </p:cNvCxnSpPr>
-            <p:nvPr/>
-          </p:nvCxnSpPr>
-          <p:spPr>
-            <a:xfrm flipH="1">
-              <a:off x="4762522" y="2781017"/>
-              <a:ext cx="1051241" cy="0"/>
-            </a:xfrm>
-            <a:prstGeom prst="straightConnector1">
-              <a:avLst/>
-            </a:prstGeom>
-            <a:ln>
-              <a:solidFill>
-                <a:schemeClr val="tx1">
-                  <a:lumMod val="50000"/>
-                  <a:lumOff val="50000"/>
-                </a:schemeClr>
-              </a:solidFill>
-              <a:headEnd type="triangle" w="med" len="med"/>
-              <a:tailEnd type="none" w="med" len="med"/>
-            </a:ln>
-          </p:spPr>
-          <p:style>
-            <a:lnRef idx="1">
-              <a:schemeClr val="accent1"/>
-            </a:lnRef>
-            <a:fillRef idx="0">
-              <a:schemeClr val="accent1"/>
-            </a:fillRef>
-            <a:effectRef idx="0">
-              <a:schemeClr val="accent1"/>
-            </a:effectRef>
-            <a:fontRef idx="minor">
-              <a:schemeClr val="tx1"/>
-            </a:fontRef>
-          </p:style>
-        </p:cxnSp>
-        <p:sp>
-          <p:nvSpPr>
-            <p:cNvPr id="13" name="正方形/長方形 12"/>
-            <p:cNvSpPr/>
-            <p:nvPr/>
-          </p:nvSpPr>
-          <p:spPr>
-            <a:xfrm>
-              <a:off x="9076486" y="1631654"/>
-              <a:ext cx="1935595" cy="2304000"/>
-            </a:xfrm>
-            <a:prstGeom prst="rect">
-              <a:avLst/>
-            </a:prstGeom>
-            <a:solidFill>
-              <a:schemeClr val="bg1"/>
-            </a:solidFill>
-            <a:ln>
-              <a:solidFill>
-                <a:schemeClr val="tx1">
-                  <a:lumMod val="75000"/>
-                  <a:lumOff val="25000"/>
-                </a:schemeClr>
-              </a:solidFill>
-            </a:ln>
-          </p:spPr>
-          <p:style>
-            <a:lnRef idx="1">
-              <a:schemeClr val="accent1"/>
-            </a:lnRef>
-            <a:fillRef idx="0">
-              <a:schemeClr val="accent1"/>
-            </a:fillRef>
-            <a:effectRef idx="0">
-              <a:schemeClr val="accent1"/>
-            </a:effectRef>
-            <a:fontRef idx="minor">
-              <a:schemeClr val="tx1"/>
-            </a:fontRef>
-          </p:style>
-          <p:txBody>
-            <a:bodyPr rot="0" spcFirstLastPara="0" vertOverflow="overflow" horzOverflow="overflow" vert="horz" wrap="square" lIns="121920" tIns="60960" rIns="121920" bIns="60960" numCol="1" spcCol="0" rtlCol="0" fromWordArt="0" anchor="t" anchorCtr="0" forceAA="0" compatLnSpc="1">
-              <a:noAutofit/>
-            </a:bodyPr>
-            <a:lstStyle/>
-            <a:p>
-              <a:r>
-                <a:rPr lang="en-US" altLang="ja-JP" sz="1335" u="sng" dirty="0">
-                  <a:latin typeface="Meiryo UI" panose="020B0604030504040204" pitchFamily="34" charset="-128"/>
-                  <a:ea typeface="Meiryo UI" panose="020B0604030504040204" pitchFamily="34" charset="-128"/>
-                  <a:cs typeface="Meiryo UI" panose="020B0604030504040204" pitchFamily="34" charset="-128"/>
-                </a:rPr>
-                <a:t>financial department</a:t>
-              </a:r>
-              <a:endParaRPr lang="ja-JP" altLang="en-US" sz="1335" u="sng" dirty="0">
-                <a:latin typeface="Meiryo UI" panose="020B0604030504040204" pitchFamily="34" charset="-128"/>
-                <a:ea typeface="Meiryo UI" panose="020B0604030504040204" pitchFamily="34" charset="-128"/>
-                <a:cs typeface="Meiryo UI" panose="020B0604030504040204" pitchFamily="34" charset="-128"/>
-              </a:endParaRPr>
-            </a:p>
-          </p:txBody>
-        </p:sp>
-        <p:pic>
-          <p:nvPicPr>
-            <p:cNvPr id="26" name="Picture 14" descr="ICON_Person_Orange_Q408.png"/>
-            <p:cNvPicPr>
-              <a:picLocks noChangeAspect="1"/>
-            </p:cNvPicPr>
-            <p:nvPr/>
-          </p:nvPicPr>
-          <p:blipFill>
-            <a:blip r:embed="rId2"/>
-            <a:srcRect/>
-            <a:stretch>
-              <a:fillRect/>
-            </a:stretch>
-          </p:blipFill>
-          <p:spPr bwMode="auto">
-            <a:xfrm>
-              <a:off x="10610083" y="2346615"/>
-              <a:ext cx="253500" cy="439433"/>
-            </a:xfrm>
-            <a:prstGeom prst="rect">
-              <a:avLst/>
-            </a:prstGeom>
-            <a:noFill/>
-            <a:ln w="9525">
-              <a:noFill/>
-              <a:miter lim="800000"/>
-              <a:headEnd/>
-              <a:tailEnd/>
-            </a:ln>
-          </p:spPr>
-        </p:pic>
-        <p:pic>
-          <p:nvPicPr>
-            <p:cNvPr id="35" name="Picture 27" descr="MC900433941"/>
-            <p:cNvPicPr>
-              <a:picLocks noChangeAspect="1" noChangeArrowheads="1"/>
-            </p:cNvPicPr>
-            <p:nvPr/>
-          </p:nvPicPr>
-          <p:blipFill>
-            <a:blip r:embed="rId3" cstate="screen"/>
-            <a:srcRect/>
-            <a:stretch>
-              <a:fillRect/>
-            </a:stretch>
-          </p:blipFill>
-          <p:spPr bwMode="auto">
-            <a:xfrm>
-              <a:off x="7312835" y="2001770"/>
-              <a:ext cx="504825" cy="534988"/>
-            </a:xfrm>
-            <a:prstGeom prst="rect">
-              <a:avLst/>
-            </a:prstGeom>
-            <a:noFill/>
-            <a:ln>
-              <a:noFill/>
-            </a:ln>
-            <a:extLst>
-              <a:ext uri="{909E8E84-426E-40DD-AFC4-6F175D3DCCD1}">
-                <a14:hiddenFill xmlns:a14="http://schemas.microsoft.com/office/drawing/2010/main">
-                  <a:solidFill>
-                    <a:srgbClr val="FFFFFF"/>
-                  </a:solidFill>
-                </a14:hiddenFill>
-              </a:ext>
-              <a:ext uri="{91240B29-F687-4F45-9708-019B960494DF}">
-                <a14:hiddenLine xmlns:a14="http://schemas.microsoft.com/office/drawing/2010/main" w="9525">
-                  <a:solidFill>
-                    <a:srgbClr val="000000"/>
-                  </a:solidFill>
-                  <a:miter lim="800000"/>
-                  <a:headEnd/>
-                  <a:tailEnd/>
-                </a14:hiddenLine>
-              </a:ext>
-            </a:extLst>
-          </p:spPr>
-        </p:pic>
-        <p:pic>
-          <p:nvPicPr>
-            <p:cNvPr id="36" name="Picture 27" descr="MC900433941"/>
-            <p:cNvPicPr>
-              <a:picLocks noChangeAspect="1" noChangeArrowheads="1"/>
-            </p:cNvPicPr>
-            <p:nvPr/>
-          </p:nvPicPr>
-          <p:blipFill>
-            <a:blip r:embed="rId3" cstate="screen"/>
-            <a:srcRect/>
-            <a:stretch>
-              <a:fillRect/>
-            </a:stretch>
-          </p:blipFill>
-          <p:spPr bwMode="auto">
-            <a:xfrm>
-              <a:off x="4265562" y="2316286"/>
-              <a:ext cx="504825" cy="534988"/>
-            </a:xfrm>
-            <a:prstGeom prst="rect">
-              <a:avLst/>
-            </a:prstGeom>
-            <a:noFill/>
-            <a:ln>
-              <a:noFill/>
-            </a:ln>
-            <a:extLst>
-              <a:ext uri="{909E8E84-426E-40DD-AFC4-6F175D3DCCD1}">
-                <a14:hiddenFill xmlns:a14="http://schemas.microsoft.com/office/drawing/2010/main">
-                  <a:solidFill>
-                    <a:srgbClr val="FFFFFF"/>
-                  </a:solidFill>
-                </a14:hiddenFill>
-              </a:ext>
-              <a:ext uri="{91240B29-F687-4F45-9708-019B960494DF}">
-                <a14:hiddenLine xmlns:a14="http://schemas.microsoft.com/office/drawing/2010/main" w="9525">
-                  <a:solidFill>
-                    <a:srgbClr val="000000"/>
-                  </a:solidFill>
-                  <a:miter lim="800000"/>
-                  <a:headEnd/>
-                  <a:tailEnd/>
-                </a14:hiddenLine>
-              </a:ext>
-            </a:extLst>
-          </p:spPr>
-        </p:pic>
-        <p:pic>
-          <p:nvPicPr>
-            <p:cNvPr id="37" name="Picture 95" descr="10"/>
-            <p:cNvPicPr>
-              <a:picLocks noChangeAspect="1" noChangeArrowheads="1"/>
-            </p:cNvPicPr>
-            <p:nvPr/>
-          </p:nvPicPr>
-          <p:blipFill>
-            <a:blip r:embed="rId4" cstate="screen">
-              <a:extLst>
-                <a:ext uri="{28A0092B-C50C-407E-A947-70E740481C1C}">
-                  <a14:useLocalDpi xmlns:a14="http://schemas.microsoft.com/office/drawing/2010/main" val="0"/>
-                </a:ext>
-              </a:extLst>
-            </a:blip>
-            <a:srcRect/>
-            <a:stretch>
-              <a:fillRect/>
-            </a:stretch>
-          </p:blipFill>
-          <p:spPr bwMode="auto">
-            <a:xfrm>
-              <a:off x="6522396" y="2403559"/>
-              <a:ext cx="253461" cy="145154"/>
-            </a:xfrm>
-            <a:prstGeom prst="rect">
-              <a:avLst/>
-            </a:prstGeom>
-            <a:noFill/>
-            <a:extLst>
-              <a:ext uri="{909E8E84-426E-40DD-AFC4-6F175D3DCCD1}">
-                <a14:hiddenFill xmlns:a14="http://schemas.microsoft.com/office/drawing/2010/main">
-                  <a:solidFill>
-                    <a:srgbClr val="FFFFFF"/>
-                  </a:solidFill>
-                </a14:hiddenFill>
-              </a:ext>
-            </a:extLst>
-          </p:spPr>
-        </p:pic>
-        <p:pic>
-          <p:nvPicPr>
-            <p:cNvPr id="3" name="Picture 210" descr="ICON_Person_Q308"/>
-            <p:cNvPicPr>
-              <a:picLocks noChangeAspect="1" noChangeArrowheads="1"/>
-            </p:cNvPicPr>
-            <p:nvPr/>
-          </p:nvPicPr>
-          <p:blipFill>
-            <a:blip r:embed="rId5"/>
-            <a:srcRect/>
-            <a:stretch>
-              <a:fillRect/>
-            </a:stretch>
-          </p:blipFill>
-          <p:spPr bwMode="auto">
-            <a:xfrm>
-              <a:off x="3100794" y="2444879"/>
-              <a:ext cx="253500" cy="432000"/>
-            </a:xfrm>
-            <a:prstGeom prst="rect">
-              <a:avLst/>
-            </a:prstGeom>
-            <a:noFill/>
-            <a:ln w="9525">
-              <a:noFill/>
-              <a:miter lim="800000"/>
-              <a:headEnd/>
-              <a:tailEnd/>
-            </a:ln>
-          </p:spPr>
-        </p:pic>
-        <p:sp>
-          <p:nvSpPr>
-            <p:cNvPr id="53" name="角丸四角形 15"/>
-            <p:cNvSpPr/>
-            <p:nvPr/>
-          </p:nvSpPr>
-          <p:spPr>
-            <a:xfrm>
-              <a:off x="10875033" y="2333855"/>
-              <a:ext cx="733630" cy="269553"/>
-            </a:xfrm>
-            <a:prstGeom prst="roundRect">
-              <a:avLst/>
-            </a:prstGeom>
-            <a:solidFill>
-              <a:schemeClr val="bg1"/>
-            </a:solidFill>
-            <a:ln>
-              <a:solidFill>
-                <a:schemeClr val="tx1">
-                  <a:lumMod val="75000"/>
-                  <a:lumOff val="25000"/>
-                </a:schemeClr>
-              </a:solidFill>
-            </a:ln>
-          </p:spPr>
-          <p:style>
-            <a:lnRef idx="1">
-              <a:schemeClr val="accent1"/>
-            </a:lnRef>
-            <a:fillRef idx="0">
-              <a:schemeClr val="accent1"/>
-            </a:fillRef>
-            <a:effectRef idx="0">
-              <a:schemeClr val="accent1"/>
-            </a:effectRef>
-            <a:fontRef idx="minor">
-              <a:schemeClr val="tx1"/>
-            </a:fontRef>
-          </p:style>
-          <p:txBody>
-            <a:bodyPr rot="0" spcFirstLastPara="0" vertOverflow="overflow" horzOverflow="overflow" vert="horz" wrap="square" lIns="121920" tIns="60960" rIns="121920" bIns="60960" numCol="1" spcCol="0" rtlCol="0" fromWordArt="0" anchor="ctr" anchorCtr="0" forceAA="0" compatLnSpc="1">
-              <a:noAutofit/>
-            </a:bodyPr>
-            <a:lstStyle/>
-            <a:p>
-              <a:pPr algn="ctr"/>
-              <a:r>
-                <a:rPr lang="en-US" sz="800" dirty="0">
-                  <a:latin typeface="Meiryo UI" panose="020B0604030504040204" pitchFamily="34" charset="-128"/>
-                  <a:ea typeface="Meiryo UI" panose="020B0604030504040204" pitchFamily="34" charset="-128"/>
-                  <a:cs typeface="Meiryo UI" panose="020B0604030504040204" pitchFamily="34" charset="-128"/>
-                </a:rPr>
-                <a:t>N</a:t>
-              </a:r>
-              <a:r>
-                <a:rPr sz="800" dirty="0">
-                  <a:latin typeface="Meiryo UI" panose="020B0604030504040204" pitchFamily="34" charset="-128"/>
-                  <a:ea typeface="Meiryo UI" panose="020B0604030504040204" pitchFamily="34" charset="-128"/>
-                  <a:cs typeface="Meiryo UI" panose="020B0604030504040204" pitchFamily="34" charset="-128"/>
-                </a:rPr>
-                <a:t>ew </a:t>
-              </a:r>
-              <a:r>
-                <a:rPr lang="en-US" altLang="ja-JP" sz="800" dirty="0">
-                  <a:solidFill>
-                    <a:srgbClr val="000000"/>
-                  </a:solidFill>
-                  <a:latin typeface="Meiryo UI" panose="020B0604030504040204" pitchFamily="34" charset="-128"/>
-                  <a:ea typeface="Meiryo UI" panose="020B0604030504040204" pitchFamily="34" charset="-128"/>
-                </a:rPr>
-                <a:t> approver</a:t>
-              </a:r>
-              <a:endParaRPr sz="800" dirty="0">
-                <a:latin typeface="Meiryo UI" panose="020B0604030504040204" pitchFamily="34" charset="-128"/>
-                <a:ea typeface="Meiryo UI" panose="020B0604030504040204" pitchFamily="34" charset="-128"/>
-                <a:cs typeface="Meiryo UI" panose="020B0604030504040204" pitchFamily="34" charset="-128"/>
-              </a:endParaRPr>
-            </a:p>
-          </p:txBody>
-        </p:sp>
-        <p:cxnSp>
-          <p:nvCxnSpPr>
-            <p:cNvPr id="77" name="直線矢印コネクタ 11"/>
-            <p:cNvCxnSpPr/>
-            <p:nvPr/>
-          </p:nvCxnSpPr>
-          <p:spPr>
-            <a:xfrm flipH="1" flipV="1">
-              <a:off x="6842979" y="2275242"/>
-              <a:ext cx="478268" cy="9549"/>
-            </a:xfrm>
-            <a:prstGeom prst="straightConnector1">
-              <a:avLst/>
-            </a:prstGeom>
-            <a:ln>
-              <a:solidFill>
-                <a:schemeClr val="tx1">
-                  <a:lumMod val="50000"/>
-                  <a:lumOff val="50000"/>
-                </a:schemeClr>
-              </a:solidFill>
-              <a:headEnd type="triangle" w="med" len="med"/>
-              <a:tailEnd type="none" w="med" len="med"/>
-            </a:ln>
-          </p:spPr>
-          <p:style>
-            <a:lnRef idx="1">
-              <a:schemeClr val="accent1"/>
-            </a:lnRef>
-            <a:fillRef idx="0">
-              <a:schemeClr val="accent1"/>
-            </a:fillRef>
-            <a:effectRef idx="0">
-              <a:schemeClr val="accent1"/>
-            </a:effectRef>
-            <a:fontRef idx="minor">
-              <a:schemeClr val="tx1"/>
-            </a:fontRef>
-          </p:style>
-        </p:cxnSp>
-        <p:cxnSp>
-          <p:nvCxnSpPr>
-            <p:cNvPr id="39" name="直線矢印コネクタ 11">
-              <a:extLst>
-                <a:ext uri="{FF2B5EF4-FFF2-40B4-BE49-F238E27FC236}">
-                  <a16:creationId xmlns:a16="http://schemas.microsoft.com/office/drawing/2014/main" id="{33202E5E-3E8A-4507-9FF8-7EAABE337AD8}"/>
-                </a:ext>
-              </a:extLst>
-            </p:cNvPr>
-            <p:cNvCxnSpPr>
-              <a:cxnSpLocks/>
-            </p:cNvCxnSpPr>
-            <p:nvPr/>
-          </p:nvCxnSpPr>
-          <p:spPr>
-            <a:xfrm flipH="1">
-              <a:off x="7936076" y="2384630"/>
-              <a:ext cx="867715" cy="0"/>
-            </a:xfrm>
-            <a:prstGeom prst="straightConnector1">
-              <a:avLst/>
-            </a:prstGeom>
-            <a:ln>
-              <a:solidFill>
-                <a:schemeClr val="tx1">
-                  <a:lumMod val="50000"/>
-                  <a:lumOff val="50000"/>
-                </a:schemeClr>
-              </a:solidFill>
-              <a:headEnd type="triangle" w="med" len="med"/>
-              <a:tailEnd type="none" w="med" len="med"/>
-            </a:ln>
-          </p:spPr>
-          <p:style>
-            <a:lnRef idx="1">
-              <a:schemeClr val="accent1"/>
-            </a:lnRef>
-            <a:fillRef idx="0">
-              <a:schemeClr val="accent1"/>
-            </a:fillRef>
-            <a:effectRef idx="0">
-              <a:schemeClr val="accent1"/>
-            </a:effectRef>
-            <a:fontRef idx="minor">
-              <a:schemeClr val="tx1"/>
-            </a:fontRef>
-          </p:style>
-        </p:cxnSp>
-        <p:cxnSp>
-          <p:nvCxnSpPr>
-            <p:cNvPr id="60" name="直線矢印コネクタ 11">
-              <a:extLst>
-                <a:ext uri="{FF2B5EF4-FFF2-40B4-BE49-F238E27FC236}">
-                  <a16:creationId xmlns:a16="http://schemas.microsoft.com/office/drawing/2014/main" id="{3F93F57B-6847-4003-A709-D79A2ADDDC98}"/>
-                </a:ext>
-              </a:extLst>
-            </p:cNvPr>
-            <p:cNvCxnSpPr>
-              <a:cxnSpLocks/>
-            </p:cNvCxnSpPr>
-            <p:nvPr/>
-          </p:nvCxnSpPr>
-          <p:spPr>
-            <a:xfrm flipH="1" flipV="1">
-              <a:off x="10400461" y="2058637"/>
-              <a:ext cx="268571" cy="271299"/>
-            </a:xfrm>
-            <a:prstGeom prst="straightConnector1">
-              <a:avLst/>
-            </a:prstGeom>
-            <a:ln>
-              <a:solidFill>
-                <a:schemeClr val="tx1">
-                  <a:lumMod val="50000"/>
-                  <a:lumOff val="50000"/>
-                </a:schemeClr>
-              </a:solidFill>
-              <a:headEnd type="triangle" w="med" len="med"/>
-              <a:tailEnd type="none" w="med" len="med"/>
-            </a:ln>
-          </p:spPr>
-          <p:style>
-            <a:lnRef idx="1">
-              <a:schemeClr val="accent1"/>
-            </a:lnRef>
-            <a:fillRef idx="0">
-              <a:schemeClr val="accent1"/>
-            </a:fillRef>
-            <a:effectRef idx="0">
-              <a:schemeClr val="accent1"/>
-            </a:effectRef>
-            <a:fontRef idx="minor">
-              <a:schemeClr val="tx1"/>
-            </a:fontRef>
-          </p:style>
-        </p:cxnSp>
-      </p:grpSp>
-      <p:sp>
-        <p:nvSpPr>
-          <p:cNvPr id="47" name="Title 2"/>
-          <p:cNvSpPr>
-            <a:spLocks noGrp="1"/>
-          </p:cNvSpPr>
-          <p:nvPr>
-            <p:ph type="title"/>
-          </p:nvPr>
-        </p:nvSpPr>
-        <p:spPr>
-          <a:xfrm>
-            <a:off x="345018" y="332077"/>
-            <a:ext cx="10727601" cy="423828"/>
-          </a:xfrm>
-        </p:spPr>
-        <p:txBody>
-          <a:bodyPr/>
-          <a:lstStyle/>
-          <a:p>
-            <a:r>
-              <a:rPr lang="en-US" dirty="0"/>
-              <a:t>Category: Request redirect and delegate</a:t>
-            </a:r>
-          </a:p>
-        </p:txBody>
-      </p:sp>
-      <p:sp>
-        <p:nvSpPr>
-          <p:cNvPr id="2" name="Rectangle 18"/>
-          <p:cNvSpPr/>
-          <p:nvPr/>
-        </p:nvSpPr>
-        <p:spPr>
-          <a:xfrm>
-            <a:off x="516469" y="1309655"/>
-            <a:ext cx="11081087" cy="583565"/>
-          </a:xfrm>
-          <a:prstGeom prst="rect">
-            <a:avLst/>
-          </a:prstGeom>
-        </p:spPr>
-        <p:txBody>
-          <a:bodyPr wrap="square">
-            <a:spAutoFit/>
-          </a:bodyPr>
-          <a:lstStyle/>
-          <a:p>
-            <a:r>
-              <a:rPr lang="en-US" altLang="ja-JP" sz="1600" dirty="0">
-                <a:solidFill>
-                  <a:srgbClr val="000000"/>
-                </a:solidFill>
-                <a:latin typeface="Meiryo UI" panose="020B0604030504040204" pitchFamily="34" charset="-128"/>
-                <a:ea typeface="Meiryo UI" panose="020B0604030504040204" pitchFamily="34" charset="-128"/>
-              </a:rPr>
-              <a:t>Description: Ticket needs to be redirected to a new approver due to system configuration not up-to-date or report line issues or some other reasons.</a:t>
-            </a:r>
-          </a:p>
-        </p:txBody>
-      </p:sp>
-      <p:sp>
-        <p:nvSpPr>
-          <p:cNvPr id="38" name="Rectangle 18"/>
-          <p:cNvSpPr/>
-          <p:nvPr/>
-        </p:nvSpPr>
-        <p:spPr>
-          <a:xfrm>
-            <a:off x="4439816" y="3019931"/>
-            <a:ext cx="896662" cy="553085"/>
-          </a:xfrm>
-          <a:prstGeom prst="rect">
-            <a:avLst/>
-          </a:prstGeom>
-        </p:spPr>
-        <p:txBody>
-          <a:bodyPr wrap="square">
-            <a:spAutoFit/>
-          </a:bodyPr>
-          <a:lstStyle/>
-          <a:p>
-            <a:r>
-              <a:rPr lang="en-US" altLang="ja-JP" sz="1000" dirty="0">
-                <a:solidFill>
-                  <a:srgbClr val="000000"/>
-                </a:solidFill>
-                <a:latin typeface="Meiryo UI" panose="020B0604030504040204" pitchFamily="34" charset="-128"/>
-                <a:ea typeface="Meiryo UI" panose="020B0604030504040204" pitchFamily="34" charset="-128"/>
-              </a:rPr>
-              <a:t>original approver 's node? </a:t>
-            </a:r>
-          </a:p>
-        </p:txBody>
-      </p:sp>
-      <p:sp>
-        <p:nvSpPr>
-          <p:cNvPr id="42" name="Left Brace 9"/>
-          <p:cNvSpPr/>
-          <p:nvPr/>
-        </p:nvSpPr>
-        <p:spPr>
-          <a:xfrm>
-            <a:off x="5519936" y="2852936"/>
-            <a:ext cx="398145" cy="1400175"/>
-          </a:xfrm>
-          <a:prstGeom prst="leftBrace">
-            <a:avLst/>
-          </a:prstGeom>
-        </p:spPr>
-        <p:style>
-          <a:lnRef idx="1">
-            <a:schemeClr val="accent1"/>
-          </a:lnRef>
-          <a:fillRef idx="0">
-            <a:schemeClr val="accent1"/>
-          </a:fillRef>
-          <a:effectRef idx="0">
-            <a:schemeClr val="accent1"/>
-          </a:effectRef>
-          <a:fontRef idx="minor">
-            <a:schemeClr val="tx1"/>
-          </a:fontRef>
-        </p:style>
-        <p:txBody>
-          <a:bodyPr rtlCol="0" anchor="ctr"/>
-          <a:lstStyle/>
-          <a:p>
-            <a:pPr algn="ctr"/>
-            <a:endParaRPr lang="en-US"/>
-          </a:p>
-        </p:txBody>
-      </p:sp>
-      <p:sp>
-        <p:nvSpPr>
-          <p:cNvPr id="49" name="Rectangle 18"/>
-          <p:cNvSpPr/>
-          <p:nvPr/>
-        </p:nvSpPr>
-        <p:spPr>
-          <a:xfrm>
-            <a:off x="5303912" y="3903970"/>
-            <a:ext cx="394970" cy="245110"/>
-          </a:xfrm>
-          <a:prstGeom prst="rect">
-            <a:avLst/>
-          </a:prstGeom>
-        </p:spPr>
-        <p:txBody>
-          <a:bodyPr wrap="square">
-            <a:spAutoFit/>
-          </a:bodyPr>
-          <a:lstStyle/>
-          <a:p>
-            <a:r>
-              <a:rPr lang="en-US" altLang="ja-JP" sz="1000" dirty="0">
-                <a:solidFill>
-                  <a:srgbClr val="000000"/>
-                </a:solidFill>
-                <a:latin typeface="Meiryo UI" panose="020B0604030504040204" pitchFamily="34" charset="-128"/>
-                <a:ea typeface="Meiryo UI" panose="020B0604030504040204" pitchFamily="34" charset="-128"/>
-              </a:rPr>
-              <a:t>NO</a:t>
-            </a:r>
-          </a:p>
-        </p:txBody>
-      </p:sp>
-      <p:sp>
-        <p:nvSpPr>
-          <p:cNvPr id="50" name="Rectangle 18"/>
-          <p:cNvSpPr/>
-          <p:nvPr/>
-        </p:nvSpPr>
-        <p:spPr>
-          <a:xfrm>
-            <a:off x="5280665" y="3039874"/>
-            <a:ext cx="455295" cy="245110"/>
-          </a:xfrm>
-          <a:prstGeom prst="rect">
-            <a:avLst/>
-          </a:prstGeom>
-        </p:spPr>
-        <p:txBody>
-          <a:bodyPr wrap="square">
-            <a:spAutoFit/>
-          </a:bodyPr>
-          <a:lstStyle/>
-          <a:p>
-            <a:r>
-              <a:rPr lang="en-US" altLang="ja-JP" sz="1000" dirty="0">
-                <a:solidFill>
-                  <a:srgbClr val="000000"/>
-                </a:solidFill>
-                <a:latin typeface="Meiryo UI" panose="020B0604030504040204" pitchFamily="34" charset="-128"/>
-                <a:ea typeface="Meiryo UI" panose="020B0604030504040204" pitchFamily="34" charset="-128"/>
-              </a:rPr>
-              <a:t>YES</a:t>
-            </a:r>
-          </a:p>
-        </p:txBody>
-      </p:sp>
-      <p:pic>
-        <p:nvPicPr>
-          <p:cNvPr id="75" name="Picture 26" descr="Related image"/>
-          <p:cNvPicPr>
-            <a:picLocks noChangeAspect="1" noChangeArrowheads="1"/>
-          </p:cNvPicPr>
-          <p:nvPr/>
-        </p:nvPicPr>
-        <p:blipFill>
-          <a:blip r:embed="rId6" cstate="print">
-            <a:extLst>
-              <a:ext uri="{28A0092B-C50C-407E-A947-70E740481C1C}">
-                <a14:useLocalDpi xmlns:a14="http://schemas.microsoft.com/office/drawing/2010/main" val="0"/>
-              </a:ext>
-            </a:extLst>
-          </a:blip>
-          <a:srcRect/>
-          <a:stretch>
-            <a:fillRect/>
-          </a:stretch>
-        </p:blipFill>
-        <p:spPr bwMode="auto">
-          <a:xfrm>
-            <a:off x="6960096" y="4077072"/>
-            <a:ext cx="317593" cy="317593"/>
-          </a:xfrm>
-          <a:prstGeom prst="rect">
-            <a:avLst/>
-          </a:prstGeom>
-          <a:noFill/>
-          <a:extLst>
-            <a:ext uri="{909E8E84-426E-40DD-AFC4-6F175D3DCCD1}">
-              <a14:hiddenFill xmlns:a14="http://schemas.microsoft.com/office/drawing/2010/main">
-                <a:solidFill>
-                  <a:srgbClr val="FFFFFF"/>
-                </a:solidFill>
-              </a14:hiddenFill>
-            </a:ext>
-          </a:extLst>
-        </p:spPr>
-      </p:pic>
-      <p:sp>
-        <p:nvSpPr>
-          <p:cNvPr id="51" name="Rectangle 18"/>
-          <p:cNvSpPr/>
-          <p:nvPr/>
-        </p:nvSpPr>
-        <p:spPr>
-          <a:xfrm>
-            <a:off x="5951984" y="4149080"/>
-            <a:ext cx="1060450" cy="245110"/>
-          </a:xfrm>
-          <a:prstGeom prst="rect">
-            <a:avLst/>
-          </a:prstGeom>
-        </p:spPr>
-        <p:txBody>
-          <a:bodyPr wrap="square">
-            <a:spAutoFit/>
-          </a:bodyPr>
-          <a:lstStyle/>
-          <a:p>
-            <a:r>
-              <a:rPr lang="en-US" altLang="ja-JP" sz="1000" dirty="0">
-                <a:solidFill>
-                  <a:srgbClr val="000000"/>
-                </a:solidFill>
-                <a:latin typeface="Meiryo UI" panose="020B0604030504040204" pitchFamily="34" charset="-128"/>
-                <a:ea typeface="Meiryo UI" panose="020B0604030504040204" pitchFamily="34" charset="-128"/>
-              </a:rPr>
-              <a:t>Can't redirect </a:t>
-            </a:r>
-          </a:p>
-        </p:txBody>
-      </p:sp>
-      <p:sp>
-        <p:nvSpPr>
-          <p:cNvPr id="52" name="Rectangle 18"/>
-          <p:cNvSpPr/>
-          <p:nvPr/>
-        </p:nvSpPr>
-        <p:spPr>
-          <a:xfrm>
-            <a:off x="5879976" y="2348880"/>
-            <a:ext cx="936104" cy="707886"/>
-          </a:xfrm>
-          <a:prstGeom prst="rect">
-            <a:avLst/>
-          </a:prstGeom>
-        </p:spPr>
-        <p:txBody>
-          <a:bodyPr wrap="square">
-            <a:spAutoFit/>
-          </a:bodyPr>
-          <a:lstStyle/>
-          <a:p>
-            <a:r>
-              <a:rPr lang="en-US" altLang="ja-JP" sz="1000" dirty="0">
-                <a:solidFill>
-                  <a:srgbClr val="000000"/>
-                </a:solidFill>
-                <a:latin typeface="Meiryo UI" panose="020B0604030504040204" pitchFamily="34" charset="-128"/>
-                <a:ea typeface="Meiryo UI" panose="020B0604030504040204" pitchFamily="34" charset="-128"/>
-              </a:rPr>
-              <a:t>New approver 's approval mail </a:t>
-            </a:r>
-          </a:p>
-        </p:txBody>
-      </p:sp>
-      <p:sp>
-        <p:nvSpPr>
-          <p:cNvPr id="79" name="Rectangle: Folded Corner 9"/>
-          <p:cNvSpPr/>
-          <p:nvPr/>
-        </p:nvSpPr>
-        <p:spPr>
-          <a:xfrm>
-            <a:off x="4223792" y="3717032"/>
-            <a:ext cx="1073785" cy="648335"/>
-          </a:xfrm>
-          <a:prstGeom prst="foldedCorner">
-            <a:avLst>
-              <a:gd name="adj" fmla="val 9802"/>
-            </a:avLst>
-          </a:prstGeom>
-          <a:solidFill>
-            <a:schemeClr val="accent6"/>
-          </a:solidFill>
-        </p:spPr>
-        <p:style>
-          <a:lnRef idx="2">
-            <a:schemeClr val="accent1">
-              <a:shade val="50000"/>
-            </a:schemeClr>
-          </a:lnRef>
-          <a:fillRef idx="1">
-            <a:schemeClr val="accent1"/>
-          </a:fillRef>
-          <a:effectRef idx="0">
-            <a:schemeClr val="accent1"/>
-          </a:effectRef>
-          <a:fontRef idx="minor">
-            <a:schemeClr val="lt1"/>
-          </a:fontRef>
-        </p:style>
-        <p:txBody>
-          <a:bodyPr rtlCol="0" anchor="ctr"/>
-          <a:lstStyle/>
-          <a:p>
-            <a:pPr algn="ctr"/>
-            <a:r>
-              <a:rPr lang="en-US" altLang="ja-JP" sz="1200" dirty="0">
-                <a:solidFill>
-                  <a:schemeClr val="tx1"/>
-                </a:solidFill>
-                <a:latin typeface="Meiryo UI" panose="020B0604030504040204" pitchFamily="34" charset="-128"/>
-                <a:ea typeface="Meiryo UI" panose="020B0604030504040204" pitchFamily="34" charset="-128"/>
-              </a:rPr>
-              <a:t>K2 ticket delegate tools</a:t>
-            </a:r>
-          </a:p>
-        </p:txBody>
-      </p:sp>
-      <p:sp>
-        <p:nvSpPr>
-          <p:cNvPr id="80" name="Rectangle: Folded Corner 9"/>
-          <p:cNvSpPr/>
-          <p:nvPr/>
-        </p:nvSpPr>
-        <p:spPr>
-          <a:xfrm>
-            <a:off x="6744072" y="3284853"/>
-            <a:ext cx="1073785" cy="648335"/>
-          </a:xfrm>
-          <a:prstGeom prst="foldedCorner">
-            <a:avLst>
-              <a:gd name="adj" fmla="val 9802"/>
-            </a:avLst>
-          </a:prstGeom>
-          <a:solidFill>
-            <a:schemeClr val="accent6"/>
-          </a:solidFill>
-        </p:spPr>
-        <p:style>
-          <a:lnRef idx="2">
-            <a:schemeClr val="accent1">
-              <a:shade val="50000"/>
-            </a:schemeClr>
-          </a:lnRef>
-          <a:fillRef idx="1">
-            <a:schemeClr val="accent1"/>
-          </a:fillRef>
-          <a:effectRef idx="0">
-            <a:schemeClr val="accent1"/>
-          </a:effectRef>
-          <a:fontRef idx="minor">
-            <a:schemeClr val="lt1"/>
-          </a:fontRef>
-        </p:style>
-        <p:txBody>
-          <a:bodyPr rtlCol="0" anchor="ctr"/>
-          <a:lstStyle/>
-          <a:p>
-            <a:pPr algn="ctr"/>
-            <a:r>
-              <a:rPr lang="en-US" altLang="ja-JP" sz="1200" dirty="0">
-                <a:solidFill>
-                  <a:schemeClr val="tx1"/>
-                </a:solidFill>
-                <a:latin typeface="Meiryo UI" panose="020B0604030504040204" pitchFamily="34" charset="-128"/>
-                <a:ea typeface="Meiryo UI" panose="020B0604030504040204" pitchFamily="34" charset="-128"/>
-              </a:rPr>
-              <a:t>K2 ticket delegate tools</a:t>
-            </a:r>
-          </a:p>
-        </p:txBody>
-      </p:sp>
-      <p:sp>
-        <p:nvSpPr>
-          <p:cNvPr id="40" name="Left Brace 9">
-            <a:extLst>
-              <a:ext uri="{FF2B5EF4-FFF2-40B4-BE49-F238E27FC236}">
-                <a16:creationId xmlns:a16="http://schemas.microsoft.com/office/drawing/2014/main" id="{36B7D9BF-A0F1-4317-8661-FB379B38B6DA}"/>
-              </a:ext>
-            </a:extLst>
-          </p:cNvPr>
-          <p:cNvSpPr/>
-          <p:nvPr/>
-        </p:nvSpPr>
-        <p:spPr>
-          <a:xfrm>
-            <a:off x="8761484" y="2534841"/>
-            <a:ext cx="332894" cy="1072699"/>
-          </a:xfrm>
-          <a:prstGeom prst="leftBrace">
-            <a:avLst/>
-          </a:prstGeom>
-        </p:spPr>
-        <p:style>
-          <a:lnRef idx="1">
-            <a:schemeClr val="accent1"/>
-          </a:lnRef>
-          <a:fillRef idx="0">
-            <a:schemeClr val="accent1"/>
-          </a:fillRef>
-          <a:effectRef idx="0">
-            <a:schemeClr val="accent1"/>
-          </a:effectRef>
-          <a:fontRef idx="minor">
-            <a:schemeClr val="tx1"/>
-          </a:fontRef>
-        </p:style>
-        <p:txBody>
-          <a:bodyPr rtlCol="0" anchor="ctr"/>
-          <a:lstStyle/>
-          <a:p>
-            <a:pPr algn="ctr"/>
-            <a:endParaRPr lang="en-US"/>
-          </a:p>
-        </p:txBody>
-      </p:sp>
-      <p:sp>
-        <p:nvSpPr>
-          <p:cNvPr id="41" name="Rectangle 18">
-            <a:extLst>
-              <a:ext uri="{FF2B5EF4-FFF2-40B4-BE49-F238E27FC236}">
-                <a16:creationId xmlns:a16="http://schemas.microsoft.com/office/drawing/2014/main" id="{71B733B2-C6BC-4EAD-AEEA-FB6D9A093747}"/>
-              </a:ext>
-            </a:extLst>
-          </p:cNvPr>
-          <p:cNvSpPr/>
-          <p:nvPr/>
-        </p:nvSpPr>
-        <p:spPr>
-          <a:xfrm>
-            <a:off x="7885877" y="2420888"/>
-            <a:ext cx="950951" cy="553998"/>
-          </a:xfrm>
-          <a:prstGeom prst="rect">
-            <a:avLst/>
-          </a:prstGeom>
-        </p:spPr>
-        <p:txBody>
-          <a:bodyPr wrap="square">
-            <a:spAutoFit/>
-          </a:bodyPr>
-          <a:lstStyle/>
-          <a:p>
-            <a:r>
-              <a:rPr lang="en-US" altLang="ja-JP" sz="1000" dirty="0">
-                <a:solidFill>
-                  <a:srgbClr val="000000"/>
-                </a:solidFill>
-                <a:latin typeface="Meiryo UI" panose="020B0604030504040204" pitchFamily="34" charset="-128"/>
-                <a:ea typeface="Meiryo UI" panose="020B0604030504040204" pitchFamily="34" charset="-128"/>
-              </a:rPr>
-              <a:t>Report line modification </a:t>
-            </a:r>
-            <a:r>
-              <a:rPr lang="en-US" altLang="ja-JP" sz="1000" dirty="0" err="1">
-                <a:solidFill>
-                  <a:srgbClr val="000000"/>
-                </a:solidFill>
-                <a:latin typeface="Meiryo UI" panose="020B0604030504040204" pitchFamily="34" charset="-128"/>
-                <a:ea typeface="Meiryo UI" panose="020B0604030504040204" pitchFamily="34" charset="-128"/>
-              </a:rPr>
-              <a:t>ralated</a:t>
-            </a:r>
-            <a:endParaRPr lang="en-US" altLang="ja-JP" sz="1000" dirty="0">
-              <a:solidFill>
-                <a:srgbClr val="000000"/>
-              </a:solidFill>
-              <a:latin typeface="Meiryo UI" panose="020B0604030504040204" pitchFamily="34" charset="-128"/>
-              <a:ea typeface="Meiryo UI" panose="020B0604030504040204" pitchFamily="34" charset="-128"/>
-            </a:endParaRPr>
-          </a:p>
-        </p:txBody>
-      </p:sp>
-      <p:sp>
-        <p:nvSpPr>
-          <p:cNvPr id="43" name="Rectangle 18">
-            <a:extLst>
-              <a:ext uri="{FF2B5EF4-FFF2-40B4-BE49-F238E27FC236}">
-                <a16:creationId xmlns:a16="http://schemas.microsoft.com/office/drawing/2014/main" id="{5FABF929-BC4A-47A4-ACD0-6139B3C99089}"/>
-              </a:ext>
-            </a:extLst>
-          </p:cNvPr>
-          <p:cNvSpPr/>
-          <p:nvPr/>
-        </p:nvSpPr>
-        <p:spPr>
-          <a:xfrm>
-            <a:off x="7896200" y="3163034"/>
-            <a:ext cx="940629" cy="707886"/>
-          </a:xfrm>
-          <a:prstGeom prst="rect">
-            <a:avLst/>
-          </a:prstGeom>
-        </p:spPr>
-        <p:txBody>
-          <a:bodyPr wrap="square">
-            <a:spAutoFit/>
-          </a:bodyPr>
-          <a:lstStyle/>
-          <a:p>
-            <a:r>
-              <a:rPr lang="en-US" altLang="ja-JP" sz="1000" dirty="0">
-                <a:solidFill>
-                  <a:srgbClr val="000000"/>
-                </a:solidFill>
-                <a:latin typeface="Meiryo UI" panose="020B0604030504040204" pitchFamily="34" charset="-128"/>
-                <a:ea typeface="Meiryo UI" panose="020B0604030504040204" pitchFamily="34" charset="-128"/>
-              </a:rPr>
-              <a:t>Functional department modification </a:t>
-            </a:r>
-            <a:r>
-              <a:rPr lang="en-US" altLang="ja-JP" sz="1000" dirty="0" err="1">
-                <a:solidFill>
-                  <a:srgbClr val="000000"/>
-                </a:solidFill>
-                <a:latin typeface="Meiryo UI" panose="020B0604030504040204" pitchFamily="34" charset="-128"/>
-                <a:ea typeface="Meiryo UI" panose="020B0604030504040204" pitchFamily="34" charset="-128"/>
-              </a:rPr>
-              <a:t>ralated</a:t>
-            </a:r>
-            <a:endParaRPr lang="en-US" altLang="ja-JP" sz="1000" dirty="0">
-              <a:solidFill>
-                <a:srgbClr val="000000"/>
-              </a:solidFill>
-              <a:latin typeface="Meiryo UI" panose="020B0604030504040204" pitchFamily="34" charset="-128"/>
-              <a:ea typeface="Meiryo UI" panose="020B0604030504040204" pitchFamily="34" charset="-128"/>
-            </a:endParaRPr>
-          </a:p>
-        </p:txBody>
-      </p:sp>
-      <p:sp>
-        <p:nvSpPr>
-          <p:cNvPr id="46" name="Rectangle 18">
-            <a:extLst>
-              <a:ext uri="{FF2B5EF4-FFF2-40B4-BE49-F238E27FC236}">
-                <a16:creationId xmlns:a16="http://schemas.microsoft.com/office/drawing/2014/main" id="{16ECE23B-98C4-4526-B743-D4B75BC193F9}"/>
-              </a:ext>
-            </a:extLst>
-          </p:cNvPr>
-          <p:cNvSpPr/>
-          <p:nvPr/>
-        </p:nvSpPr>
-        <p:spPr>
-          <a:xfrm>
-            <a:off x="9073733" y="2429073"/>
-            <a:ext cx="1414756" cy="246221"/>
-          </a:xfrm>
-          <a:prstGeom prst="rect">
-            <a:avLst/>
-          </a:prstGeom>
-        </p:spPr>
-        <p:txBody>
-          <a:bodyPr wrap="square">
-            <a:spAutoFit/>
-          </a:bodyPr>
-          <a:lstStyle/>
-          <a:p>
-            <a:r>
-              <a:rPr lang="en-US" altLang="ja-JP" sz="1000" dirty="0">
-                <a:solidFill>
-                  <a:srgbClr val="000000"/>
-                </a:solidFill>
-                <a:latin typeface="Meiryo UI" panose="020B0604030504040204" pitchFamily="34" charset="-128"/>
-                <a:ea typeface="Meiryo UI" panose="020B0604030504040204" pitchFamily="34" charset="-128"/>
-              </a:rPr>
-              <a:t>Confirm and update</a:t>
-            </a:r>
-          </a:p>
-        </p:txBody>
-      </p:sp>
-      <p:sp>
-        <p:nvSpPr>
-          <p:cNvPr id="54" name="Rectangle 18">
-            <a:extLst>
-              <a:ext uri="{FF2B5EF4-FFF2-40B4-BE49-F238E27FC236}">
-                <a16:creationId xmlns:a16="http://schemas.microsoft.com/office/drawing/2014/main" id="{4A8E0576-3788-47FD-9658-519720DF9184}"/>
-              </a:ext>
-            </a:extLst>
-          </p:cNvPr>
-          <p:cNvSpPr/>
-          <p:nvPr/>
-        </p:nvSpPr>
-        <p:spPr>
-          <a:xfrm>
-            <a:off x="9108460" y="3429000"/>
-            <a:ext cx="1101721" cy="707886"/>
-          </a:xfrm>
-          <a:prstGeom prst="rect">
-            <a:avLst/>
-          </a:prstGeom>
-        </p:spPr>
-        <p:txBody>
-          <a:bodyPr wrap="square">
-            <a:spAutoFit/>
-          </a:bodyPr>
-          <a:lstStyle/>
-          <a:p>
-            <a:r>
-              <a:rPr lang="en-US" altLang="ja-JP" sz="1000" dirty="0">
-                <a:solidFill>
-                  <a:srgbClr val="000000"/>
-                </a:solidFill>
-                <a:latin typeface="Meiryo UI" panose="020B0604030504040204" pitchFamily="34" charset="-128"/>
-                <a:ea typeface="Meiryo UI" panose="020B0604030504040204" pitchFamily="34" charset="-128"/>
-              </a:rPr>
-              <a:t>System configuration modification required?</a:t>
-            </a:r>
-          </a:p>
-        </p:txBody>
-      </p:sp>
-      <p:sp>
-        <p:nvSpPr>
-          <p:cNvPr id="55" name="Left Brace 9">
-            <a:extLst>
-              <a:ext uri="{FF2B5EF4-FFF2-40B4-BE49-F238E27FC236}">
-                <a16:creationId xmlns:a16="http://schemas.microsoft.com/office/drawing/2014/main" id="{096AD551-F15F-45B6-82A5-481E3969A062}"/>
-              </a:ext>
-            </a:extLst>
-          </p:cNvPr>
-          <p:cNvSpPr/>
-          <p:nvPr/>
-        </p:nvSpPr>
-        <p:spPr>
-          <a:xfrm>
-            <a:off x="10120047" y="3178754"/>
-            <a:ext cx="332894" cy="1072699"/>
-          </a:xfrm>
-          <a:prstGeom prst="leftBrace">
-            <a:avLst/>
-          </a:prstGeom>
-        </p:spPr>
-        <p:style>
-          <a:lnRef idx="1">
-            <a:schemeClr val="accent1"/>
-          </a:lnRef>
-          <a:fillRef idx="0">
-            <a:schemeClr val="accent1"/>
-          </a:fillRef>
-          <a:effectRef idx="0">
-            <a:schemeClr val="accent1"/>
-          </a:effectRef>
-          <a:fontRef idx="minor">
-            <a:schemeClr val="tx1"/>
-          </a:fontRef>
-        </p:style>
-        <p:txBody>
-          <a:bodyPr rtlCol="0" anchor="ctr"/>
-          <a:lstStyle/>
-          <a:p>
-            <a:pPr algn="ctr"/>
-            <a:endParaRPr lang="en-US"/>
-          </a:p>
-        </p:txBody>
-      </p:sp>
-      <p:sp>
-        <p:nvSpPr>
-          <p:cNvPr id="57" name="Rectangle 18">
-            <a:extLst>
-              <a:ext uri="{FF2B5EF4-FFF2-40B4-BE49-F238E27FC236}">
-                <a16:creationId xmlns:a16="http://schemas.microsoft.com/office/drawing/2014/main" id="{BC9B8303-8BCC-41F8-A684-951455A10C6F}"/>
-              </a:ext>
-            </a:extLst>
-          </p:cNvPr>
-          <p:cNvSpPr/>
-          <p:nvPr/>
-        </p:nvSpPr>
-        <p:spPr>
-          <a:xfrm>
-            <a:off x="9817169" y="3248594"/>
-            <a:ext cx="455295" cy="245110"/>
-          </a:xfrm>
-          <a:prstGeom prst="rect">
-            <a:avLst/>
-          </a:prstGeom>
-        </p:spPr>
-        <p:txBody>
-          <a:bodyPr wrap="square">
-            <a:spAutoFit/>
-          </a:bodyPr>
-          <a:lstStyle/>
-          <a:p>
-            <a:r>
-              <a:rPr lang="en-US" altLang="ja-JP" sz="1000" dirty="0">
-                <a:solidFill>
-                  <a:srgbClr val="000000"/>
-                </a:solidFill>
-                <a:latin typeface="Meiryo UI" panose="020B0604030504040204" pitchFamily="34" charset="-128"/>
-                <a:ea typeface="Meiryo UI" panose="020B0604030504040204" pitchFamily="34" charset="-128"/>
-              </a:rPr>
-              <a:t>YES</a:t>
-            </a:r>
-          </a:p>
-        </p:txBody>
-      </p:sp>
-      <p:sp>
-        <p:nvSpPr>
-          <p:cNvPr id="58" name="Rectangle 18">
-            <a:extLst>
-              <a:ext uri="{FF2B5EF4-FFF2-40B4-BE49-F238E27FC236}">
-                <a16:creationId xmlns:a16="http://schemas.microsoft.com/office/drawing/2014/main" id="{50ADEA03-265F-4B73-B9DA-2FECE1E5750B}"/>
-              </a:ext>
-            </a:extLst>
-          </p:cNvPr>
-          <p:cNvSpPr/>
-          <p:nvPr/>
-        </p:nvSpPr>
-        <p:spPr>
-          <a:xfrm>
-            <a:off x="9852327" y="3970979"/>
-            <a:ext cx="394970" cy="245110"/>
-          </a:xfrm>
-          <a:prstGeom prst="rect">
-            <a:avLst/>
-          </a:prstGeom>
-        </p:spPr>
-        <p:txBody>
-          <a:bodyPr wrap="square">
-            <a:spAutoFit/>
-          </a:bodyPr>
-          <a:lstStyle/>
-          <a:p>
-            <a:r>
-              <a:rPr lang="en-US" altLang="ja-JP" sz="1000" dirty="0">
-                <a:solidFill>
-                  <a:srgbClr val="000000"/>
-                </a:solidFill>
-                <a:latin typeface="Meiryo UI" panose="020B0604030504040204" pitchFamily="34" charset="-128"/>
-                <a:ea typeface="Meiryo UI" panose="020B0604030504040204" pitchFamily="34" charset="-128"/>
-              </a:rPr>
-              <a:t>NO</a:t>
-            </a:r>
-          </a:p>
-        </p:txBody>
-      </p:sp>
-      <p:pic>
-        <p:nvPicPr>
-          <p:cNvPr id="59" name="Picture 26" descr="Related image">
-            <a:extLst>
-              <a:ext uri="{FF2B5EF4-FFF2-40B4-BE49-F238E27FC236}">
-                <a16:creationId xmlns:a16="http://schemas.microsoft.com/office/drawing/2014/main" id="{F9D84BD8-1CAC-4915-964E-B5B42CCB2BC7}"/>
-              </a:ext>
-            </a:extLst>
-          </p:cNvPr>
-          <p:cNvPicPr>
-            <a:picLocks noChangeAspect="1" noChangeArrowheads="1"/>
-          </p:cNvPicPr>
-          <p:nvPr/>
-        </p:nvPicPr>
-        <p:blipFill>
-          <a:blip r:embed="rId6" cstate="print">
-            <a:extLst>
-              <a:ext uri="{28A0092B-C50C-407E-A947-70E740481C1C}">
-                <a14:useLocalDpi xmlns:a14="http://schemas.microsoft.com/office/drawing/2010/main" val="0"/>
-              </a:ext>
-            </a:extLst>
-          </a:blip>
-          <a:srcRect/>
-          <a:stretch>
-            <a:fillRect/>
-          </a:stretch>
-        </p:blipFill>
-        <p:spPr bwMode="auto">
-          <a:xfrm>
-            <a:off x="10514504" y="4083380"/>
-            <a:ext cx="317593" cy="317593"/>
-          </a:xfrm>
-          <a:prstGeom prst="rect">
-            <a:avLst/>
-          </a:prstGeom>
-          <a:noFill/>
-          <a:extLst>
-            <a:ext uri="{909E8E84-426E-40DD-AFC4-6F175D3DCCD1}">
-              <a14:hiddenFill xmlns:a14="http://schemas.microsoft.com/office/drawing/2010/main">
-                <a:solidFill>
-                  <a:srgbClr val="FFFFFF"/>
-                </a:solidFill>
-              </a14:hiddenFill>
-            </a:ext>
-          </a:extLst>
-        </p:spPr>
-      </p:pic>
-    </p:spTree>
-    <p:extLst>
-      <p:ext uri="{BB962C8B-B14F-4D97-AF65-F5344CB8AC3E}">
-        <p14:creationId xmlns:p14="http://schemas.microsoft.com/office/powerpoint/2010/main" val="2342877264"/>
-      </p:ext>
-    </p:extLst>
-  </p:cSld>
-  <p:clrMapOvr>
-    <a:masterClrMapping/>
-  </p:clrMapOvr>
-</p:sld>
-</file>
-
-<file path=ppt/slides/slide5.xml><?xml version="1.0" encoding="utf-8"?>
+<file path=ppt/slides/slide10.xml><?xml version="1.0" encoding="utf-8"?>
 <p:sld xmlns:a="http://schemas.openxmlformats.org/drawingml/2006/main" xmlns:r="http://schemas.openxmlformats.org/officeDocument/2006/relationships" xmlns:p="http://schemas.openxmlformats.org/presentationml/2006/main">
   <p:cSld>
     <p:spTree>
@@ -14824,7 +11607,7 @@
 </p:sld>
 </file>
 
-<file path=ppt/slides/slide6.xml><?xml version="1.0" encoding="utf-8"?>
+<file path=ppt/slides/slide11.xml><?xml version="1.0" encoding="utf-8"?>
 <p:sld xmlns:a="http://schemas.openxmlformats.org/drawingml/2006/main" xmlns:r="http://schemas.openxmlformats.org/officeDocument/2006/relationships" xmlns:p="http://schemas.openxmlformats.org/presentationml/2006/main">
   <p:cSld>
     <p:spTree>
@@ -16575,6 +13358,4467 @@
     <p:extLst>
       <p:ext uri="{BB962C8B-B14F-4D97-AF65-F5344CB8AC3E}">
         <p14:creationId xmlns:p14="http://schemas.microsoft.com/office/powerpoint/2010/main" val="3453121788"/>
+      </p:ext>
+    </p:extLst>
+  </p:cSld>
+  <p:clrMapOvr>
+    <a:masterClrMapping/>
+  </p:clrMapOvr>
+</p:sld>
+</file>
+
+<file path=ppt/slides/slide2.xml><?xml version="1.0" encoding="utf-8"?>
+<p:sld xmlns:a="http://schemas.openxmlformats.org/drawingml/2006/main" xmlns:r="http://schemas.openxmlformats.org/officeDocument/2006/relationships" xmlns:p="http://schemas.openxmlformats.org/presentationml/2006/main">
+  <p:cSld>
+    <p:spTree>
+      <p:nvGrpSpPr>
+        <p:cNvPr id="1" name=""/>
+        <p:cNvGrpSpPr/>
+        <p:nvPr/>
+      </p:nvGrpSpPr>
+      <p:grpSpPr>
+        <a:xfrm>
+          <a:off x="0" y="0"/>
+          <a:ext cx="0" cy="0"/>
+          <a:chOff x="0" y="0"/>
+          <a:chExt cx="0" cy="0"/>
+        </a:xfrm>
+      </p:grpSpPr>
+      <p:sp>
+        <p:nvSpPr>
+          <p:cNvPr id="19" name="Rectangle 18"/>
+          <p:cNvSpPr/>
+          <p:nvPr/>
+        </p:nvSpPr>
+        <p:spPr>
+          <a:xfrm>
+            <a:off x="479376" y="1052736"/>
+            <a:ext cx="11081087" cy="830997"/>
+          </a:xfrm>
+          <a:prstGeom prst="rect">
+            <a:avLst/>
+          </a:prstGeom>
+        </p:spPr>
+        <p:txBody>
+          <a:bodyPr wrap="square">
+            <a:spAutoFit/>
+          </a:bodyPr>
+          <a:lstStyle/>
+          <a:p>
+            <a:r>
+              <a:rPr lang="en-US" altLang="ja-JP" sz="2400" dirty="0">
+                <a:solidFill>
+                  <a:srgbClr val="FF0000"/>
+                </a:solidFill>
+              </a:rPr>
+              <a:t>1. </a:t>
+            </a:r>
+            <a:r>
+              <a:rPr lang="en-US" sz="2400" dirty="0">
+                <a:solidFill>
+                  <a:srgbClr val="FF0000"/>
+                </a:solidFill>
+              </a:rPr>
+              <a:t>Respond to user questions/Query Meeting Detailed info/Solutions for user issues (800t</a:t>
+            </a:r>
+            <a:r>
+              <a:rPr lang="en-US" sz="2400">
+                <a:solidFill>
+                  <a:srgbClr val="FF0000"/>
+                </a:solidFill>
+              </a:rPr>
+              <a:t>/quarter, </a:t>
+            </a:r>
+            <a:r>
+              <a:rPr lang="en-US" sz="2400" dirty="0">
+                <a:solidFill>
+                  <a:srgbClr val="FF0000"/>
+                </a:solidFill>
+              </a:rPr>
+              <a:t>1.5h/t)</a:t>
+            </a:r>
+            <a:endParaRPr lang="en-US" altLang="ja-JP" sz="2400" dirty="0">
+              <a:solidFill>
+                <a:srgbClr val="FF0000"/>
+              </a:solidFill>
+              <a:latin typeface="Meiryo UI" panose="020B0604030504040204" pitchFamily="34" charset="-128"/>
+              <a:ea typeface="Meiryo UI" panose="020B0604030504040204" pitchFamily="34" charset="-128"/>
+            </a:endParaRPr>
+          </a:p>
+        </p:txBody>
+      </p:sp>
+      <p:sp>
+        <p:nvSpPr>
+          <p:cNvPr id="47" name="Title 2"/>
+          <p:cNvSpPr>
+            <a:spLocks noGrp="1"/>
+          </p:cNvSpPr>
+          <p:nvPr>
+            <p:ph type="title"/>
+          </p:nvPr>
+        </p:nvSpPr>
+        <p:spPr>
+          <a:xfrm>
+            <a:off x="345018" y="332077"/>
+            <a:ext cx="10727601" cy="423828"/>
+          </a:xfrm>
+        </p:spPr>
+        <p:txBody>
+          <a:bodyPr/>
+          <a:lstStyle/>
+          <a:p>
+            <a:r>
+              <a:rPr lang="en-US" dirty="0"/>
+              <a:t>Top3 Categories</a:t>
+            </a:r>
+          </a:p>
+        </p:txBody>
+      </p:sp>
+      <p:sp>
+        <p:nvSpPr>
+          <p:cNvPr id="39" name="Rectangle 38">
+            <a:extLst>
+              <a:ext uri="{FF2B5EF4-FFF2-40B4-BE49-F238E27FC236}">
+                <a16:creationId xmlns:a16="http://schemas.microsoft.com/office/drawing/2014/main" id="{83881FD6-8C03-48D7-BE23-73F764EB25CE}"/>
+              </a:ext>
+            </a:extLst>
+          </p:cNvPr>
+          <p:cNvSpPr/>
+          <p:nvPr/>
+        </p:nvSpPr>
+        <p:spPr>
+          <a:xfrm>
+            <a:off x="462548" y="1784708"/>
+            <a:ext cx="11081087" cy="460375"/>
+          </a:xfrm>
+          <a:prstGeom prst="rect">
+            <a:avLst/>
+          </a:prstGeom>
+        </p:spPr>
+        <p:txBody>
+          <a:bodyPr wrap="square">
+            <a:spAutoFit/>
+          </a:bodyPr>
+          <a:lstStyle/>
+          <a:p>
+            <a:r>
+              <a:rPr lang="en-US" altLang="ja-JP" sz="2400" dirty="0"/>
+              <a:t>2. </a:t>
+            </a:r>
+            <a:r>
+              <a:rPr lang="en-US" sz="2400" dirty="0"/>
+              <a:t>Request Redirect and Delegate</a:t>
+            </a:r>
+            <a:endParaRPr lang="en-US" altLang="ja-JP" sz="2400" dirty="0"/>
+          </a:p>
+        </p:txBody>
+      </p:sp>
+      <p:sp>
+        <p:nvSpPr>
+          <p:cNvPr id="40" name="Rectangle 39">
+            <a:extLst>
+              <a:ext uri="{FF2B5EF4-FFF2-40B4-BE49-F238E27FC236}">
+                <a16:creationId xmlns:a16="http://schemas.microsoft.com/office/drawing/2014/main" id="{2DF12DBD-B5FB-4DDA-A34A-B16D62E9D515}"/>
+              </a:ext>
+            </a:extLst>
+          </p:cNvPr>
+          <p:cNvSpPr/>
+          <p:nvPr/>
+        </p:nvSpPr>
+        <p:spPr>
+          <a:xfrm>
+            <a:off x="453413" y="2564904"/>
+            <a:ext cx="11081087" cy="460375"/>
+          </a:xfrm>
+          <a:prstGeom prst="rect">
+            <a:avLst/>
+          </a:prstGeom>
+        </p:spPr>
+        <p:txBody>
+          <a:bodyPr wrap="square">
+            <a:spAutoFit/>
+          </a:bodyPr>
+          <a:lstStyle/>
+          <a:p>
+            <a:r>
+              <a:rPr lang="en-US" altLang="ja-JP" sz="2400" dirty="0"/>
+              <a:t>3. </a:t>
+            </a:r>
+            <a:r>
+              <a:rPr lang="en-US" sz="2400" dirty="0"/>
+              <a:t>Add/Update/Remove user usage access in all EMS sub systems</a:t>
+            </a:r>
+            <a:endParaRPr lang="en-US" altLang="ja-JP" sz="2400" dirty="0">
+              <a:solidFill>
+                <a:srgbClr val="000000"/>
+              </a:solidFill>
+              <a:latin typeface="Meiryo UI" panose="020B0604030504040204" pitchFamily="34" charset="-128"/>
+              <a:ea typeface="Meiryo UI" panose="020B0604030504040204" pitchFamily="34" charset="-128"/>
+            </a:endParaRPr>
+          </a:p>
+        </p:txBody>
+      </p:sp>
+    </p:spTree>
+  </p:cSld>
+  <p:clrMapOvr>
+    <a:masterClrMapping/>
+  </p:clrMapOvr>
+</p:sld>
+</file>
+
+<file path=ppt/slides/slide3.xml><?xml version="1.0" encoding="utf-8"?>
+<p:sld xmlns:a="http://schemas.openxmlformats.org/drawingml/2006/main" xmlns:r="http://schemas.openxmlformats.org/officeDocument/2006/relationships" xmlns:p="http://schemas.openxmlformats.org/presentationml/2006/main">
+  <p:cSld>
+    <p:spTree>
+      <p:nvGrpSpPr>
+        <p:cNvPr id="1" name=""/>
+        <p:cNvGrpSpPr/>
+        <p:nvPr/>
+      </p:nvGrpSpPr>
+      <p:grpSpPr>
+        <a:xfrm>
+          <a:off x="0" y="0"/>
+          <a:ext cx="0" cy="0"/>
+          <a:chOff x="0" y="0"/>
+          <a:chExt cx="0" cy="0"/>
+        </a:xfrm>
+      </p:grpSpPr>
+      <p:sp>
+        <p:nvSpPr>
+          <p:cNvPr id="19" name="Rectangle 18"/>
+          <p:cNvSpPr/>
+          <p:nvPr/>
+        </p:nvSpPr>
+        <p:spPr>
+          <a:xfrm>
+            <a:off x="516469" y="1340768"/>
+            <a:ext cx="11081087" cy="460375"/>
+          </a:xfrm>
+          <a:prstGeom prst="rect">
+            <a:avLst/>
+          </a:prstGeom>
+        </p:spPr>
+        <p:txBody>
+          <a:bodyPr wrap="square">
+            <a:spAutoFit/>
+          </a:bodyPr>
+          <a:lstStyle/>
+          <a:p>
+            <a:r>
+              <a:rPr lang="en-US" altLang="ja-JP" sz="2400" dirty="0">
+                <a:solidFill>
+                  <a:srgbClr val="000000"/>
+                </a:solidFill>
+                <a:latin typeface="Meiryo UI" panose="020B0604030504040204" pitchFamily="34" charset="-128"/>
+                <a:ea typeface="Meiryo UI" panose="020B0604030504040204" pitchFamily="34" charset="-128"/>
+              </a:rPr>
+              <a:t>Use cases possible to be automated:</a:t>
+            </a:r>
+          </a:p>
+        </p:txBody>
+      </p:sp>
+      <p:sp>
+        <p:nvSpPr>
+          <p:cNvPr id="47" name="Title 2"/>
+          <p:cNvSpPr>
+            <a:spLocks noGrp="1"/>
+          </p:cNvSpPr>
+          <p:nvPr>
+            <p:ph type="title"/>
+          </p:nvPr>
+        </p:nvSpPr>
+        <p:spPr>
+          <a:xfrm>
+            <a:off x="345018" y="332076"/>
+            <a:ext cx="10727601" cy="864675"/>
+          </a:xfrm>
+        </p:spPr>
+        <p:txBody>
+          <a:bodyPr/>
+          <a:lstStyle/>
+          <a:p>
+            <a:r>
+              <a:rPr lang="en-US" dirty="0"/>
+              <a:t>Category: Respond to user questions/Query Meeting Detailed info/Solutions for user issues</a:t>
+            </a:r>
+          </a:p>
+        </p:txBody>
+      </p:sp>
+      <p:sp>
+        <p:nvSpPr>
+          <p:cNvPr id="2" name="Rectangle 18"/>
+          <p:cNvSpPr/>
+          <p:nvPr/>
+        </p:nvSpPr>
+        <p:spPr>
+          <a:xfrm>
+            <a:off x="516469" y="1981339"/>
+            <a:ext cx="11081087" cy="2554545"/>
+          </a:xfrm>
+          <a:prstGeom prst="rect">
+            <a:avLst/>
+          </a:prstGeom>
+        </p:spPr>
+        <p:txBody>
+          <a:bodyPr wrap="square">
+            <a:spAutoFit/>
+          </a:bodyPr>
+          <a:lstStyle/>
+          <a:p>
+            <a:pPr marL="342900" indent="-342900">
+              <a:buAutoNum type="arabicPeriod"/>
+            </a:pPr>
+            <a:r>
+              <a:rPr lang="en-US" altLang="ja-JP" sz="1600" dirty="0">
+                <a:solidFill>
+                  <a:srgbClr val="000000"/>
+                </a:solidFill>
+                <a:latin typeface="Meiryo UI" panose="020B0604030504040204" pitchFamily="34" charset="-128"/>
+                <a:ea typeface="Meiryo UI" panose="020B0604030504040204" pitchFamily="34" charset="-128"/>
+              </a:rPr>
+              <a:t>Asking about business policy(40 tickets per month).</a:t>
+            </a:r>
+          </a:p>
+          <a:p>
+            <a:endParaRPr lang="en-US" altLang="ja-JP" sz="1600" dirty="0">
+              <a:solidFill>
+                <a:srgbClr val="000000"/>
+              </a:solidFill>
+              <a:latin typeface="Meiryo UI" panose="020B0604030504040204" pitchFamily="34" charset="-128"/>
+              <a:ea typeface="Meiryo UI" panose="020B0604030504040204" pitchFamily="34" charset="-128"/>
+            </a:endParaRPr>
+          </a:p>
+          <a:p>
+            <a:r>
+              <a:rPr lang="en-US" altLang="ja-JP" sz="1600" dirty="0">
+                <a:solidFill>
+                  <a:srgbClr val="000000"/>
+                </a:solidFill>
+                <a:latin typeface="Meiryo UI" panose="020B0604030504040204" pitchFamily="34" charset="-128"/>
+                <a:ea typeface="Meiryo UI" panose="020B0604030504040204" pitchFamily="34" charset="-128"/>
+              </a:rPr>
+              <a:t>Examples:</a:t>
+            </a:r>
+          </a:p>
+          <a:p>
+            <a:endParaRPr lang="en-US" altLang="ja-JP" sz="1600" dirty="0">
+              <a:solidFill>
+                <a:srgbClr val="000000"/>
+              </a:solidFill>
+              <a:latin typeface="Meiryo UI" panose="020B0604030504040204" pitchFamily="34" charset="-128"/>
+              <a:ea typeface="Meiryo UI" panose="020B0604030504040204" pitchFamily="34" charset="-128"/>
+            </a:endParaRPr>
+          </a:p>
+          <a:p>
+            <a:r>
+              <a:rPr lang="en-US" altLang="ja-JP" sz="1600" dirty="0">
+                <a:solidFill>
+                  <a:srgbClr val="000000"/>
+                </a:solidFill>
+                <a:latin typeface="Meiryo UI" panose="020B0604030504040204" pitchFamily="34" charset="-128"/>
+                <a:ea typeface="Meiryo UI" panose="020B0604030504040204" pitchFamily="34" charset="-128"/>
+              </a:rPr>
+              <a:t>• User mistook the data and can't be corrected in the backend. They need to ask for financial department's approval to correct it.</a:t>
+            </a:r>
+          </a:p>
+          <a:p>
+            <a:r>
+              <a:rPr lang="en-US" altLang="ja-JP" sz="1600" dirty="0">
+                <a:solidFill>
+                  <a:srgbClr val="000000"/>
+                </a:solidFill>
+                <a:latin typeface="Meiryo UI" panose="020B0604030504040204" pitchFamily="34" charset="-128"/>
+                <a:ea typeface="Meiryo UI" panose="020B0604030504040204" pitchFamily="34" charset="-128"/>
+              </a:rPr>
+              <a:t>• Unlock the locked ticket, need line manager and financial department's approval.</a:t>
+            </a:r>
+          </a:p>
+          <a:p>
+            <a:r>
+              <a:rPr lang="en-US" altLang="ja-JP" sz="1600" dirty="0">
+                <a:solidFill>
+                  <a:srgbClr val="000000"/>
+                </a:solidFill>
+                <a:latin typeface="Meiryo UI" panose="020B0604030504040204" pitchFamily="34" charset="-128"/>
+                <a:ea typeface="Meiryo UI" panose="020B0604030504040204" pitchFamily="34" charset="-128"/>
+              </a:rPr>
+              <a:t>• Want to unlock a ticket locked over 3 months, need department head or BU head's approval.</a:t>
+            </a:r>
+          </a:p>
+          <a:p>
+            <a:r>
+              <a:rPr lang="en-US" altLang="ja-JP" sz="1600" dirty="0">
+                <a:solidFill>
+                  <a:srgbClr val="000000"/>
+                </a:solidFill>
+                <a:latin typeface="Meiryo UI" panose="020B0604030504040204" pitchFamily="34" charset="-128"/>
+                <a:ea typeface="Meiryo UI" panose="020B0604030504040204" pitchFamily="34" charset="-128"/>
+              </a:rPr>
+              <a:t>• One order number can be used to applying for only one taking delivery request at the same time.</a:t>
+            </a:r>
+          </a:p>
+          <a:p>
+            <a:r>
+              <a:rPr lang="en-US" altLang="ja-JP" sz="1600" dirty="0">
+                <a:solidFill>
+                  <a:srgbClr val="000000"/>
+                </a:solidFill>
+                <a:latin typeface="Meiryo UI" panose="020B0604030504040204" pitchFamily="34" charset="-128"/>
+                <a:ea typeface="Meiryo UI" panose="020B0604030504040204" pitchFamily="34" charset="-128"/>
+              </a:rPr>
+              <a:t>• One order number can be used to applying for only one payment request at the same time.</a:t>
+            </a:r>
+          </a:p>
+        </p:txBody>
+      </p:sp>
+    </p:spTree>
+    <p:extLst>
+      <p:ext uri="{BB962C8B-B14F-4D97-AF65-F5344CB8AC3E}">
+        <p14:creationId xmlns:p14="http://schemas.microsoft.com/office/powerpoint/2010/main" val="520501224"/>
+      </p:ext>
+    </p:extLst>
+  </p:cSld>
+  <p:clrMapOvr>
+    <a:masterClrMapping/>
+  </p:clrMapOvr>
+</p:sld>
+</file>
+
+<file path=ppt/slides/slide4.xml><?xml version="1.0" encoding="utf-8"?>
+<p:sld xmlns:a="http://schemas.openxmlformats.org/drawingml/2006/main" xmlns:r="http://schemas.openxmlformats.org/officeDocument/2006/relationships" xmlns:p="http://schemas.openxmlformats.org/presentationml/2006/main">
+  <p:cSld>
+    <p:spTree>
+      <p:nvGrpSpPr>
+        <p:cNvPr id="1" name=""/>
+        <p:cNvGrpSpPr/>
+        <p:nvPr/>
+      </p:nvGrpSpPr>
+      <p:grpSpPr>
+        <a:xfrm>
+          <a:off x="0" y="0"/>
+          <a:ext cx="0" cy="0"/>
+          <a:chOff x="0" y="0"/>
+          <a:chExt cx="0" cy="0"/>
+        </a:xfrm>
+      </p:grpSpPr>
+      <p:sp>
+        <p:nvSpPr>
+          <p:cNvPr id="19" name="Rectangle 18"/>
+          <p:cNvSpPr/>
+          <p:nvPr/>
+        </p:nvSpPr>
+        <p:spPr>
+          <a:xfrm>
+            <a:off x="516469" y="1340768"/>
+            <a:ext cx="11081087" cy="460375"/>
+          </a:xfrm>
+          <a:prstGeom prst="rect">
+            <a:avLst/>
+          </a:prstGeom>
+        </p:spPr>
+        <p:txBody>
+          <a:bodyPr wrap="square">
+            <a:spAutoFit/>
+          </a:bodyPr>
+          <a:lstStyle/>
+          <a:p>
+            <a:r>
+              <a:rPr lang="en-US" altLang="ja-JP" sz="2400" dirty="0">
+                <a:solidFill>
+                  <a:srgbClr val="000000"/>
+                </a:solidFill>
+                <a:latin typeface="Meiryo UI" panose="020B0604030504040204" pitchFamily="34" charset="-128"/>
+                <a:ea typeface="Meiryo UI" panose="020B0604030504040204" pitchFamily="34" charset="-128"/>
+              </a:rPr>
+              <a:t>Use cases possible to be automated:</a:t>
+            </a:r>
+          </a:p>
+        </p:txBody>
+      </p:sp>
+      <p:sp>
+        <p:nvSpPr>
+          <p:cNvPr id="47" name="Title 2"/>
+          <p:cNvSpPr>
+            <a:spLocks noGrp="1"/>
+          </p:cNvSpPr>
+          <p:nvPr>
+            <p:ph type="title"/>
+          </p:nvPr>
+        </p:nvSpPr>
+        <p:spPr>
+          <a:xfrm>
+            <a:off x="345018" y="332076"/>
+            <a:ext cx="10727601" cy="864675"/>
+          </a:xfrm>
+        </p:spPr>
+        <p:txBody>
+          <a:bodyPr/>
+          <a:lstStyle/>
+          <a:p>
+            <a:r>
+              <a:rPr lang="en-US" dirty="0"/>
+              <a:t>Category: Respond to user questions/Query Meeting Detailed info/Solutions for user issues</a:t>
+            </a:r>
+          </a:p>
+        </p:txBody>
+      </p:sp>
+      <p:sp>
+        <p:nvSpPr>
+          <p:cNvPr id="2" name="Rectangle 18"/>
+          <p:cNvSpPr/>
+          <p:nvPr/>
+        </p:nvSpPr>
+        <p:spPr>
+          <a:xfrm>
+            <a:off x="516469" y="1981339"/>
+            <a:ext cx="11081087" cy="830997"/>
+          </a:xfrm>
+          <a:prstGeom prst="rect">
+            <a:avLst/>
+          </a:prstGeom>
+        </p:spPr>
+        <p:txBody>
+          <a:bodyPr wrap="square">
+            <a:spAutoFit/>
+          </a:bodyPr>
+          <a:lstStyle/>
+          <a:p>
+            <a:r>
+              <a:rPr lang="en-US" altLang="ja-JP" sz="1600" dirty="0">
+                <a:solidFill>
+                  <a:srgbClr val="000000"/>
+                </a:solidFill>
+                <a:latin typeface="Meiryo UI" panose="020B0604030504040204" pitchFamily="34" charset="-128"/>
+                <a:ea typeface="Meiryo UI" panose="020B0604030504040204" pitchFamily="34" charset="-128"/>
+              </a:rPr>
+              <a:t>2. K2 system login account creating(20 tickets per month).</a:t>
+            </a:r>
+          </a:p>
+          <a:p>
+            <a:endParaRPr lang="en-US" altLang="ja-JP" sz="1600" dirty="0">
+              <a:solidFill>
+                <a:srgbClr val="000000"/>
+              </a:solidFill>
+              <a:latin typeface="Meiryo UI" panose="020B0604030504040204" pitchFamily="34" charset="-128"/>
+              <a:ea typeface="Meiryo UI" panose="020B0604030504040204" pitchFamily="34" charset="-128"/>
+            </a:endParaRPr>
+          </a:p>
+          <a:p>
+            <a:r>
+              <a:rPr lang="en-US" altLang="ja-JP" sz="1600" dirty="0">
+                <a:solidFill>
+                  <a:srgbClr val="000000"/>
+                </a:solidFill>
+                <a:latin typeface="Meiryo UI" panose="020B0604030504040204" pitchFamily="34" charset="-128"/>
+                <a:ea typeface="Meiryo UI" panose="020B0604030504040204" pitchFamily="34" charset="-128"/>
+              </a:rPr>
+              <a:t>Need user's department's HRBP to contact with financial department to resolve it.</a:t>
+            </a:r>
+          </a:p>
+        </p:txBody>
+      </p:sp>
+      <p:sp>
+        <p:nvSpPr>
+          <p:cNvPr id="5" name="Rectangle 18">
+            <a:extLst>
+              <a:ext uri="{FF2B5EF4-FFF2-40B4-BE49-F238E27FC236}">
+                <a16:creationId xmlns:a16="http://schemas.microsoft.com/office/drawing/2014/main" id="{DD2100D9-341B-4F72-A915-BF1CF0E57713}"/>
+              </a:ext>
+            </a:extLst>
+          </p:cNvPr>
+          <p:cNvSpPr/>
+          <p:nvPr/>
+        </p:nvSpPr>
+        <p:spPr>
+          <a:xfrm>
+            <a:off x="516468" y="3356992"/>
+            <a:ext cx="11081087" cy="830997"/>
+          </a:xfrm>
+          <a:prstGeom prst="rect">
+            <a:avLst/>
+          </a:prstGeom>
+        </p:spPr>
+        <p:txBody>
+          <a:bodyPr wrap="square">
+            <a:spAutoFit/>
+          </a:bodyPr>
+          <a:lstStyle/>
+          <a:p>
+            <a:r>
+              <a:rPr lang="en-US" altLang="ja-JP" sz="1600" dirty="0">
+                <a:solidFill>
+                  <a:srgbClr val="000000"/>
+                </a:solidFill>
+                <a:latin typeface="Meiryo UI" panose="020B0604030504040204" pitchFamily="34" charset="-128"/>
+                <a:ea typeface="Meiryo UI" panose="020B0604030504040204" pitchFamily="34" charset="-128"/>
+              </a:rPr>
+              <a:t>3. K2 system domain account creating(30 tickets per month).</a:t>
+            </a:r>
+          </a:p>
+          <a:p>
+            <a:endParaRPr lang="en-US" altLang="ja-JP" sz="1600" dirty="0">
+              <a:solidFill>
+                <a:srgbClr val="000000"/>
+              </a:solidFill>
+              <a:latin typeface="Meiryo UI" panose="020B0604030504040204" pitchFamily="34" charset="-128"/>
+              <a:ea typeface="Meiryo UI" panose="020B0604030504040204" pitchFamily="34" charset="-128"/>
+            </a:endParaRPr>
+          </a:p>
+          <a:p>
+            <a:r>
+              <a:rPr lang="en-US" altLang="ja-JP" sz="1600" dirty="0">
+                <a:solidFill>
+                  <a:srgbClr val="000000"/>
+                </a:solidFill>
+                <a:latin typeface="Meiryo UI" panose="020B0604030504040204" pitchFamily="34" charset="-128"/>
+                <a:ea typeface="Meiryo UI" panose="020B0604030504040204" pitchFamily="34" charset="-128"/>
+              </a:rPr>
+              <a:t>Create at backend manually.</a:t>
+            </a:r>
+          </a:p>
+        </p:txBody>
+      </p:sp>
+    </p:spTree>
+    <p:extLst>
+      <p:ext uri="{BB962C8B-B14F-4D97-AF65-F5344CB8AC3E}">
+        <p14:creationId xmlns:p14="http://schemas.microsoft.com/office/powerpoint/2010/main" val="444506807"/>
+      </p:ext>
+    </p:extLst>
+  </p:cSld>
+  <p:clrMapOvr>
+    <a:masterClrMapping/>
+  </p:clrMapOvr>
+</p:sld>
+</file>
+
+<file path=ppt/slides/slide5.xml><?xml version="1.0" encoding="utf-8"?>
+<p:sld xmlns:a="http://schemas.openxmlformats.org/drawingml/2006/main" xmlns:r="http://schemas.openxmlformats.org/officeDocument/2006/relationships" xmlns:p="http://schemas.openxmlformats.org/presentationml/2006/main">
+  <p:cSld>
+    <p:spTree>
+      <p:nvGrpSpPr>
+        <p:cNvPr id="1" name=""/>
+        <p:cNvGrpSpPr/>
+        <p:nvPr/>
+      </p:nvGrpSpPr>
+      <p:grpSpPr>
+        <a:xfrm>
+          <a:off x="0" y="0"/>
+          <a:ext cx="0" cy="0"/>
+          <a:chOff x="0" y="0"/>
+          <a:chExt cx="0" cy="0"/>
+        </a:xfrm>
+      </p:grpSpPr>
+      <p:sp>
+        <p:nvSpPr>
+          <p:cNvPr id="19" name="Rectangle 18"/>
+          <p:cNvSpPr/>
+          <p:nvPr/>
+        </p:nvSpPr>
+        <p:spPr>
+          <a:xfrm>
+            <a:off x="516469" y="1340768"/>
+            <a:ext cx="11081087" cy="460375"/>
+          </a:xfrm>
+          <a:prstGeom prst="rect">
+            <a:avLst/>
+          </a:prstGeom>
+        </p:spPr>
+        <p:txBody>
+          <a:bodyPr wrap="square">
+            <a:spAutoFit/>
+          </a:bodyPr>
+          <a:lstStyle/>
+          <a:p>
+            <a:r>
+              <a:rPr lang="en-US" altLang="ja-JP" sz="2400" dirty="0">
+                <a:solidFill>
+                  <a:srgbClr val="000000"/>
+                </a:solidFill>
+                <a:latin typeface="Meiryo UI" panose="020B0604030504040204" pitchFamily="34" charset="-128"/>
+                <a:ea typeface="Meiryo UI" panose="020B0604030504040204" pitchFamily="34" charset="-128"/>
+              </a:rPr>
+              <a:t>Factors need to be considered and blocking automation:</a:t>
+            </a:r>
+          </a:p>
+        </p:txBody>
+      </p:sp>
+      <p:sp>
+        <p:nvSpPr>
+          <p:cNvPr id="47" name="Title 2"/>
+          <p:cNvSpPr>
+            <a:spLocks noGrp="1"/>
+          </p:cNvSpPr>
+          <p:nvPr>
+            <p:ph type="title"/>
+          </p:nvPr>
+        </p:nvSpPr>
+        <p:spPr>
+          <a:xfrm>
+            <a:off x="345018" y="332076"/>
+            <a:ext cx="10727601" cy="864675"/>
+          </a:xfrm>
+        </p:spPr>
+        <p:txBody>
+          <a:bodyPr/>
+          <a:lstStyle/>
+          <a:p>
+            <a:r>
+              <a:rPr lang="en-US" dirty="0"/>
+              <a:t>Category: Respond to user questions/Query Meeting Detailed info/Solutions for user issues</a:t>
+            </a:r>
+          </a:p>
+        </p:txBody>
+      </p:sp>
+      <p:sp>
+        <p:nvSpPr>
+          <p:cNvPr id="2" name="Rectangle 18"/>
+          <p:cNvSpPr/>
+          <p:nvPr/>
+        </p:nvSpPr>
+        <p:spPr>
+          <a:xfrm>
+            <a:off x="516469" y="1981339"/>
+            <a:ext cx="11081087" cy="4524315"/>
+          </a:xfrm>
+          <a:prstGeom prst="rect">
+            <a:avLst/>
+          </a:prstGeom>
+        </p:spPr>
+        <p:txBody>
+          <a:bodyPr wrap="square">
+            <a:spAutoFit/>
+          </a:bodyPr>
+          <a:lstStyle/>
+          <a:p>
+            <a:pPr marL="342900" indent="-342900">
+              <a:buAutoNum type="arabicPeriod"/>
+            </a:pPr>
+            <a:r>
+              <a:rPr lang="en-US" altLang="ja-JP" sz="1600" strike="sngStrike" dirty="0">
+                <a:solidFill>
+                  <a:srgbClr val="000000"/>
+                </a:solidFill>
+                <a:latin typeface="Meiryo UI" panose="020B0604030504040204" pitchFamily="34" charset="-128"/>
+                <a:ea typeface="Meiryo UI" panose="020B0604030504040204" pitchFamily="34" charset="-128"/>
+              </a:rPr>
+              <a:t>EMS system provided a portal and contains over 40 sub systems, equals to 40 times of other applications, so the sum of tickets is so large.</a:t>
+            </a:r>
+          </a:p>
+          <a:p>
+            <a:pPr marL="342900" indent="-342900">
+              <a:buFontTx/>
+              <a:buAutoNum type="arabicPeriod"/>
+            </a:pPr>
+            <a:r>
+              <a:rPr lang="en-US" altLang="ja-JP" sz="1600" strike="sngStrike" dirty="0">
+                <a:solidFill>
+                  <a:srgbClr val="000000"/>
+                </a:solidFill>
+                <a:latin typeface="Meiryo UI" panose="020B0604030504040204" pitchFamily="34" charset="-128"/>
+                <a:ea typeface="Meiryo UI" panose="020B0604030504040204" pitchFamily="34" charset="-128"/>
+              </a:rPr>
+              <a:t>Some tickets happened because of system bugs, these tickets can be saved once the bugs are fixed.</a:t>
+            </a:r>
+          </a:p>
+          <a:p>
+            <a:pPr marL="342900" indent="-342900">
+              <a:buFontTx/>
+              <a:buAutoNum type="arabicPeriod"/>
+            </a:pPr>
+            <a:r>
+              <a:rPr lang="en-US" altLang="ja-JP" sz="1600" strike="sngStrike" dirty="0">
+                <a:solidFill>
+                  <a:srgbClr val="000000"/>
+                </a:solidFill>
+                <a:latin typeface="Meiryo UI" panose="020B0604030504040204" pitchFamily="34" charset="-128"/>
+                <a:ea typeface="Meiryo UI" panose="020B0604030504040204" pitchFamily="34" charset="-128"/>
+              </a:rPr>
+              <a:t>Most of EMS system's subs are related to finance and contain a large sum of high confidential data, so the financial director will control the DB operations quite strictly. </a:t>
+            </a:r>
+            <a:r>
+              <a:rPr lang="en-US" altLang="ja-JP" sz="1600" dirty="0">
+                <a:solidFill>
+                  <a:schemeClr val="bg1"/>
+                </a:solidFill>
+                <a:highlight>
+                  <a:srgbClr val="00B050"/>
+                </a:highlight>
+                <a:latin typeface="Meiryo UI" panose="020B0604030504040204" pitchFamily="34" charset="-128"/>
+                <a:ea typeface="Meiryo UI" panose="020B0604030504040204" pitchFamily="34" charset="-128"/>
+              </a:rPr>
+              <a:t>Captured as part of item 8 in next slide</a:t>
+            </a:r>
+          </a:p>
+          <a:p>
+            <a:pPr marL="342900" indent="-342900">
+              <a:buFontTx/>
+              <a:buAutoNum type="arabicPeriod"/>
+            </a:pPr>
+            <a:r>
+              <a:rPr lang="en-US" altLang="ja-JP" sz="1600" dirty="0">
+                <a:solidFill>
+                  <a:srgbClr val="000000"/>
+                </a:solidFill>
+                <a:latin typeface="Meiryo UI" panose="020B0604030504040204" pitchFamily="34" charset="-128"/>
+                <a:ea typeface="Meiryo UI" panose="020B0604030504040204" pitchFamily="34" charset="-128"/>
+              </a:rPr>
+              <a:t>EMS system is deployed on the AWS containing one web server which opened port 443 to the web, one application server limited to intranet and one AWS RDS instance only opened to the web server, can't be accessed by other process.</a:t>
+            </a:r>
+          </a:p>
+          <a:p>
+            <a:pPr marL="342900" indent="-342900">
+              <a:buFontTx/>
+              <a:buAutoNum type="arabicPeriod"/>
+            </a:pPr>
+            <a:r>
+              <a:rPr lang="en-US" altLang="ja-JP" sz="1600" dirty="0">
+                <a:solidFill>
+                  <a:srgbClr val="000000"/>
+                </a:solidFill>
+                <a:latin typeface="Meiryo UI" panose="020B0604030504040204" pitchFamily="34" charset="-128"/>
+                <a:ea typeface="Meiryo UI" panose="020B0604030504040204" pitchFamily="34" charset="-128"/>
+              </a:rPr>
+              <a:t>Ticket transfer requires line manager and financial director's approval, every ticket may need some special manual operations, difficult to be automated. </a:t>
+            </a:r>
+            <a:r>
+              <a:rPr lang="en-US" altLang="ja-JP" sz="1600" dirty="0">
+                <a:solidFill>
+                  <a:schemeClr val="bg1"/>
+                </a:solidFill>
+                <a:highlight>
+                  <a:srgbClr val="EE1100"/>
+                </a:highlight>
+                <a:latin typeface="Meiryo UI" panose="020B0604030504040204" pitchFamily="34" charset="-128"/>
+                <a:ea typeface="Meiryo UI" panose="020B0604030504040204" pitchFamily="34" charset="-128"/>
+              </a:rPr>
+              <a:t>?? Why don’t we have pre-approval for known situations where transfers are required?? Can we not look at process improvements for this??</a:t>
+            </a:r>
+          </a:p>
+          <a:p>
+            <a:pPr marL="342900" indent="-342900">
+              <a:buAutoNum type="arabicPeriod"/>
+            </a:pPr>
+            <a:r>
+              <a:rPr lang="en-US" altLang="ja-JP" sz="1600" dirty="0">
+                <a:solidFill>
+                  <a:srgbClr val="000000"/>
+                </a:solidFill>
+                <a:latin typeface="Meiryo UI" panose="020B0604030504040204" pitchFamily="34" charset="-128"/>
+                <a:ea typeface="Meiryo UI" panose="020B0604030504040204" pitchFamily="34" charset="-128"/>
+              </a:rPr>
+              <a:t>In the case of skipping node, need to review the status of ticket and source </a:t>
+            </a:r>
+            <a:r>
+              <a:rPr lang="en-US" altLang="zh-CN" sz="1600" dirty="0">
+                <a:solidFill>
+                  <a:srgbClr val="000000"/>
+                </a:solidFill>
+                <a:latin typeface="Meiryo UI" panose="020B0604030504040204" pitchFamily="34" charset="-128"/>
+                <a:ea typeface="Meiryo UI" panose="020B0604030504040204" pitchFamily="34" charset="-128"/>
+              </a:rPr>
+              <a:t>code</a:t>
+            </a:r>
+            <a:r>
+              <a:rPr lang="en-US" altLang="ja-JP" sz="1600" dirty="0">
+                <a:solidFill>
+                  <a:srgbClr val="000000"/>
+                </a:solidFill>
+                <a:latin typeface="Meiryo UI" panose="020B0604030504040204" pitchFamily="34" charset="-128"/>
+                <a:ea typeface="Meiryo UI" panose="020B0604030504040204" pitchFamily="34" charset="-128"/>
+              </a:rPr>
+              <a:t> logic, then determine the next node and modify the DB and K2 agent data columns, difficult to be automated. </a:t>
+            </a:r>
+            <a:r>
+              <a:rPr lang="en-US" altLang="ja-JP" sz="1600" dirty="0">
+                <a:solidFill>
+                  <a:schemeClr val="bg1"/>
+                </a:solidFill>
+                <a:highlight>
+                  <a:srgbClr val="EE1100"/>
+                </a:highlight>
+                <a:latin typeface="Meiryo UI" panose="020B0604030504040204" pitchFamily="34" charset="-128"/>
+                <a:ea typeface="Meiryo UI" panose="020B0604030504040204" pitchFamily="34" charset="-128"/>
+              </a:rPr>
+              <a:t>??</a:t>
+            </a:r>
+            <a:r>
+              <a:rPr lang="en-US" altLang="ja-JP" sz="1600" dirty="0" err="1">
+                <a:solidFill>
+                  <a:schemeClr val="bg1"/>
+                </a:solidFill>
+                <a:highlight>
+                  <a:srgbClr val="EE1100"/>
+                </a:highlight>
+                <a:latin typeface="Meiryo UI" panose="020B0604030504040204" pitchFamily="34" charset="-128"/>
+                <a:ea typeface="Meiryo UI" panose="020B0604030504040204" pitchFamily="34" charset="-128"/>
+              </a:rPr>
+              <a:t>dont</a:t>
+            </a:r>
+            <a:r>
+              <a:rPr lang="en-US" altLang="ja-JP" sz="1600" dirty="0">
+                <a:solidFill>
+                  <a:schemeClr val="bg1"/>
+                </a:solidFill>
+                <a:highlight>
+                  <a:srgbClr val="EE1100"/>
+                </a:highlight>
+                <a:latin typeface="Meiryo UI" panose="020B0604030504040204" pitchFamily="34" charset="-128"/>
+                <a:ea typeface="Meiryo UI" panose="020B0604030504040204" pitchFamily="34" charset="-128"/>
+              </a:rPr>
+              <a:t> we have SOPs for this why will it be difficult??</a:t>
+            </a:r>
+          </a:p>
+          <a:p>
+            <a:pPr marL="342900" indent="-342900">
+              <a:buFontTx/>
+              <a:buAutoNum type="arabicPeriod"/>
+            </a:pPr>
+            <a:r>
+              <a:rPr lang="en-US" altLang="ja-JP" sz="1600" dirty="0">
+                <a:solidFill>
+                  <a:srgbClr val="000000"/>
+                </a:solidFill>
+                <a:latin typeface="Meiryo UI" panose="020B0604030504040204" pitchFamily="34" charset="-128"/>
+                <a:ea typeface="Meiryo UI" panose="020B0604030504040204" pitchFamily="34" charset="-128"/>
+              </a:rPr>
+              <a:t>Takeda's staff turnover is quite frequent, the applicant doesn't know how many tickets the previous staff had, need IT department to search out those tickets, determine the status and acquire the approval, difficult to be automated. </a:t>
+            </a:r>
+            <a:r>
+              <a:rPr lang="en-US" altLang="ja-JP" sz="1600" dirty="0">
+                <a:solidFill>
+                  <a:schemeClr val="bg1"/>
+                </a:solidFill>
+                <a:highlight>
+                  <a:srgbClr val="EE1100"/>
+                </a:highlight>
+                <a:latin typeface="Meiryo UI" panose="020B0604030504040204" pitchFamily="34" charset="-128"/>
+                <a:ea typeface="Meiryo UI" panose="020B0604030504040204" pitchFamily="34" charset="-128"/>
+              </a:rPr>
+              <a:t>?? Good option to have process improvements, but not a blocker for automation??</a:t>
+            </a:r>
+          </a:p>
+        </p:txBody>
+      </p:sp>
+    </p:spTree>
+    <p:extLst>
+      <p:ext uri="{BB962C8B-B14F-4D97-AF65-F5344CB8AC3E}">
+        <p14:creationId xmlns:p14="http://schemas.microsoft.com/office/powerpoint/2010/main" val="100898388"/>
+      </p:ext>
+    </p:extLst>
+  </p:cSld>
+  <p:clrMapOvr>
+    <a:masterClrMapping/>
+  </p:clrMapOvr>
+</p:sld>
+</file>
+
+<file path=ppt/slides/slide6.xml><?xml version="1.0" encoding="utf-8"?>
+<p:sld xmlns:a="http://schemas.openxmlformats.org/drawingml/2006/main" xmlns:r="http://schemas.openxmlformats.org/officeDocument/2006/relationships" xmlns:p="http://schemas.openxmlformats.org/presentationml/2006/main">
+  <p:cSld>
+    <p:spTree>
+      <p:nvGrpSpPr>
+        <p:cNvPr id="1" name=""/>
+        <p:cNvGrpSpPr/>
+        <p:nvPr/>
+      </p:nvGrpSpPr>
+      <p:grpSpPr>
+        <a:xfrm>
+          <a:off x="0" y="0"/>
+          <a:ext cx="0" cy="0"/>
+          <a:chOff x="0" y="0"/>
+          <a:chExt cx="0" cy="0"/>
+        </a:xfrm>
+      </p:grpSpPr>
+      <p:sp>
+        <p:nvSpPr>
+          <p:cNvPr id="19" name="Rectangle 18"/>
+          <p:cNvSpPr/>
+          <p:nvPr/>
+        </p:nvSpPr>
+        <p:spPr>
+          <a:xfrm>
+            <a:off x="516469" y="1340768"/>
+            <a:ext cx="11081087" cy="460375"/>
+          </a:xfrm>
+          <a:prstGeom prst="rect">
+            <a:avLst/>
+          </a:prstGeom>
+        </p:spPr>
+        <p:txBody>
+          <a:bodyPr wrap="square">
+            <a:spAutoFit/>
+          </a:bodyPr>
+          <a:lstStyle/>
+          <a:p>
+            <a:r>
+              <a:rPr lang="en-US" altLang="ja-JP" sz="2400" dirty="0">
+                <a:solidFill>
+                  <a:srgbClr val="000000"/>
+                </a:solidFill>
+                <a:latin typeface="Meiryo UI" panose="020B0604030504040204" pitchFamily="34" charset="-128"/>
+                <a:ea typeface="Meiryo UI" panose="020B0604030504040204" pitchFamily="34" charset="-128"/>
+              </a:rPr>
+              <a:t>Factors need to be considered and blocking automation:</a:t>
+            </a:r>
+          </a:p>
+        </p:txBody>
+      </p:sp>
+      <p:sp>
+        <p:nvSpPr>
+          <p:cNvPr id="47" name="Title 2"/>
+          <p:cNvSpPr>
+            <a:spLocks noGrp="1"/>
+          </p:cNvSpPr>
+          <p:nvPr>
+            <p:ph type="title"/>
+          </p:nvPr>
+        </p:nvSpPr>
+        <p:spPr>
+          <a:xfrm>
+            <a:off x="345018" y="332076"/>
+            <a:ext cx="10727601" cy="864675"/>
+          </a:xfrm>
+        </p:spPr>
+        <p:txBody>
+          <a:bodyPr/>
+          <a:lstStyle/>
+          <a:p>
+            <a:r>
+              <a:rPr lang="en-US" dirty="0"/>
+              <a:t>Category: Respond to user questions/Query Meeting Detailed info/Solutions for user issues</a:t>
+            </a:r>
+          </a:p>
+        </p:txBody>
+      </p:sp>
+      <p:sp>
+        <p:nvSpPr>
+          <p:cNvPr id="2" name="Rectangle 18"/>
+          <p:cNvSpPr/>
+          <p:nvPr/>
+        </p:nvSpPr>
+        <p:spPr>
+          <a:xfrm>
+            <a:off x="516469" y="1981339"/>
+            <a:ext cx="11081087" cy="4524315"/>
+          </a:xfrm>
+          <a:prstGeom prst="rect">
+            <a:avLst/>
+          </a:prstGeom>
+        </p:spPr>
+        <p:txBody>
+          <a:bodyPr wrap="square">
+            <a:spAutoFit/>
+          </a:bodyPr>
+          <a:lstStyle/>
+          <a:p>
+            <a:pPr marL="342900" indent="-342900">
+              <a:buAutoNum type="arabicPeriod" startAt="8"/>
+            </a:pPr>
+            <a:r>
+              <a:rPr lang="en-US" altLang="ja-JP" sz="1600" dirty="0">
+                <a:solidFill>
+                  <a:srgbClr val="000000"/>
+                </a:solidFill>
+                <a:latin typeface="Meiryo UI" panose="020B0604030504040204" pitchFamily="34" charset="-128"/>
+                <a:ea typeface="Meiryo UI" panose="020B0604030504040204" pitchFamily="34" charset="-128"/>
+              </a:rPr>
+              <a:t>About 80% of 'respond to user questions' tickets need to debug source code and query the ticket's data to determine the problem and solution. Also need to communicate with users end-to-end to locate and resolve the problem. Impossible to be automated. </a:t>
+            </a:r>
+            <a:r>
+              <a:rPr lang="en-US" altLang="ja-JP" sz="1600" dirty="0">
+                <a:solidFill>
+                  <a:schemeClr val="bg1"/>
+                </a:solidFill>
+                <a:highlight>
+                  <a:srgbClr val="EE1100"/>
+                </a:highlight>
+                <a:latin typeface="Meiryo UI" panose="020B0604030504040204" pitchFamily="34" charset="-128"/>
+                <a:ea typeface="Meiryo UI" panose="020B0604030504040204" pitchFamily="34" charset="-128"/>
+              </a:rPr>
+              <a:t>?? If SME says cannot automate, cannot automate. ??</a:t>
+            </a:r>
+            <a:endParaRPr lang="en-US" altLang="ja-JP" sz="1600" strike="sngStrike" dirty="0">
+              <a:solidFill>
+                <a:schemeClr val="bg1"/>
+              </a:solidFill>
+              <a:highlight>
+                <a:srgbClr val="EE1100"/>
+              </a:highlight>
+              <a:latin typeface="Meiryo UI" panose="020B0604030504040204" pitchFamily="34" charset="-128"/>
+              <a:ea typeface="Meiryo UI" panose="020B0604030504040204" pitchFamily="34" charset="-128"/>
+            </a:endParaRPr>
+          </a:p>
+          <a:p>
+            <a:pPr marL="342900" indent="-342900">
+              <a:buFontTx/>
+              <a:buAutoNum type="arabicPeriod" startAt="8"/>
+            </a:pPr>
+            <a:r>
+              <a:rPr lang="en-US" altLang="ja-JP" sz="1600" strike="sngStrike" dirty="0">
+                <a:solidFill>
+                  <a:srgbClr val="000000"/>
+                </a:solidFill>
+                <a:latin typeface="Meiryo UI" panose="020B0604030504040204" pitchFamily="34" charset="-128"/>
+                <a:ea typeface="Meiryo UI" panose="020B0604030504040204" pitchFamily="34" charset="-128"/>
+              </a:rPr>
+              <a:t>Now the supporting process is users call or mail to L1 staffs, then they determine the applying type, create a ticket and assign it to L2/L3 staffs. Need to confirm with end users if they accept to use automation tools to get the answer or still willing to contact with people. </a:t>
+            </a:r>
+            <a:r>
+              <a:rPr lang="en-US" altLang="ja-JP" sz="1600" dirty="0">
+                <a:solidFill>
+                  <a:schemeClr val="bg1"/>
+                </a:solidFill>
+                <a:highlight>
+                  <a:srgbClr val="00B050"/>
+                </a:highlight>
+                <a:latin typeface="Meiryo UI" panose="020B0604030504040204" pitchFamily="34" charset="-128"/>
+                <a:ea typeface="Meiryo UI" panose="020B0604030504040204" pitchFamily="34" charset="-128"/>
+              </a:rPr>
+              <a:t>OCM and approval problem not an automation blocker actually. </a:t>
+            </a:r>
+          </a:p>
+          <a:p>
+            <a:pPr marL="342900" indent="-342900">
+              <a:buFontTx/>
+              <a:buAutoNum type="arabicPeriod" startAt="8"/>
+            </a:pPr>
+            <a:r>
+              <a:rPr lang="en-US" altLang="ja-JP" sz="1600" dirty="0">
+                <a:solidFill>
+                  <a:srgbClr val="000000"/>
+                </a:solidFill>
+                <a:latin typeface="Meiryo UI" panose="020B0604030504040204" pitchFamily="34" charset="-128"/>
+                <a:ea typeface="Meiryo UI" panose="020B0604030504040204" pitchFamily="34" charset="-128"/>
+              </a:rPr>
+              <a:t>If any modification against EMS system and related programs, IT leader and BSO/APP Owner's approval is required. </a:t>
+            </a:r>
+            <a:r>
+              <a:rPr lang="en-US" altLang="ja-JP" sz="1600" dirty="0">
+                <a:solidFill>
+                  <a:schemeClr val="bg1"/>
+                </a:solidFill>
+                <a:highlight>
+                  <a:srgbClr val="00B050"/>
+                </a:highlight>
+                <a:latin typeface="Meiryo UI" panose="020B0604030504040204" pitchFamily="34" charset="-128"/>
+                <a:ea typeface="Meiryo UI" panose="020B0604030504040204" pitchFamily="34" charset="-128"/>
+              </a:rPr>
+              <a:t>approval problem not an automation blocker actually. </a:t>
+            </a:r>
+            <a:endParaRPr lang="en-US" altLang="ja-JP" sz="1600" dirty="0">
+              <a:solidFill>
+                <a:srgbClr val="000000"/>
+              </a:solidFill>
+              <a:latin typeface="Meiryo UI" panose="020B0604030504040204" pitchFamily="34" charset="-128"/>
+              <a:ea typeface="Meiryo UI" panose="020B0604030504040204" pitchFamily="34" charset="-128"/>
+            </a:endParaRPr>
+          </a:p>
+          <a:p>
+            <a:pPr marL="342900" indent="-342900">
+              <a:buFontTx/>
+              <a:buAutoNum type="arabicPeriod" startAt="8"/>
+            </a:pPr>
+            <a:r>
+              <a:rPr lang="en-US" altLang="ja-JP" sz="1600" dirty="0">
+                <a:solidFill>
+                  <a:srgbClr val="000000"/>
+                </a:solidFill>
+                <a:latin typeface="Meiryo UI" panose="020B0604030504040204" pitchFamily="34" charset="-128"/>
+                <a:ea typeface="Meiryo UI" panose="020B0604030504040204" pitchFamily="34" charset="-128"/>
+              </a:rPr>
+              <a:t>Users prefer to have some special staff to handle each sub process system, so that they can communicate with the L2/L3 staffs rapidly if some problem occurred, and then have the L1 staffs to supply a ticket later. </a:t>
+            </a:r>
+            <a:r>
+              <a:rPr lang="en-US" altLang="ja-JP" sz="1600" dirty="0">
+                <a:solidFill>
+                  <a:schemeClr val="bg1"/>
+                </a:solidFill>
+                <a:highlight>
+                  <a:srgbClr val="00B050"/>
+                </a:highlight>
+                <a:latin typeface="Meiryo UI" panose="020B0604030504040204" pitchFamily="34" charset="-128"/>
+                <a:ea typeface="Meiryo UI" panose="020B0604030504040204" pitchFamily="34" charset="-128"/>
+              </a:rPr>
+              <a:t>Training problem – were L2/L3 can look at BOT execution and tell what has happened and drive next steps. </a:t>
+            </a:r>
+          </a:p>
+          <a:p>
+            <a:pPr marL="342900" indent="-342900">
+              <a:buFontTx/>
+              <a:buAutoNum type="arabicPeriod" startAt="8"/>
+            </a:pPr>
+            <a:r>
+              <a:rPr lang="en-US" altLang="ja-JP" sz="1600" dirty="0">
+                <a:solidFill>
+                  <a:srgbClr val="000000"/>
+                </a:solidFill>
+                <a:latin typeface="Meiryo UI" panose="020B0604030504040204" pitchFamily="34" charset="-128"/>
+                <a:ea typeface="Meiryo UI" panose="020B0604030504040204" pitchFamily="34" charset="-128"/>
+              </a:rPr>
+              <a:t>Since K2 team's shortage of human resources, supporting for technology is unavailable at the moment. </a:t>
+            </a:r>
+            <a:r>
+              <a:rPr lang="en-US" altLang="ja-JP" sz="1600" dirty="0">
+                <a:solidFill>
+                  <a:schemeClr val="bg1"/>
+                </a:solidFill>
+                <a:highlight>
+                  <a:srgbClr val="00B050"/>
+                </a:highlight>
+                <a:latin typeface="Meiryo UI" panose="020B0604030504040204" pitchFamily="34" charset="-128"/>
+                <a:ea typeface="Meiryo UI" panose="020B0604030504040204" pitchFamily="34" charset="-128"/>
+              </a:rPr>
+              <a:t>All the more reason for doing automation </a:t>
+            </a:r>
+          </a:p>
+          <a:p>
+            <a:pPr marL="342900" indent="-342900">
+              <a:buFontTx/>
+              <a:buAutoNum type="arabicPeriod" startAt="8"/>
+            </a:pPr>
+            <a:r>
+              <a:rPr lang="en-US" altLang="ja-JP" sz="1600" dirty="0">
+                <a:solidFill>
+                  <a:srgbClr val="000000"/>
+                </a:solidFill>
+                <a:latin typeface="Meiryo UI" panose="020B0604030504040204" pitchFamily="34" charset="-128"/>
+                <a:ea typeface="Meiryo UI" panose="020B0604030504040204" pitchFamily="34" charset="-128"/>
+              </a:rPr>
+              <a:t>Due to some business policy, the business group haven’t done any knowledge transfer to K2 team yet. Have to contact with business group to get business policy related materials or some other information if we needed. </a:t>
+            </a:r>
+            <a:r>
+              <a:rPr lang="en-US" altLang="ja-JP" sz="1600" dirty="0">
+                <a:solidFill>
+                  <a:schemeClr val="bg1"/>
+                </a:solidFill>
+                <a:highlight>
+                  <a:srgbClr val="00B050"/>
+                </a:highlight>
+                <a:latin typeface="Meiryo UI" panose="020B0604030504040204" pitchFamily="34" charset="-128"/>
+                <a:ea typeface="Meiryo UI" panose="020B0604030504040204" pitchFamily="34" charset="-128"/>
+              </a:rPr>
+              <a:t>We don’t know what we don’t know – so lets focus only on what we know. </a:t>
+            </a:r>
+          </a:p>
+        </p:txBody>
+      </p:sp>
+    </p:spTree>
+    <p:extLst>
+      <p:ext uri="{BB962C8B-B14F-4D97-AF65-F5344CB8AC3E}">
+        <p14:creationId xmlns:p14="http://schemas.microsoft.com/office/powerpoint/2010/main" val="1639609203"/>
+      </p:ext>
+    </p:extLst>
+  </p:cSld>
+  <p:clrMapOvr>
+    <a:masterClrMapping/>
+  </p:clrMapOvr>
+</p:sld>
+</file>
+
+<file path=ppt/slides/slide7.xml><?xml version="1.0" encoding="utf-8"?>
+<p:sld xmlns:a="http://schemas.openxmlformats.org/drawingml/2006/main" xmlns:r="http://schemas.openxmlformats.org/officeDocument/2006/relationships" xmlns:p="http://schemas.openxmlformats.org/presentationml/2006/main">
+  <p:cSld>
+    <p:spTree>
+      <p:nvGrpSpPr>
+        <p:cNvPr id="1" name=""/>
+        <p:cNvGrpSpPr/>
+        <p:nvPr/>
+      </p:nvGrpSpPr>
+      <p:grpSpPr>
+        <a:xfrm>
+          <a:off x="0" y="0"/>
+          <a:ext cx="0" cy="0"/>
+          <a:chOff x="0" y="0"/>
+          <a:chExt cx="0" cy="0"/>
+        </a:xfrm>
+      </p:grpSpPr>
+      <p:sp>
+        <p:nvSpPr>
+          <p:cNvPr id="19" name="Rectangle 18"/>
+          <p:cNvSpPr/>
+          <p:nvPr/>
+        </p:nvSpPr>
+        <p:spPr>
+          <a:xfrm>
+            <a:off x="479376" y="1052736"/>
+            <a:ext cx="11081087" cy="460375"/>
+          </a:xfrm>
+          <a:prstGeom prst="rect">
+            <a:avLst/>
+          </a:prstGeom>
+        </p:spPr>
+        <p:txBody>
+          <a:bodyPr wrap="square">
+            <a:spAutoFit/>
+          </a:bodyPr>
+          <a:lstStyle/>
+          <a:p>
+            <a:r>
+              <a:rPr lang="en-US" altLang="ja-JP" sz="2400" dirty="0"/>
+              <a:t>1. </a:t>
+            </a:r>
+            <a:r>
+              <a:rPr lang="en-US" sz="2400" dirty="0"/>
+              <a:t>Respond to user questions/Query Meeting Detailed info/Solutions for user issues</a:t>
+            </a:r>
+            <a:endParaRPr lang="en-US" altLang="ja-JP" sz="2400" dirty="0">
+              <a:solidFill>
+                <a:srgbClr val="000000"/>
+              </a:solidFill>
+              <a:latin typeface="Meiryo UI" panose="020B0604030504040204" pitchFamily="34" charset="-128"/>
+              <a:ea typeface="Meiryo UI" panose="020B0604030504040204" pitchFamily="34" charset="-128"/>
+            </a:endParaRPr>
+          </a:p>
+        </p:txBody>
+      </p:sp>
+      <p:sp>
+        <p:nvSpPr>
+          <p:cNvPr id="47" name="Title 2"/>
+          <p:cNvSpPr>
+            <a:spLocks noGrp="1"/>
+          </p:cNvSpPr>
+          <p:nvPr>
+            <p:ph type="title"/>
+          </p:nvPr>
+        </p:nvSpPr>
+        <p:spPr>
+          <a:xfrm>
+            <a:off x="345018" y="332077"/>
+            <a:ext cx="10727601" cy="423828"/>
+          </a:xfrm>
+        </p:spPr>
+        <p:txBody>
+          <a:bodyPr/>
+          <a:lstStyle/>
+          <a:p>
+            <a:r>
+              <a:rPr lang="en-US" dirty="0"/>
+              <a:t>Top3 Categories</a:t>
+            </a:r>
+          </a:p>
+        </p:txBody>
+      </p:sp>
+      <p:sp>
+        <p:nvSpPr>
+          <p:cNvPr id="39" name="Rectangle 38">
+            <a:extLst>
+              <a:ext uri="{FF2B5EF4-FFF2-40B4-BE49-F238E27FC236}">
+                <a16:creationId xmlns:a16="http://schemas.microsoft.com/office/drawing/2014/main" id="{83881FD6-8C03-48D7-BE23-73F764EB25CE}"/>
+              </a:ext>
+            </a:extLst>
+          </p:cNvPr>
+          <p:cNvSpPr/>
+          <p:nvPr/>
+        </p:nvSpPr>
+        <p:spPr>
+          <a:xfrm>
+            <a:off x="462548" y="1784708"/>
+            <a:ext cx="11081087" cy="460375"/>
+          </a:xfrm>
+          <a:prstGeom prst="rect">
+            <a:avLst/>
+          </a:prstGeom>
+        </p:spPr>
+        <p:txBody>
+          <a:bodyPr wrap="square">
+            <a:spAutoFit/>
+          </a:bodyPr>
+          <a:lstStyle/>
+          <a:p>
+            <a:r>
+              <a:rPr lang="en-US" altLang="ja-JP" sz="2400" dirty="0">
+                <a:solidFill>
+                  <a:srgbClr val="FF0000"/>
+                </a:solidFill>
+              </a:rPr>
+              <a:t>2. </a:t>
+            </a:r>
+            <a:r>
+              <a:rPr lang="en-US" sz="2400" dirty="0">
+                <a:solidFill>
+                  <a:srgbClr val="FF0000"/>
+                </a:solidFill>
+              </a:rPr>
+              <a:t>Request Redirect and Delegate(130t/Jan, 53t/Feb, 129t/Mar, 1.5h/t)</a:t>
+            </a:r>
+            <a:endParaRPr lang="en-US" altLang="ja-JP" sz="2400" dirty="0">
+              <a:solidFill>
+                <a:srgbClr val="FF0000"/>
+              </a:solidFill>
+              <a:latin typeface="Meiryo UI" panose="020B0604030504040204" pitchFamily="34" charset="-128"/>
+              <a:ea typeface="Meiryo UI" panose="020B0604030504040204" pitchFamily="34" charset="-128"/>
+            </a:endParaRPr>
+          </a:p>
+        </p:txBody>
+      </p:sp>
+      <p:sp>
+        <p:nvSpPr>
+          <p:cNvPr id="40" name="Rectangle 39">
+            <a:extLst>
+              <a:ext uri="{FF2B5EF4-FFF2-40B4-BE49-F238E27FC236}">
+                <a16:creationId xmlns:a16="http://schemas.microsoft.com/office/drawing/2014/main" id="{2DF12DBD-B5FB-4DDA-A34A-B16D62E9D515}"/>
+              </a:ext>
+            </a:extLst>
+          </p:cNvPr>
+          <p:cNvSpPr/>
+          <p:nvPr/>
+        </p:nvSpPr>
+        <p:spPr>
+          <a:xfrm>
+            <a:off x="453413" y="2564904"/>
+            <a:ext cx="11081087" cy="460375"/>
+          </a:xfrm>
+          <a:prstGeom prst="rect">
+            <a:avLst/>
+          </a:prstGeom>
+        </p:spPr>
+        <p:txBody>
+          <a:bodyPr wrap="square">
+            <a:spAutoFit/>
+          </a:bodyPr>
+          <a:lstStyle/>
+          <a:p>
+            <a:r>
+              <a:rPr lang="en-US" altLang="ja-JP" sz="2400" dirty="0"/>
+              <a:t>3. </a:t>
+            </a:r>
+            <a:r>
+              <a:rPr lang="en-US" sz="2400" dirty="0"/>
+              <a:t>Add/Update/Remove user usage access in all EMS sub systems</a:t>
+            </a:r>
+            <a:endParaRPr lang="en-US" altLang="ja-JP" sz="2400" dirty="0">
+              <a:solidFill>
+                <a:srgbClr val="000000"/>
+              </a:solidFill>
+              <a:latin typeface="Meiryo UI" panose="020B0604030504040204" pitchFamily="34" charset="-128"/>
+              <a:ea typeface="Meiryo UI" panose="020B0604030504040204" pitchFamily="34" charset="-128"/>
+            </a:endParaRPr>
+          </a:p>
+        </p:txBody>
+      </p:sp>
+    </p:spTree>
+    <p:extLst>
+      <p:ext uri="{BB962C8B-B14F-4D97-AF65-F5344CB8AC3E}">
+        <p14:creationId xmlns:p14="http://schemas.microsoft.com/office/powerpoint/2010/main" val="1130549488"/>
+      </p:ext>
+    </p:extLst>
+  </p:cSld>
+  <p:clrMapOvr>
+    <a:masterClrMapping/>
+  </p:clrMapOvr>
+</p:sld>
+</file>
+
+<file path=ppt/slides/slide8.xml><?xml version="1.0" encoding="utf-8"?>
+<p:sld xmlns:a="http://schemas.openxmlformats.org/drawingml/2006/main" xmlns:r="http://schemas.openxmlformats.org/officeDocument/2006/relationships" xmlns:p="http://schemas.openxmlformats.org/presentationml/2006/main">
+  <p:cSld>
+    <p:spTree>
+      <p:nvGrpSpPr>
+        <p:cNvPr id="1" name=""/>
+        <p:cNvGrpSpPr/>
+        <p:nvPr/>
+      </p:nvGrpSpPr>
+      <p:grpSpPr>
+        <a:xfrm>
+          <a:off x="0" y="0"/>
+          <a:ext cx="0" cy="0"/>
+          <a:chOff x="0" y="0"/>
+          <a:chExt cx="0" cy="0"/>
+        </a:xfrm>
+      </p:grpSpPr>
+      <p:sp>
+        <p:nvSpPr>
+          <p:cNvPr id="19" name="Rectangle 18"/>
+          <p:cNvSpPr/>
+          <p:nvPr/>
+        </p:nvSpPr>
+        <p:spPr>
+          <a:xfrm>
+            <a:off x="516469" y="776255"/>
+            <a:ext cx="11081087" cy="460375"/>
+          </a:xfrm>
+          <a:prstGeom prst="rect">
+            <a:avLst/>
+          </a:prstGeom>
+        </p:spPr>
+        <p:txBody>
+          <a:bodyPr wrap="square">
+            <a:spAutoFit/>
+          </a:bodyPr>
+          <a:lstStyle/>
+          <a:p>
+            <a:r>
+              <a:rPr lang="en-US" altLang="ja-JP" sz="2400" dirty="0">
+                <a:solidFill>
+                  <a:srgbClr val="000000"/>
+                </a:solidFill>
+                <a:latin typeface="Meiryo UI" panose="020B0604030504040204" pitchFamily="34" charset="-128"/>
+                <a:ea typeface="Meiryo UI" panose="020B0604030504040204" pitchFamily="34" charset="-128"/>
+              </a:rPr>
+              <a:t>Pattern 1: Redirect of applicant</a:t>
+            </a:r>
+          </a:p>
+        </p:txBody>
+      </p:sp>
+      <p:grpSp>
+        <p:nvGrpSpPr>
+          <p:cNvPr id="4" name="グループ化 3"/>
+          <p:cNvGrpSpPr/>
+          <p:nvPr/>
+        </p:nvGrpSpPr>
+        <p:grpSpPr>
+          <a:xfrm>
+            <a:off x="1217728" y="1997455"/>
+            <a:ext cx="9325565" cy="2495349"/>
+            <a:chOff x="1825839" y="1618910"/>
+            <a:chExt cx="8692831" cy="2317961"/>
+          </a:xfrm>
+        </p:grpSpPr>
+        <p:sp>
+          <p:nvSpPr>
+            <p:cNvPr id="5" name="正方形/長方形 4"/>
+            <p:cNvSpPr/>
+            <p:nvPr/>
+          </p:nvSpPr>
+          <p:spPr>
+            <a:xfrm>
+              <a:off x="4024270" y="1632871"/>
+              <a:ext cx="4942426" cy="2304000"/>
+            </a:xfrm>
+            <a:prstGeom prst="rect">
+              <a:avLst/>
+            </a:prstGeom>
+            <a:solidFill>
+              <a:schemeClr val="bg1"/>
+            </a:solidFill>
+            <a:ln>
+              <a:solidFill>
+                <a:schemeClr val="tx1">
+                  <a:lumMod val="75000"/>
+                  <a:lumOff val="25000"/>
+                </a:schemeClr>
+              </a:solidFill>
+            </a:ln>
+          </p:spPr>
+          <p:style>
+            <a:lnRef idx="1">
+              <a:schemeClr val="accent1"/>
+            </a:lnRef>
+            <a:fillRef idx="0">
+              <a:schemeClr val="accent1"/>
+            </a:fillRef>
+            <a:effectRef idx="0">
+              <a:schemeClr val="accent1"/>
+            </a:effectRef>
+            <a:fontRef idx="minor">
+              <a:schemeClr val="tx1"/>
+            </a:fontRef>
+          </p:style>
+          <p:txBody>
+            <a:bodyPr rot="0" spcFirstLastPara="0" vertOverflow="overflow" horzOverflow="overflow" vert="horz" wrap="square" lIns="121920" tIns="60960" rIns="121920" bIns="60960" numCol="1" spcCol="0" rtlCol="0" fromWordArt="0" anchor="t" anchorCtr="0" forceAA="0" compatLnSpc="1">
+              <a:noAutofit/>
+            </a:bodyPr>
+            <a:lstStyle/>
+            <a:p>
+              <a:r>
+                <a:rPr lang="en-US" altLang="ja-JP" sz="1335" u="sng" dirty="0">
+                  <a:latin typeface="Meiryo UI" panose="020B0604030504040204" pitchFamily="34" charset="-128"/>
+                  <a:ea typeface="Meiryo UI" panose="020B0604030504040204" pitchFamily="34" charset="-128"/>
+                  <a:cs typeface="Meiryo UI" panose="020B0604030504040204" pitchFamily="34" charset="-128"/>
+                </a:rPr>
+                <a:t>K2</a:t>
+              </a:r>
+              <a:r>
+                <a:rPr lang="ja-JP" altLang="en-US" sz="1335" u="sng" dirty="0">
+                  <a:latin typeface="Meiryo UI" panose="020B0604030504040204" pitchFamily="34" charset="-128"/>
+                  <a:ea typeface="Meiryo UI" panose="020B0604030504040204" pitchFamily="34" charset="-128"/>
+                  <a:cs typeface="Meiryo UI" panose="020B0604030504040204" pitchFamily="34" charset="-128"/>
+                </a:rPr>
+                <a:t> </a:t>
+              </a:r>
+              <a:r>
+                <a:rPr lang="en-US" altLang="ja-JP" sz="1335" u="sng" dirty="0">
+                  <a:latin typeface="Meiryo UI" panose="020B0604030504040204" pitchFamily="34" charset="-128"/>
+                  <a:ea typeface="Meiryo UI" panose="020B0604030504040204" pitchFamily="34" charset="-128"/>
+                  <a:cs typeface="Meiryo UI" panose="020B0604030504040204" pitchFamily="34" charset="-128"/>
+                </a:rPr>
+                <a:t>Team</a:t>
+              </a:r>
+              <a:endParaRPr lang="ja-JP" altLang="en-US" sz="1335" u="sng" dirty="0">
+                <a:latin typeface="Meiryo UI" panose="020B0604030504040204" pitchFamily="34" charset="-128"/>
+                <a:ea typeface="Meiryo UI" panose="020B0604030504040204" pitchFamily="34" charset="-128"/>
+                <a:cs typeface="Meiryo UI" panose="020B0604030504040204" pitchFamily="34" charset="-128"/>
+              </a:endParaRPr>
+            </a:p>
+          </p:txBody>
+        </p:sp>
+        <p:sp>
+          <p:nvSpPr>
+            <p:cNvPr id="6" name="正方形/長方形 5"/>
+            <p:cNvSpPr/>
+            <p:nvPr/>
+          </p:nvSpPr>
+          <p:spPr>
+            <a:xfrm>
+              <a:off x="2503367" y="1632871"/>
+              <a:ext cx="1421719" cy="2304000"/>
+            </a:xfrm>
+            <a:prstGeom prst="rect">
+              <a:avLst/>
+            </a:prstGeom>
+            <a:solidFill>
+              <a:schemeClr val="bg1"/>
+            </a:solidFill>
+            <a:ln>
+              <a:solidFill>
+                <a:schemeClr val="tx1">
+                  <a:lumMod val="75000"/>
+                  <a:lumOff val="25000"/>
+                </a:schemeClr>
+              </a:solidFill>
+            </a:ln>
+          </p:spPr>
+          <p:style>
+            <a:lnRef idx="1">
+              <a:schemeClr val="accent1"/>
+            </a:lnRef>
+            <a:fillRef idx="0">
+              <a:schemeClr val="accent1"/>
+            </a:fillRef>
+            <a:effectRef idx="0">
+              <a:schemeClr val="accent1"/>
+            </a:effectRef>
+            <a:fontRef idx="minor">
+              <a:schemeClr val="tx1"/>
+            </a:fontRef>
+          </p:style>
+          <p:txBody>
+            <a:bodyPr rot="0" spcFirstLastPara="0" vertOverflow="overflow" horzOverflow="overflow" vert="horz" wrap="square" lIns="121920" tIns="60960" rIns="121920" bIns="60960" numCol="1" spcCol="0" rtlCol="0" fromWordArt="0" anchor="t" anchorCtr="0" forceAA="0" compatLnSpc="1">
+              <a:noAutofit/>
+            </a:bodyPr>
+            <a:lstStyle/>
+            <a:p>
+              <a:pPr algn="ctr"/>
+              <a:endParaRPr lang="ja-JP" altLang="en-US" sz="1335" u="sng" dirty="0">
+                <a:latin typeface="Meiryo UI" panose="020B0604030504040204" pitchFamily="34" charset="-128"/>
+                <a:ea typeface="Meiryo UI" panose="020B0604030504040204" pitchFamily="34" charset="-128"/>
+                <a:cs typeface="Meiryo UI" panose="020B0604030504040204" pitchFamily="34" charset="-128"/>
+              </a:endParaRPr>
+            </a:p>
+            <a:p>
+              <a:pPr algn="ctr"/>
+              <a:endParaRPr lang="ja-JP" altLang="en-US" sz="1335" u="sng" dirty="0">
+                <a:latin typeface="Meiryo UI" panose="020B0604030504040204" pitchFamily="34" charset="-128"/>
+                <a:ea typeface="Meiryo UI" panose="020B0604030504040204" pitchFamily="34" charset="-128"/>
+                <a:cs typeface="Meiryo UI" panose="020B0604030504040204" pitchFamily="34" charset="-128"/>
+              </a:endParaRPr>
+            </a:p>
+          </p:txBody>
+        </p:sp>
+        <p:sp>
+          <p:nvSpPr>
+            <p:cNvPr id="7" name="正方形/長方形 6"/>
+            <p:cNvSpPr/>
+            <p:nvPr/>
+          </p:nvSpPr>
+          <p:spPr>
+            <a:xfrm>
+              <a:off x="1825839" y="1632871"/>
+              <a:ext cx="576000" cy="2304000"/>
+            </a:xfrm>
+            <a:prstGeom prst="rect">
+              <a:avLst/>
+            </a:prstGeom>
+            <a:solidFill>
+              <a:schemeClr val="bg1"/>
+            </a:solidFill>
+            <a:ln>
+              <a:solidFill>
+                <a:schemeClr val="tx1">
+                  <a:lumMod val="75000"/>
+                  <a:lumOff val="25000"/>
+                </a:schemeClr>
+              </a:solidFill>
+            </a:ln>
+          </p:spPr>
+          <p:style>
+            <a:lnRef idx="1">
+              <a:schemeClr val="accent1"/>
+            </a:lnRef>
+            <a:fillRef idx="0">
+              <a:schemeClr val="accent1"/>
+            </a:fillRef>
+            <a:effectRef idx="0">
+              <a:schemeClr val="accent1"/>
+            </a:effectRef>
+            <a:fontRef idx="minor">
+              <a:schemeClr val="tx1"/>
+            </a:fontRef>
+          </p:style>
+          <p:txBody>
+            <a:bodyPr rot="0" spcFirstLastPara="0" vertOverflow="overflow" horzOverflow="overflow" vert="horz" wrap="none" lIns="121920" tIns="60960" rIns="121920" bIns="60960" numCol="1" spcCol="0" rtlCol="0" fromWordArt="0" anchor="ctr" anchorCtr="0" forceAA="0" compatLnSpc="1">
+              <a:noAutofit/>
+            </a:bodyPr>
+            <a:lstStyle/>
+            <a:p>
+              <a:pPr algn="ctr"/>
+              <a:r>
+                <a:rPr lang="en-US" altLang="ja-JP" sz="1335" dirty="0">
+                  <a:latin typeface="Meiryo UI" panose="020B0604030504040204" pitchFamily="34" charset="-128"/>
+                  <a:ea typeface="Meiryo UI" panose="020B0604030504040204" pitchFamily="34" charset="-128"/>
+                  <a:cs typeface="Meiryo UI" panose="020B0604030504040204" pitchFamily="34" charset="-128"/>
+                </a:rPr>
+                <a:t>ASIS</a:t>
+              </a:r>
+              <a:endParaRPr lang="ja-JP" altLang="en-US" sz="1335" dirty="0">
+                <a:latin typeface="Meiryo UI" panose="020B0604030504040204" pitchFamily="34" charset="-128"/>
+                <a:ea typeface="Meiryo UI" panose="020B0604030504040204" pitchFamily="34" charset="-128"/>
+                <a:cs typeface="Meiryo UI" panose="020B0604030504040204" pitchFamily="34" charset="-128"/>
+              </a:endParaRPr>
+            </a:p>
+          </p:txBody>
+        </p:sp>
+        <p:sp>
+          <p:nvSpPr>
+            <p:cNvPr id="9" name="角丸四角形 15"/>
+            <p:cNvSpPr/>
+            <p:nvPr/>
+          </p:nvSpPr>
+          <p:spPr>
+            <a:xfrm>
+              <a:off x="2778230" y="1995082"/>
+              <a:ext cx="842879" cy="374975"/>
+            </a:xfrm>
+            <a:prstGeom prst="roundRect">
+              <a:avLst/>
+            </a:prstGeom>
+            <a:solidFill>
+              <a:schemeClr val="bg1"/>
+            </a:solidFill>
+            <a:ln>
+              <a:solidFill>
+                <a:schemeClr val="tx1">
+                  <a:lumMod val="75000"/>
+                  <a:lumOff val="25000"/>
+                </a:schemeClr>
+              </a:solidFill>
+            </a:ln>
+          </p:spPr>
+          <p:style>
+            <a:lnRef idx="1">
+              <a:schemeClr val="accent1"/>
+            </a:lnRef>
+            <a:fillRef idx="0">
+              <a:schemeClr val="accent1"/>
+            </a:fillRef>
+            <a:effectRef idx="0">
+              <a:schemeClr val="accent1"/>
+            </a:effectRef>
+            <a:fontRef idx="minor">
+              <a:schemeClr val="tx1"/>
+            </a:fontRef>
+          </p:style>
+          <p:txBody>
+            <a:bodyPr rot="0" spcFirstLastPara="0" vertOverflow="overflow" horzOverflow="overflow" vert="horz" wrap="square" lIns="121920" tIns="60960" rIns="121920" bIns="60960" numCol="1" spcCol="0" rtlCol="0" fromWordArt="0" anchor="ctr" anchorCtr="0" forceAA="0" compatLnSpc="1">
+              <a:noAutofit/>
+            </a:bodyPr>
+            <a:lstStyle/>
+            <a:p>
+              <a:pPr algn="ctr"/>
+              <a:r>
+                <a:rPr lang="en-US" altLang="ja-JP" sz="800" dirty="0">
+                  <a:latin typeface="Meiryo UI" panose="020B0604030504040204" pitchFamily="34" charset="-128"/>
+                  <a:ea typeface="Meiryo UI" panose="020B0604030504040204" pitchFamily="34" charset="-128"/>
+                  <a:cs typeface="Meiryo UI" panose="020B0604030504040204" pitchFamily="34" charset="-128"/>
+                </a:rPr>
+                <a:t>O</a:t>
+              </a:r>
+              <a:r>
+                <a:rPr lang="ja-JP" altLang="en-US" sz="800" dirty="0">
+                  <a:latin typeface="Meiryo UI" panose="020B0604030504040204" pitchFamily="34" charset="-128"/>
+                  <a:ea typeface="Meiryo UI" panose="020B0604030504040204" pitchFamily="34" charset="-128"/>
+                  <a:cs typeface="Meiryo UI" panose="020B0604030504040204" pitchFamily="34" charset="-128"/>
+                </a:rPr>
+                <a:t>riginal </a:t>
+              </a:r>
+              <a:r>
+                <a:rPr lang="en-US" altLang="ja-JP" sz="800" dirty="0">
+                  <a:latin typeface="Meiryo UI" panose="020B0604030504040204" pitchFamily="34" charset="-128"/>
+                  <a:ea typeface="Meiryo UI" panose="020B0604030504040204" pitchFamily="34" charset="-128"/>
+                  <a:cs typeface="Meiryo UI" panose="020B0604030504040204" pitchFamily="34" charset="-128"/>
+                </a:rPr>
+                <a:t>A</a:t>
+              </a:r>
+              <a:r>
+                <a:rPr lang="ja-JP" altLang="en-US" sz="800" dirty="0">
+                  <a:latin typeface="Meiryo UI" panose="020B0604030504040204" pitchFamily="34" charset="-128"/>
+                  <a:ea typeface="Meiryo UI" panose="020B0604030504040204" pitchFamily="34" charset="-128"/>
+                  <a:cs typeface="Meiryo UI" panose="020B0604030504040204" pitchFamily="34" charset="-128"/>
+                </a:rPr>
+                <a:t>pplicant</a:t>
+              </a:r>
+            </a:p>
+          </p:txBody>
+        </p:sp>
+        <p:cxnSp>
+          <p:nvCxnSpPr>
+            <p:cNvPr id="11" name="直線矢印コネクタ 10"/>
+            <p:cNvCxnSpPr/>
+            <p:nvPr/>
+          </p:nvCxnSpPr>
+          <p:spPr>
+            <a:xfrm>
+              <a:off x="3447739" y="2636476"/>
+              <a:ext cx="741198" cy="8704"/>
+            </a:xfrm>
+            <a:prstGeom prst="straightConnector1">
+              <a:avLst/>
+            </a:prstGeom>
+            <a:ln>
+              <a:solidFill>
+                <a:schemeClr val="tx1">
+                  <a:lumMod val="50000"/>
+                  <a:lumOff val="50000"/>
+                </a:schemeClr>
+              </a:solidFill>
+              <a:headEnd type="none" w="med" len="med"/>
+              <a:tailEnd type="triangle" w="med" len="med"/>
+            </a:ln>
+          </p:spPr>
+          <p:style>
+            <a:lnRef idx="1">
+              <a:schemeClr val="accent1"/>
+            </a:lnRef>
+            <a:fillRef idx="0">
+              <a:schemeClr val="accent1"/>
+            </a:fillRef>
+            <a:effectRef idx="0">
+              <a:schemeClr val="accent1"/>
+            </a:effectRef>
+            <a:fontRef idx="minor">
+              <a:schemeClr val="tx1"/>
+            </a:fontRef>
+          </p:style>
+        </p:cxnSp>
+        <p:cxnSp>
+          <p:nvCxnSpPr>
+            <p:cNvPr id="12" name="直線矢印コネクタ 11"/>
+            <p:cNvCxnSpPr/>
+            <p:nvPr/>
+          </p:nvCxnSpPr>
+          <p:spPr>
+            <a:xfrm flipH="1">
+              <a:off x="4762521" y="2857385"/>
+              <a:ext cx="1279130" cy="13527"/>
+            </a:xfrm>
+            <a:prstGeom prst="straightConnector1">
+              <a:avLst/>
+            </a:prstGeom>
+            <a:ln>
+              <a:solidFill>
+                <a:schemeClr val="tx1">
+                  <a:lumMod val="50000"/>
+                  <a:lumOff val="50000"/>
+                </a:schemeClr>
+              </a:solidFill>
+              <a:headEnd type="triangle" w="med" len="med"/>
+              <a:tailEnd type="none" w="med" len="med"/>
+            </a:ln>
+          </p:spPr>
+          <p:style>
+            <a:lnRef idx="1">
+              <a:schemeClr val="accent1"/>
+            </a:lnRef>
+            <a:fillRef idx="0">
+              <a:schemeClr val="accent1"/>
+            </a:fillRef>
+            <a:effectRef idx="0">
+              <a:schemeClr val="accent1"/>
+            </a:effectRef>
+            <a:fontRef idx="minor">
+              <a:schemeClr val="tx1"/>
+            </a:fontRef>
+          </p:style>
+        </p:cxnSp>
+        <p:sp>
+          <p:nvSpPr>
+            <p:cNvPr id="13" name="正方形/長方形 12"/>
+            <p:cNvSpPr/>
+            <p:nvPr/>
+          </p:nvSpPr>
+          <p:spPr>
+            <a:xfrm>
+              <a:off x="9076487" y="1618910"/>
+              <a:ext cx="1442183" cy="2304000"/>
+            </a:xfrm>
+            <a:prstGeom prst="rect">
+              <a:avLst/>
+            </a:prstGeom>
+            <a:solidFill>
+              <a:schemeClr val="bg1"/>
+            </a:solidFill>
+            <a:ln>
+              <a:solidFill>
+                <a:schemeClr val="tx1">
+                  <a:lumMod val="75000"/>
+                  <a:lumOff val="25000"/>
+                </a:schemeClr>
+              </a:solidFill>
+            </a:ln>
+          </p:spPr>
+          <p:style>
+            <a:lnRef idx="1">
+              <a:schemeClr val="accent1"/>
+            </a:lnRef>
+            <a:fillRef idx="0">
+              <a:schemeClr val="accent1"/>
+            </a:fillRef>
+            <a:effectRef idx="0">
+              <a:schemeClr val="accent1"/>
+            </a:effectRef>
+            <a:fontRef idx="minor">
+              <a:schemeClr val="tx1"/>
+            </a:fontRef>
+          </p:style>
+          <p:txBody>
+            <a:bodyPr rot="0" spcFirstLastPara="0" vertOverflow="overflow" horzOverflow="overflow" vert="horz" wrap="square" lIns="121920" tIns="60960" rIns="121920" bIns="60960" numCol="1" spcCol="0" rtlCol="0" fromWordArt="0" anchor="t" anchorCtr="0" forceAA="0" compatLnSpc="1">
+              <a:noAutofit/>
+            </a:bodyPr>
+            <a:lstStyle/>
+            <a:p>
+              <a:pPr algn="ctr"/>
+              <a:endParaRPr lang="ja-JP" altLang="en-US" sz="1335" u="sng" dirty="0">
+                <a:latin typeface="Meiryo UI" panose="020B0604030504040204" pitchFamily="34" charset="-128"/>
+                <a:ea typeface="Meiryo UI" panose="020B0604030504040204" pitchFamily="34" charset="-128"/>
+                <a:cs typeface="Meiryo UI" panose="020B0604030504040204" pitchFamily="34" charset="-128"/>
+              </a:endParaRPr>
+            </a:p>
+          </p:txBody>
+        </p:sp>
+        <p:cxnSp>
+          <p:nvCxnSpPr>
+            <p:cNvPr id="24" name="直線矢印コネクタ 23"/>
+            <p:cNvCxnSpPr/>
+            <p:nvPr/>
+          </p:nvCxnSpPr>
+          <p:spPr>
+            <a:xfrm flipH="1" flipV="1">
+              <a:off x="8453707" y="2276203"/>
+              <a:ext cx="907407" cy="538709"/>
+            </a:xfrm>
+            <a:prstGeom prst="straightConnector1">
+              <a:avLst/>
+            </a:prstGeom>
+            <a:ln>
+              <a:solidFill>
+                <a:schemeClr val="tx1">
+                  <a:lumMod val="50000"/>
+                  <a:lumOff val="50000"/>
+                </a:schemeClr>
+              </a:solidFill>
+              <a:headEnd type="triangle" w="med" len="med"/>
+              <a:tailEnd type="none" w="med" len="med"/>
+            </a:ln>
+          </p:spPr>
+          <p:style>
+            <a:lnRef idx="1">
+              <a:schemeClr val="accent1"/>
+            </a:lnRef>
+            <a:fillRef idx="0">
+              <a:schemeClr val="accent1"/>
+            </a:fillRef>
+            <a:effectRef idx="0">
+              <a:schemeClr val="accent1"/>
+            </a:effectRef>
+            <a:fontRef idx="minor">
+              <a:schemeClr val="tx1"/>
+            </a:fontRef>
+          </p:style>
+        </p:cxnSp>
+        <p:pic>
+          <p:nvPicPr>
+            <p:cNvPr id="26" name="Picture 14" descr="ICON_Person_Orange_Q408.png"/>
+            <p:cNvPicPr>
+              <a:picLocks noChangeAspect="1"/>
+            </p:cNvPicPr>
+            <p:nvPr/>
+          </p:nvPicPr>
+          <p:blipFill>
+            <a:blip r:embed="rId2"/>
+            <a:srcRect/>
+            <a:stretch>
+              <a:fillRect/>
+            </a:stretch>
+          </p:blipFill>
+          <p:spPr bwMode="auto">
+            <a:xfrm>
+              <a:off x="9408616" y="2709924"/>
+              <a:ext cx="253500" cy="439433"/>
+            </a:xfrm>
+            <a:prstGeom prst="rect">
+              <a:avLst/>
+            </a:prstGeom>
+            <a:noFill/>
+            <a:ln w="9525">
+              <a:noFill/>
+              <a:miter lim="800000"/>
+              <a:headEnd/>
+              <a:tailEnd/>
+            </a:ln>
+          </p:spPr>
+        </p:pic>
+        <p:pic>
+          <p:nvPicPr>
+            <p:cNvPr id="35" name="Picture 27" descr="MC900433941"/>
+            <p:cNvPicPr>
+              <a:picLocks noChangeAspect="1" noChangeArrowheads="1"/>
+            </p:cNvPicPr>
+            <p:nvPr/>
+          </p:nvPicPr>
+          <p:blipFill>
+            <a:blip r:embed="rId3" cstate="screen"/>
+            <a:srcRect/>
+            <a:stretch>
+              <a:fillRect/>
+            </a:stretch>
+          </p:blipFill>
+          <p:spPr bwMode="auto">
+            <a:xfrm>
+              <a:off x="7938116" y="1878589"/>
+              <a:ext cx="504825" cy="534988"/>
+            </a:xfrm>
+            <a:prstGeom prst="rect">
+              <a:avLst/>
+            </a:prstGeom>
+            <a:noFill/>
+            <a:ln>
+              <a:noFill/>
+            </a:ln>
+            <a:extLst>
+              <a:ext uri="{909E8E84-426E-40DD-AFC4-6F175D3DCCD1}">
+                <a14:hiddenFill xmlns:a14="http://schemas.microsoft.com/office/drawing/2010/main">
+                  <a:solidFill>
+                    <a:srgbClr val="FFFFFF"/>
+                  </a:solidFill>
+                </a14:hiddenFill>
+              </a:ext>
+              <a:ext uri="{91240B29-F687-4F45-9708-019B960494DF}">
+                <a14:hiddenLine xmlns:a14="http://schemas.microsoft.com/office/drawing/2010/main" w="9525">
+                  <a:solidFill>
+                    <a:srgbClr val="000000"/>
+                  </a:solidFill>
+                  <a:miter lim="800000"/>
+                  <a:headEnd/>
+                  <a:tailEnd/>
+                </a14:hiddenLine>
+              </a:ext>
+            </a:extLst>
+          </p:spPr>
+        </p:pic>
+        <p:pic>
+          <p:nvPicPr>
+            <p:cNvPr id="36" name="Picture 27" descr="MC900433941"/>
+            <p:cNvPicPr>
+              <a:picLocks noChangeAspect="1" noChangeArrowheads="1"/>
+            </p:cNvPicPr>
+            <p:nvPr/>
+          </p:nvPicPr>
+          <p:blipFill>
+            <a:blip r:embed="rId3" cstate="screen"/>
+            <a:srcRect/>
+            <a:stretch>
+              <a:fillRect/>
+            </a:stretch>
+          </p:blipFill>
+          <p:spPr bwMode="auto">
+            <a:xfrm>
+              <a:off x="4265562" y="2316286"/>
+              <a:ext cx="504825" cy="534988"/>
+            </a:xfrm>
+            <a:prstGeom prst="rect">
+              <a:avLst/>
+            </a:prstGeom>
+            <a:noFill/>
+            <a:ln>
+              <a:noFill/>
+            </a:ln>
+            <a:extLst>
+              <a:ext uri="{909E8E84-426E-40DD-AFC4-6F175D3DCCD1}">
+                <a14:hiddenFill xmlns:a14="http://schemas.microsoft.com/office/drawing/2010/main">
+                  <a:solidFill>
+                    <a:srgbClr val="FFFFFF"/>
+                  </a:solidFill>
+                </a14:hiddenFill>
+              </a:ext>
+              <a:ext uri="{91240B29-F687-4F45-9708-019B960494DF}">
+                <a14:hiddenLine xmlns:a14="http://schemas.microsoft.com/office/drawing/2010/main" w="9525">
+                  <a:solidFill>
+                    <a:srgbClr val="000000"/>
+                  </a:solidFill>
+                  <a:miter lim="800000"/>
+                  <a:headEnd/>
+                  <a:tailEnd/>
+                </a14:hiddenLine>
+              </a:ext>
+            </a:extLst>
+          </p:spPr>
+        </p:pic>
+        <p:pic>
+          <p:nvPicPr>
+            <p:cNvPr id="37" name="Picture 95" descr="10"/>
+            <p:cNvPicPr>
+              <a:picLocks noChangeAspect="1" noChangeArrowheads="1"/>
+            </p:cNvPicPr>
+            <p:nvPr/>
+          </p:nvPicPr>
+          <p:blipFill>
+            <a:blip r:embed="rId4" cstate="screen">
+              <a:extLst>
+                <a:ext uri="{28A0092B-C50C-407E-A947-70E740481C1C}">
+                  <a14:useLocalDpi xmlns:a14="http://schemas.microsoft.com/office/drawing/2010/main" val="0"/>
+                </a:ext>
+              </a:extLst>
+            </a:blip>
+            <a:srcRect/>
+            <a:stretch>
+              <a:fillRect/>
+            </a:stretch>
+          </p:blipFill>
+          <p:spPr bwMode="auto">
+            <a:xfrm>
+              <a:off x="6745388" y="2335312"/>
+              <a:ext cx="253461" cy="145154"/>
+            </a:xfrm>
+            <a:prstGeom prst="rect">
+              <a:avLst/>
+            </a:prstGeom>
+            <a:noFill/>
+            <a:extLst>
+              <a:ext uri="{909E8E84-426E-40DD-AFC4-6F175D3DCCD1}">
+                <a14:hiddenFill xmlns:a14="http://schemas.microsoft.com/office/drawing/2010/main">
+                  <a:solidFill>
+                    <a:srgbClr val="FFFFFF"/>
+                  </a:solidFill>
+                </a14:hiddenFill>
+              </a:ext>
+            </a:extLst>
+          </p:spPr>
+        </p:pic>
+        <p:pic>
+          <p:nvPicPr>
+            <p:cNvPr id="3" name="Picture 210" descr="ICON_Person_Q308"/>
+            <p:cNvPicPr>
+              <a:picLocks noChangeAspect="1" noChangeArrowheads="1"/>
+            </p:cNvPicPr>
+            <p:nvPr/>
+          </p:nvPicPr>
+          <p:blipFill>
+            <a:blip r:embed="rId5"/>
+            <a:srcRect/>
+            <a:stretch>
+              <a:fillRect/>
+            </a:stretch>
+          </p:blipFill>
+          <p:spPr bwMode="auto">
+            <a:xfrm>
+              <a:off x="3166242" y="2413577"/>
+              <a:ext cx="253500" cy="432000"/>
+            </a:xfrm>
+            <a:prstGeom prst="rect">
+              <a:avLst/>
+            </a:prstGeom>
+            <a:noFill/>
+            <a:ln w="9525">
+              <a:noFill/>
+              <a:miter lim="800000"/>
+              <a:headEnd/>
+              <a:tailEnd/>
+            </a:ln>
+          </p:spPr>
+        </p:pic>
+        <p:sp>
+          <p:nvSpPr>
+            <p:cNvPr id="53" name="角丸四角形 15"/>
+            <p:cNvSpPr/>
+            <p:nvPr/>
+          </p:nvSpPr>
+          <p:spPr>
+            <a:xfrm>
+              <a:off x="9257496" y="2316286"/>
+              <a:ext cx="904374" cy="297958"/>
+            </a:xfrm>
+            <a:prstGeom prst="roundRect">
+              <a:avLst/>
+            </a:prstGeom>
+            <a:solidFill>
+              <a:schemeClr val="bg1"/>
+            </a:solidFill>
+            <a:ln>
+              <a:solidFill>
+                <a:schemeClr val="tx1">
+                  <a:lumMod val="75000"/>
+                  <a:lumOff val="25000"/>
+                </a:schemeClr>
+              </a:solidFill>
+            </a:ln>
+          </p:spPr>
+          <p:style>
+            <a:lnRef idx="1">
+              <a:schemeClr val="accent1"/>
+            </a:lnRef>
+            <a:fillRef idx="0">
+              <a:schemeClr val="accent1"/>
+            </a:fillRef>
+            <a:effectRef idx="0">
+              <a:schemeClr val="accent1"/>
+            </a:effectRef>
+            <a:fontRef idx="minor">
+              <a:schemeClr val="tx1"/>
+            </a:fontRef>
+          </p:style>
+          <p:txBody>
+            <a:bodyPr rot="0" spcFirstLastPara="0" vertOverflow="overflow" horzOverflow="overflow" vert="horz" wrap="square" lIns="121920" tIns="60960" rIns="121920" bIns="60960" numCol="1" spcCol="0" rtlCol="0" fromWordArt="0" anchor="ctr" anchorCtr="0" forceAA="0" compatLnSpc="1">
+              <a:noAutofit/>
+            </a:bodyPr>
+            <a:lstStyle/>
+            <a:p>
+              <a:pPr algn="ctr"/>
+              <a:r>
+                <a:rPr lang="en-US" sz="800" dirty="0">
+                  <a:latin typeface="Meiryo UI" panose="020B0604030504040204" pitchFamily="34" charset="-128"/>
+                  <a:ea typeface="Meiryo UI" panose="020B0604030504040204" pitchFamily="34" charset="-128"/>
+                  <a:cs typeface="Meiryo UI" panose="020B0604030504040204" pitchFamily="34" charset="-128"/>
+                </a:rPr>
+                <a:t>N</a:t>
+              </a:r>
+              <a:r>
+                <a:rPr sz="800" dirty="0">
+                  <a:latin typeface="Meiryo UI" panose="020B0604030504040204" pitchFamily="34" charset="-128"/>
+                  <a:ea typeface="Meiryo UI" panose="020B0604030504040204" pitchFamily="34" charset="-128"/>
+                  <a:cs typeface="Meiryo UI" panose="020B0604030504040204" pitchFamily="34" charset="-128"/>
+                </a:rPr>
+                <a:t>ew </a:t>
+              </a:r>
+              <a:r>
+                <a:rPr lang="en-US" sz="800" dirty="0">
+                  <a:latin typeface="Meiryo UI" panose="020B0604030504040204" pitchFamily="34" charset="-128"/>
+                  <a:ea typeface="Meiryo UI" panose="020B0604030504040204" pitchFamily="34" charset="-128"/>
+                  <a:cs typeface="Meiryo UI" panose="020B0604030504040204" pitchFamily="34" charset="-128"/>
+                </a:rPr>
+                <a:t>O</a:t>
+              </a:r>
+              <a:r>
+                <a:rPr sz="800" dirty="0">
+                  <a:latin typeface="Meiryo UI" panose="020B0604030504040204" pitchFamily="34" charset="-128"/>
+                  <a:ea typeface="Meiryo UI" panose="020B0604030504040204" pitchFamily="34" charset="-128"/>
+                  <a:cs typeface="Meiryo UI" panose="020B0604030504040204" pitchFamily="34" charset="-128"/>
+                </a:rPr>
+                <a:t>perator</a:t>
+              </a:r>
+            </a:p>
+          </p:txBody>
+        </p:sp>
+        <p:cxnSp>
+          <p:nvCxnSpPr>
+            <p:cNvPr id="77" name="直線矢印コネクタ 11"/>
+            <p:cNvCxnSpPr/>
+            <p:nvPr/>
+          </p:nvCxnSpPr>
+          <p:spPr>
+            <a:xfrm flipH="1" flipV="1">
+              <a:off x="7437978" y="2203360"/>
+              <a:ext cx="478268" cy="9549"/>
+            </a:xfrm>
+            <a:prstGeom prst="straightConnector1">
+              <a:avLst/>
+            </a:prstGeom>
+            <a:ln>
+              <a:solidFill>
+                <a:schemeClr val="tx1">
+                  <a:lumMod val="50000"/>
+                  <a:lumOff val="50000"/>
+                </a:schemeClr>
+              </a:solidFill>
+              <a:headEnd type="triangle" w="med" len="med"/>
+              <a:tailEnd type="none" w="med" len="med"/>
+            </a:ln>
+          </p:spPr>
+          <p:style>
+            <a:lnRef idx="1">
+              <a:schemeClr val="accent1"/>
+            </a:lnRef>
+            <a:fillRef idx="0">
+              <a:schemeClr val="accent1"/>
+            </a:fillRef>
+            <a:effectRef idx="0">
+              <a:schemeClr val="accent1"/>
+            </a:effectRef>
+            <a:fontRef idx="minor">
+              <a:schemeClr val="tx1"/>
+            </a:fontRef>
+          </p:style>
+        </p:cxnSp>
+      </p:grpSp>
+      <p:sp>
+        <p:nvSpPr>
+          <p:cNvPr id="47" name="Title 2"/>
+          <p:cNvSpPr>
+            <a:spLocks noGrp="1"/>
+          </p:cNvSpPr>
+          <p:nvPr>
+            <p:ph type="title"/>
+          </p:nvPr>
+        </p:nvSpPr>
+        <p:spPr>
+          <a:xfrm>
+            <a:off x="345018" y="332077"/>
+            <a:ext cx="10727601" cy="423828"/>
+          </a:xfrm>
+        </p:spPr>
+        <p:txBody>
+          <a:bodyPr/>
+          <a:lstStyle/>
+          <a:p>
+            <a:r>
+              <a:rPr lang="en-US" dirty="0"/>
+              <a:t>Category: Request redirect and delegate</a:t>
+            </a:r>
+          </a:p>
+        </p:txBody>
+      </p:sp>
+      <p:sp>
+        <p:nvSpPr>
+          <p:cNvPr id="2" name="Rectangle 18"/>
+          <p:cNvSpPr/>
+          <p:nvPr/>
+        </p:nvSpPr>
+        <p:spPr>
+          <a:xfrm>
+            <a:off x="516469" y="1309655"/>
+            <a:ext cx="11081087" cy="583565"/>
+          </a:xfrm>
+          <a:prstGeom prst="rect">
+            <a:avLst/>
+          </a:prstGeom>
+        </p:spPr>
+        <p:txBody>
+          <a:bodyPr wrap="square">
+            <a:spAutoFit/>
+          </a:bodyPr>
+          <a:lstStyle/>
+          <a:p>
+            <a:r>
+              <a:rPr lang="en-US" altLang="ja-JP" sz="1600" dirty="0">
+                <a:solidFill>
+                  <a:srgbClr val="000000"/>
+                </a:solidFill>
+                <a:latin typeface="Meiryo UI" panose="020B0604030504040204" pitchFamily="34" charset="-128"/>
+                <a:ea typeface="Meiryo UI" panose="020B0604030504040204" pitchFamily="34" charset="-128"/>
+              </a:rPr>
+              <a:t>Description: Ticket returned to the original applicant who already leaved office or do not have the right to approve needs to be redirected to a new operator.</a:t>
+            </a:r>
+          </a:p>
+        </p:txBody>
+      </p:sp>
+      <p:sp>
+        <p:nvSpPr>
+          <p:cNvPr id="38" name="Rectangle 18"/>
+          <p:cNvSpPr/>
+          <p:nvPr/>
+        </p:nvSpPr>
+        <p:spPr>
+          <a:xfrm>
+            <a:off x="4439816" y="2884874"/>
+            <a:ext cx="1349167" cy="400110"/>
+          </a:xfrm>
+          <a:prstGeom prst="rect">
+            <a:avLst/>
+          </a:prstGeom>
+        </p:spPr>
+        <p:txBody>
+          <a:bodyPr wrap="square">
+            <a:spAutoFit/>
+          </a:bodyPr>
+          <a:lstStyle/>
+          <a:p>
+            <a:r>
+              <a:rPr lang="en-US" altLang="ja-JP" sz="1000" dirty="0">
+                <a:solidFill>
+                  <a:srgbClr val="000000"/>
+                </a:solidFill>
+                <a:latin typeface="Meiryo UI" panose="020B0604030504040204" pitchFamily="34" charset="-128"/>
+                <a:ea typeface="Meiryo UI" panose="020B0604030504040204" pitchFamily="34" charset="-128"/>
+              </a:rPr>
+              <a:t>original applicant's node? </a:t>
+            </a:r>
+          </a:p>
+        </p:txBody>
+      </p:sp>
+      <p:sp>
+        <p:nvSpPr>
+          <p:cNvPr id="42" name="Left Brace 9"/>
+          <p:cNvSpPr/>
+          <p:nvPr/>
+        </p:nvSpPr>
+        <p:spPr>
+          <a:xfrm>
+            <a:off x="5721985" y="2636912"/>
+            <a:ext cx="398145" cy="1400175"/>
+          </a:xfrm>
+          <a:prstGeom prst="leftBrace">
+            <a:avLst/>
+          </a:prstGeom>
+        </p:spPr>
+        <p:style>
+          <a:lnRef idx="1">
+            <a:schemeClr val="accent1"/>
+          </a:lnRef>
+          <a:fillRef idx="0">
+            <a:schemeClr val="accent1"/>
+          </a:fillRef>
+          <a:effectRef idx="0">
+            <a:schemeClr val="accent1"/>
+          </a:effectRef>
+          <a:fontRef idx="minor">
+            <a:schemeClr val="tx1"/>
+          </a:fontRef>
+        </p:style>
+        <p:txBody>
+          <a:bodyPr rtlCol="0" anchor="ctr"/>
+          <a:lstStyle/>
+          <a:p>
+            <a:pPr algn="ctr"/>
+            <a:endParaRPr lang="en-US"/>
+          </a:p>
+        </p:txBody>
+      </p:sp>
+      <p:sp>
+        <p:nvSpPr>
+          <p:cNvPr id="49" name="Rectangle 18"/>
+          <p:cNvSpPr/>
+          <p:nvPr/>
+        </p:nvSpPr>
+        <p:spPr>
+          <a:xfrm>
+            <a:off x="5532120" y="3687946"/>
+            <a:ext cx="394970" cy="245110"/>
+          </a:xfrm>
+          <a:prstGeom prst="rect">
+            <a:avLst/>
+          </a:prstGeom>
+        </p:spPr>
+        <p:txBody>
+          <a:bodyPr wrap="square">
+            <a:spAutoFit/>
+          </a:bodyPr>
+          <a:lstStyle/>
+          <a:p>
+            <a:r>
+              <a:rPr lang="en-US" altLang="ja-JP" sz="1000" dirty="0">
+                <a:solidFill>
+                  <a:srgbClr val="000000"/>
+                </a:solidFill>
+                <a:latin typeface="Meiryo UI" panose="020B0604030504040204" pitchFamily="34" charset="-128"/>
+                <a:ea typeface="Meiryo UI" panose="020B0604030504040204" pitchFamily="34" charset="-128"/>
+              </a:rPr>
+              <a:t>NO</a:t>
+            </a:r>
+          </a:p>
+        </p:txBody>
+      </p:sp>
+      <p:sp>
+        <p:nvSpPr>
+          <p:cNvPr id="50" name="Rectangle 18"/>
+          <p:cNvSpPr/>
+          <p:nvPr/>
+        </p:nvSpPr>
+        <p:spPr>
+          <a:xfrm>
+            <a:off x="5495925" y="2390140"/>
+            <a:ext cx="455295" cy="245110"/>
+          </a:xfrm>
+          <a:prstGeom prst="rect">
+            <a:avLst/>
+          </a:prstGeom>
+        </p:spPr>
+        <p:txBody>
+          <a:bodyPr wrap="square">
+            <a:spAutoFit/>
+          </a:bodyPr>
+          <a:lstStyle/>
+          <a:p>
+            <a:r>
+              <a:rPr lang="en-US" altLang="ja-JP" sz="1000" dirty="0">
+                <a:solidFill>
+                  <a:srgbClr val="000000"/>
+                </a:solidFill>
+                <a:latin typeface="Meiryo UI" panose="020B0604030504040204" pitchFamily="34" charset="-128"/>
+                <a:ea typeface="Meiryo UI" panose="020B0604030504040204" pitchFamily="34" charset="-128"/>
+              </a:rPr>
+              <a:t>YES</a:t>
+            </a:r>
+          </a:p>
+        </p:txBody>
+      </p:sp>
+      <p:pic>
+        <p:nvPicPr>
+          <p:cNvPr id="75" name="Picture 26" descr="Related image"/>
+          <p:cNvPicPr>
+            <a:picLocks noChangeAspect="1" noChangeArrowheads="1"/>
+          </p:cNvPicPr>
+          <p:nvPr/>
+        </p:nvPicPr>
+        <p:blipFill>
+          <a:blip r:embed="rId6" cstate="print">
+            <a:extLst>
+              <a:ext uri="{28A0092B-C50C-407E-A947-70E740481C1C}">
+                <a14:useLocalDpi xmlns:a14="http://schemas.microsoft.com/office/drawing/2010/main" val="0"/>
+              </a:ext>
+            </a:extLst>
+          </a:blip>
+          <a:srcRect/>
+          <a:stretch>
+            <a:fillRect/>
+          </a:stretch>
+        </p:blipFill>
+        <p:spPr bwMode="auto">
+          <a:xfrm>
+            <a:off x="7090018" y="3903495"/>
+            <a:ext cx="317593" cy="317593"/>
+          </a:xfrm>
+          <a:prstGeom prst="rect">
+            <a:avLst/>
+          </a:prstGeom>
+          <a:noFill/>
+          <a:extLst>
+            <a:ext uri="{909E8E84-426E-40DD-AFC4-6F175D3DCCD1}">
+              <a14:hiddenFill xmlns:a14="http://schemas.microsoft.com/office/drawing/2010/main">
+                <a:solidFill>
+                  <a:srgbClr val="FFFFFF"/>
+                </a:solidFill>
+              </a14:hiddenFill>
+            </a:ext>
+          </a:extLst>
+        </p:spPr>
+      </p:pic>
+      <p:sp>
+        <p:nvSpPr>
+          <p:cNvPr id="51" name="Rectangle 18"/>
+          <p:cNvSpPr/>
+          <p:nvPr/>
+        </p:nvSpPr>
+        <p:spPr>
+          <a:xfrm>
+            <a:off x="6101080" y="3942652"/>
+            <a:ext cx="1060450" cy="246221"/>
+          </a:xfrm>
+          <a:prstGeom prst="rect">
+            <a:avLst/>
+          </a:prstGeom>
+        </p:spPr>
+        <p:txBody>
+          <a:bodyPr wrap="square">
+            <a:spAutoFit/>
+          </a:bodyPr>
+          <a:lstStyle/>
+          <a:p>
+            <a:r>
+              <a:rPr lang="en-US" altLang="ja-JP" sz="1000" dirty="0">
+                <a:solidFill>
+                  <a:srgbClr val="000000"/>
+                </a:solidFill>
+                <a:latin typeface="Meiryo UI" panose="020B0604030504040204" pitchFamily="34" charset="-128"/>
+                <a:ea typeface="Meiryo UI" panose="020B0604030504040204" pitchFamily="34" charset="-128"/>
+              </a:rPr>
+              <a:t>Can’t redirect </a:t>
+            </a:r>
+          </a:p>
+        </p:txBody>
+      </p:sp>
+      <p:sp>
+        <p:nvSpPr>
+          <p:cNvPr id="52" name="Rectangle 18"/>
+          <p:cNvSpPr/>
+          <p:nvPr/>
+        </p:nvSpPr>
+        <p:spPr>
+          <a:xfrm>
+            <a:off x="6120130" y="2382148"/>
+            <a:ext cx="1215390" cy="398780"/>
+          </a:xfrm>
+          <a:prstGeom prst="rect">
+            <a:avLst/>
+          </a:prstGeom>
+        </p:spPr>
+        <p:txBody>
+          <a:bodyPr wrap="square">
+            <a:spAutoFit/>
+          </a:bodyPr>
+          <a:lstStyle/>
+          <a:p>
+            <a:r>
+              <a:rPr lang="en-US" altLang="ja-JP" sz="1000" dirty="0">
+                <a:solidFill>
+                  <a:srgbClr val="000000"/>
+                </a:solidFill>
+                <a:latin typeface="Meiryo UI" panose="020B0604030504040204" pitchFamily="34" charset="-128"/>
+                <a:ea typeface="Meiryo UI" panose="020B0604030504040204" pitchFamily="34" charset="-128"/>
+              </a:rPr>
+              <a:t>Line manager's approval mail </a:t>
+            </a:r>
+          </a:p>
+        </p:txBody>
+      </p:sp>
+      <p:sp>
+        <p:nvSpPr>
+          <p:cNvPr id="79" name="Rectangle: Folded Corner 9"/>
+          <p:cNvSpPr/>
+          <p:nvPr/>
+        </p:nvSpPr>
+        <p:spPr>
+          <a:xfrm>
+            <a:off x="4419356" y="3433594"/>
+            <a:ext cx="1073785" cy="648335"/>
+          </a:xfrm>
+          <a:prstGeom prst="foldedCorner">
+            <a:avLst>
+              <a:gd name="adj" fmla="val 9802"/>
+            </a:avLst>
+          </a:prstGeom>
+          <a:solidFill>
+            <a:schemeClr val="accent6"/>
+          </a:solidFill>
+        </p:spPr>
+        <p:style>
+          <a:lnRef idx="2">
+            <a:schemeClr val="accent1">
+              <a:shade val="50000"/>
+            </a:schemeClr>
+          </a:lnRef>
+          <a:fillRef idx="1">
+            <a:schemeClr val="accent1"/>
+          </a:fillRef>
+          <a:effectRef idx="0">
+            <a:schemeClr val="accent1"/>
+          </a:effectRef>
+          <a:fontRef idx="minor">
+            <a:schemeClr val="lt1"/>
+          </a:fontRef>
+        </p:style>
+        <p:txBody>
+          <a:bodyPr rtlCol="0" anchor="ctr"/>
+          <a:lstStyle/>
+          <a:p>
+            <a:pPr algn="ctr"/>
+            <a:r>
+              <a:rPr lang="en-US" altLang="ja-JP" sz="1200" dirty="0">
+                <a:solidFill>
+                  <a:schemeClr val="tx1"/>
+                </a:solidFill>
+                <a:latin typeface="Meiryo UI" panose="020B0604030504040204" pitchFamily="34" charset="-128"/>
+                <a:ea typeface="Meiryo UI" panose="020B0604030504040204" pitchFamily="34" charset="-128"/>
+              </a:rPr>
+              <a:t>K2 ticket delegate tools</a:t>
+            </a:r>
+          </a:p>
+        </p:txBody>
+      </p:sp>
+      <p:sp>
+        <p:nvSpPr>
+          <p:cNvPr id="80" name="Rectangle: Folded Corner 9"/>
+          <p:cNvSpPr/>
+          <p:nvPr/>
+        </p:nvSpPr>
+        <p:spPr>
+          <a:xfrm>
+            <a:off x="7804785" y="3140705"/>
+            <a:ext cx="1073785" cy="648335"/>
+          </a:xfrm>
+          <a:prstGeom prst="foldedCorner">
+            <a:avLst>
+              <a:gd name="adj" fmla="val 9802"/>
+            </a:avLst>
+          </a:prstGeom>
+          <a:solidFill>
+            <a:schemeClr val="accent6"/>
+          </a:solidFill>
+        </p:spPr>
+        <p:style>
+          <a:lnRef idx="2">
+            <a:schemeClr val="accent1">
+              <a:shade val="50000"/>
+            </a:schemeClr>
+          </a:lnRef>
+          <a:fillRef idx="1">
+            <a:schemeClr val="accent1"/>
+          </a:fillRef>
+          <a:effectRef idx="0">
+            <a:schemeClr val="accent1"/>
+          </a:effectRef>
+          <a:fontRef idx="minor">
+            <a:schemeClr val="lt1"/>
+          </a:fontRef>
+        </p:style>
+        <p:txBody>
+          <a:bodyPr rtlCol="0" anchor="ctr"/>
+          <a:lstStyle/>
+          <a:p>
+            <a:pPr algn="ctr"/>
+            <a:r>
+              <a:rPr lang="en-US" altLang="ja-JP" sz="1200" dirty="0">
+                <a:solidFill>
+                  <a:schemeClr val="tx1"/>
+                </a:solidFill>
+                <a:latin typeface="Meiryo UI" panose="020B0604030504040204" pitchFamily="34" charset="-128"/>
+                <a:ea typeface="Meiryo UI" panose="020B0604030504040204" pitchFamily="34" charset="-128"/>
+              </a:rPr>
+              <a:t>K2 ticket delegate tools</a:t>
+            </a:r>
+          </a:p>
+        </p:txBody>
+      </p:sp>
+    </p:spTree>
+    <p:extLst>
+      <p:ext uri="{BB962C8B-B14F-4D97-AF65-F5344CB8AC3E}">
+        <p14:creationId xmlns:p14="http://schemas.microsoft.com/office/powerpoint/2010/main" val="3455352974"/>
+      </p:ext>
+    </p:extLst>
+  </p:cSld>
+  <p:clrMapOvr>
+    <a:masterClrMapping/>
+  </p:clrMapOvr>
+</p:sld>
+</file>
+
+<file path=ppt/slides/slide9.xml><?xml version="1.0" encoding="utf-8"?>
+<p:sld xmlns:a="http://schemas.openxmlformats.org/drawingml/2006/main" xmlns:r="http://schemas.openxmlformats.org/officeDocument/2006/relationships" xmlns:p="http://schemas.openxmlformats.org/presentationml/2006/main">
+  <p:cSld>
+    <p:spTree>
+      <p:nvGrpSpPr>
+        <p:cNvPr id="1" name=""/>
+        <p:cNvGrpSpPr/>
+        <p:nvPr/>
+      </p:nvGrpSpPr>
+      <p:grpSpPr>
+        <a:xfrm>
+          <a:off x="0" y="0"/>
+          <a:ext cx="0" cy="0"/>
+          <a:chOff x="0" y="0"/>
+          <a:chExt cx="0" cy="0"/>
+        </a:xfrm>
+      </p:grpSpPr>
+      <p:sp>
+        <p:nvSpPr>
+          <p:cNvPr id="19" name="Rectangle 18"/>
+          <p:cNvSpPr/>
+          <p:nvPr/>
+        </p:nvSpPr>
+        <p:spPr>
+          <a:xfrm>
+            <a:off x="516469" y="776255"/>
+            <a:ext cx="11081087" cy="460375"/>
+          </a:xfrm>
+          <a:prstGeom prst="rect">
+            <a:avLst/>
+          </a:prstGeom>
+        </p:spPr>
+        <p:txBody>
+          <a:bodyPr wrap="square">
+            <a:spAutoFit/>
+          </a:bodyPr>
+          <a:lstStyle/>
+          <a:p>
+            <a:r>
+              <a:rPr lang="en-US" altLang="ja-JP" sz="2400" dirty="0">
+                <a:solidFill>
+                  <a:srgbClr val="000000"/>
+                </a:solidFill>
+                <a:latin typeface="Meiryo UI" panose="020B0604030504040204" pitchFamily="34" charset="-128"/>
+                <a:ea typeface="Meiryo UI" panose="020B0604030504040204" pitchFamily="34" charset="-128"/>
+              </a:rPr>
+              <a:t>Pattern 2: Redirect of approver</a:t>
+            </a:r>
+          </a:p>
+        </p:txBody>
+      </p:sp>
+      <p:grpSp>
+        <p:nvGrpSpPr>
+          <p:cNvPr id="4" name="グループ化 3"/>
+          <p:cNvGrpSpPr/>
+          <p:nvPr/>
+        </p:nvGrpSpPr>
+        <p:grpSpPr>
+          <a:xfrm>
+            <a:off x="1217728" y="2077626"/>
+            <a:ext cx="10494897" cy="3034942"/>
+            <a:chOff x="1825839" y="1631654"/>
+            <a:chExt cx="9782824" cy="2305217"/>
+          </a:xfrm>
+        </p:grpSpPr>
+        <p:sp>
+          <p:nvSpPr>
+            <p:cNvPr id="5" name="正方形/長方形 4"/>
+            <p:cNvSpPr/>
+            <p:nvPr/>
+          </p:nvSpPr>
+          <p:spPr>
+            <a:xfrm>
+              <a:off x="4024270" y="1632871"/>
+              <a:ext cx="4942426" cy="2304000"/>
+            </a:xfrm>
+            <a:prstGeom prst="rect">
+              <a:avLst/>
+            </a:prstGeom>
+            <a:solidFill>
+              <a:schemeClr val="bg1"/>
+            </a:solidFill>
+            <a:ln>
+              <a:solidFill>
+                <a:schemeClr val="tx1">
+                  <a:lumMod val="75000"/>
+                  <a:lumOff val="25000"/>
+                </a:schemeClr>
+              </a:solidFill>
+            </a:ln>
+          </p:spPr>
+          <p:style>
+            <a:lnRef idx="1">
+              <a:schemeClr val="accent1"/>
+            </a:lnRef>
+            <a:fillRef idx="0">
+              <a:schemeClr val="accent1"/>
+            </a:fillRef>
+            <a:effectRef idx="0">
+              <a:schemeClr val="accent1"/>
+            </a:effectRef>
+            <a:fontRef idx="minor">
+              <a:schemeClr val="tx1"/>
+            </a:fontRef>
+          </p:style>
+          <p:txBody>
+            <a:bodyPr rot="0" spcFirstLastPara="0" vertOverflow="overflow" horzOverflow="overflow" vert="horz" wrap="square" lIns="121920" tIns="60960" rIns="121920" bIns="60960" numCol="1" spcCol="0" rtlCol="0" fromWordArt="0" anchor="t" anchorCtr="0" forceAA="0" compatLnSpc="1">
+              <a:noAutofit/>
+            </a:bodyPr>
+            <a:lstStyle/>
+            <a:p>
+              <a:r>
+                <a:rPr lang="en-US" altLang="ja-JP" sz="1335" u="sng" dirty="0">
+                  <a:latin typeface="Meiryo UI" panose="020B0604030504040204" pitchFamily="34" charset="-128"/>
+                  <a:ea typeface="Meiryo UI" panose="020B0604030504040204" pitchFamily="34" charset="-128"/>
+                  <a:cs typeface="Meiryo UI" panose="020B0604030504040204" pitchFamily="34" charset="-128"/>
+                </a:rPr>
+                <a:t>K2</a:t>
+              </a:r>
+              <a:r>
+                <a:rPr lang="ja-JP" altLang="en-US" sz="1335" u="sng" dirty="0">
+                  <a:latin typeface="Meiryo UI" panose="020B0604030504040204" pitchFamily="34" charset="-128"/>
+                  <a:ea typeface="Meiryo UI" panose="020B0604030504040204" pitchFamily="34" charset="-128"/>
+                  <a:cs typeface="Meiryo UI" panose="020B0604030504040204" pitchFamily="34" charset="-128"/>
+                </a:rPr>
+                <a:t> </a:t>
+              </a:r>
+              <a:r>
+                <a:rPr lang="en-US" altLang="ja-JP" sz="1335" u="sng" dirty="0">
+                  <a:latin typeface="Meiryo UI" panose="020B0604030504040204" pitchFamily="34" charset="-128"/>
+                  <a:ea typeface="Meiryo UI" panose="020B0604030504040204" pitchFamily="34" charset="-128"/>
+                  <a:cs typeface="Meiryo UI" panose="020B0604030504040204" pitchFamily="34" charset="-128"/>
+                </a:rPr>
+                <a:t>Team</a:t>
+              </a:r>
+              <a:endParaRPr lang="ja-JP" altLang="en-US" sz="1335" u="sng" dirty="0">
+                <a:latin typeface="Meiryo UI" panose="020B0604030504040204" pitchFamily="34" charset="-128"/>
+                <a:ea typeface="Meiryo UI" panose="020B0604030504040204" pitchFamily="34" charset="-128"/>
+                <a:cs typeface="Meiryo UI" panose="020B0604030504040204" pitchFamily="34" charset="-128"/>
+              </a:endParaRPr>
+            </a:p>
+          </p:txBody>
+        </p:sp>
+        <p:sp>
+          <p:nvSpPr>
+            <p:cNvPr id="6" name="正方形/長方形 5"/>
+            <p:cNvSpPr/>
+            <p:nvPr/>
+          </p:nvSpPr>
+          <p:spPr>
+            <a:xfrm>
+              <a:off x="2503367" y="1632871"/>
+              <a:ext cx="1421719" cy="2304000"/>
+            </a:xfrm>
+            <a:prstGeom prst="rect">
+              <a:avLst/>
+            </a:prstGeom>
+            <a:solidFill>
+              <a:schemeClr val="bg1"/>
+            </a:solidFill>
+            <a:ln>
+              <a:solidFill>
+                <a:schemeClr val="tx1">
+                  <a:lumMod val="75000"/>
+                  <a:lumOff val="25000"/>
+                </a:schemeClr>
+              </a:solidFill>
+            </a:ln>
+          </p:spPr>
+          <p:style>
+            <a:lnRef idx="1">
+              <a:schemeClr val="accent1"/>
+            </a:lnRef>
+            <a:fillRef idx="0">
+              <a:schemeClr val="accent1"/>
+            </a:fillRef>
+            <a:effectRef idx="0">
+              <a:schemeClr val="accent1"/>
+            </a:effectRef>
+            <a:fontRef idx="minor">
+              <a:schemeClr val="tx1"/>
+            </a:fontRef>
+          </p:style>
+          <p:txBody>
+            <a:bodyPr rot="0" spcFirstLastPara="0" vertOverflow="overflow" horzOverflow="overflow" vert="horz" wrap="square" lIns="121920" tIns="60960" rIns="121920" bIns="60960" numCol="1" spcCol="0" rtlCol="0" fromWordArt="0" anchor="t" anchorCtr="0" forceAA="0" compatLnSpc="1">
+              <a:noAutofit/>
+            </a:bodyPr>
+            <a:lstStyle/>
+            <a:p>
+              <a:pPr algn="ctr"/>
+              <a:endParaRPr lang="ja-JP" altLang="en-US" sz="1335" u="sng" dirty="0">
+                <a:latin typeface="Meiryo UI" panose="020B0604030504040204" pitchFamily="34" charset="-128"/>
+                <a:ea typeface="Meiryo UI" panose="020B0604030504040204" pitchFamily="34" charset="-128"/>
+                <a:cs typeface="Meiryo UI" panose="020B0604030504040204" pitchFamily="34" charset="-128"/>
+              </a:endParaRPr>
+            </a:p>
+            <a:p>
+              <a:pPr algn="ctr"/>
+              <a:endParaRPr lang="ja-JP" altLang="en-US" sz="1335" u="sng" dirty="0">
+                <a:latin typeface="Meiryo UI" panose="020B0604030504040204" pitchFamily="34" charset="-128"/>
+                <a:ea typeface="Meiryo UI" panose="020B0604030504040204" pitchFamily="34" charset="-128"/>
+                <a:cs typeface="Meiryo UI" panose="020B0604030504040204" pitchFamily="34" charset="-128"/>
+              </a:endParaRPr>
+            </a:p>
+          </p:txBody>
+        </p:sp>
+        <p:sp>
+          <p:nvSpPr>
+            <p:cNvPr id="7" name="正方形/長方形 6"/>
+            <p:cNvSpPr/>
+            <p:nvPr/>
+          </p:nvSpPr>
+          <p:spPr>
+            <a:xfrm>
+              <a:off x="1825839" y="1632871"/>
+              <a:ext cx="576000" cy="2304000"/>
+            </a:xfrm>
+            <a:prstGeom prst="rect">
+              <a:avLst/>
+            </a:prstGeom>
+            <a:solidFill>
+              <a:schemeClr val="bg1"/>
+            </a:solidFill>
+            <a:ln>
+              <a:solidFill>
+                <a:schemeClr val="tx1">
+                  <a:lumMod val="75000"/>
+                  <a:lumOff val="25000"/>
+                </a:schemeClr>
+              </a:solidFill>
+            </a:ln>
+          </p:spPr>
+          <p:style>
+            <a:lnRef idx="1">
+              <a:schemeClr val="accent1"/>
+            </a:lnRef>
+            <a:fillRef idx="0">
+              <a:schemeClr val="accent1"/>
+            </a:fillRef>
+            <a:effectRef idx="0">
+              <a:schemeClr val="accent1"/>
+            </a:effectRef>
+            <a:fontRef idx="minor">
+              <a:schemeClr val="tx1"/>
+            </a:fontRef>
+          </p:style>
+          <p:txBody>
+            <a:bodyPr rot="0" spcFirstLastPara="0" vertOverflow="overflow" horzOverflow="overflow" vert="horz" wrap="none" lIns="121920" tIns="60960" rIns="121920" bIns="60960" numCol="1" spcCol="0" rtlCol="0" fromWordArt="0" anchor="ctr" anchorCtr="0" forceAA="0" compatLnSpc="1">
+              <a:noAutofit/>
+            </a:bodyPr>
+            <a:lstStyle/>
+            <a:p>
+              <a:pPr algn="ctr"/>
+              <a:r>
+                <a:rPr lang="en-US" altLang="ja-JP" sz="1335" dirty="0">
+                  <a:latin typeface="Meiryo UI" panose="020B0604030504040204" pitchFamily="34" charset="-128"/>
+                  <a:ea typeface="Meiryo UI" panose="020B0604030504040204" pitchFamily="34" charset="-128"/>
+                  <a:cs typeface="Meiryo UI" panose="020B0604030504040204" pitchFamily="34" charset="-128"/>
+                </a:rPr>
+                <a:t>ASIS</a:t>
+              </a:r>
+              <a:endParaRPr lang="ja-JP" altLang="en-US" sz="1335" dirty="0">
+                <a:latin typeface="Meiryo UI" panose="020B0604030504040204" pitchFamily="34" charset="-128"/>
+                <a:ea typeface="Meiryo UI" panose="020B0604030504040204" pitchFamily="34" charset="-128"/>
+                <a:cs typeface="Meiryo UI" panose="020B0604030504040204" pitchFamily="34" charset="-128"/>
+              </a:endParaRPr>
+            </a:p>
+          </p:txBody>
+        </p:sp>
+        <p:sp>
+          <p:nvSpPr>
+            <p:cNvPr id="9" name="角丸四角形 15"/>
+            <p:cNvSpPr/>
+            <p:nvPr/>
+          </p:nvSpPr>
+          <p:spPr>
+            <a:xfrm>
+              <a:off x="2815641" y="2056464"/>
+              <a:ext cx="818520" cy="317228"/>
+            </a:xfrm>
+            <a:prstGeom prst="roundRect">
+              <a:avLst/>
+            </a:prstGeom>
+            <a:solidFill>
+              <a:schemeClr val="bg1"/>
+            </a:solidFill>
+            <a:ln>
+              <a:solidFill>
+                <a:schemeClr val="tx1">
+                  <a:lumMod val="75000"/>
+                  <a:lumOff val="25000"/>
+                </a:schemeClr>
+              </a:solidFill>
+            </a:ln>
+          </p:spPr>
+          <p:style>
+            <a:lnRef idx="1">
+              <a:schemeClr val="accent1"/>
+            </a:lnRef>
+            <a:fillRef idx="0">
+              <a:schemeClr val="accent1"/>
+            </a:fillRef>
+            <a:effectRef idx="0">
+              <a:schemeClr val="accent1"/>
+            </a:effectRef>
+            <a:fontRef idx="minor">
+              <a:schemeClr val="tx1"/>
+            </a:fontRef>
+          </p:style>
+          <p:txBody>
+            <a:bodyPr rot="0" spcFirstLastPara="0" vertOverflow="overflow" horzOverflow="overflow" vert="horz" wrap="square" lIns="121920" tIns="60960" rIns="121920" bIns="60960" numCol="1" spcCol="0" rtlCol="0" fromWordArt="0" anchor="ctr" anchorCtr="0" forceAA="0" compatLnSpc="1">
+              <a:noAutofit/>
+            </a:bodyPr>
+            <a:lstStyle/>
+            <a:p>
+              <a:pPr algn="ctr"/>
+              <a:r>
+                <a:rPr lang="en-US" altLang="ja-JP" sz="800" dirty="0">
+                  <a:latin typeface="Meiryo UI" panose="020B0604030504040204" pitchFamily="34" charset="-128"/>
+                  <a:ea typeface="Meiryo UI" panose="020B0604030504040204" pitchFamily="34" charset="-128"/>
+                  <a:cs typeface="Meiryo UI" panose="020B0604030504040204" pitchFamily="34" charset="-128"/>
+                </a:rPr>
+                <a:t>A</a:t>
+              </a:r>
+              <a:r>
+                <a:rPr lang="ja-JP" altLang="en-US" sz="800" dirty="0">
+                  <a:latin typeface="Meiryo UI" panose="020B0604030504040204" pitchFamily="34" charset="-128"/>
+                  <a:ea typeface="Meiryo UI" panose="020B0604030504040204" pitchFamily="34" charset="-128"/>
+                  <a:cs typeface="Meiryo UI" panose="020B0604030504040204" pitchFamily="34" charset="-128"/>
+                </a:rPr>
+                <a:t>pplicant</a:t>
+              </a:r>
+            </a:p>
+          </p:txBody>
+        </p:sp>
+        <p:cxnSp>
+          <p:nvCxnSpPr>
+            <p:cNvPr id="11" name="直線矢印コネクタ 10"/>
+            <p:cNvCxnSpPr/>
+            <p:nvPr/>
+          </p:nvCxnSpPr>
+          <p:spPr>
+            <a:xfrm>
+              <a:off x="3447739" y="2594704"/>
+              <a:ext cx="741198" cy="8704"/>
+            </a:xfrm>
+            <a:prstGeom prst="straightConnector1">
+              <a:avLst/>
+            </a:prstGeom>
+            <a:ln>
+              <a:solidFill>
+                <a:schemeClr val="tx1">
+                  <a:lumMod val="50000"/>
+                  <a:lumOff val="50000"/>
+                </a:schemeClr>
+              </a:solidFill>
+              <a:headEnd type="none" w="med" len="med"/>
+              <a:tailEnd type="triangle" w="med" len="med"/>
+            </a:ln>
+          </p:spPr>
+          <p:style>
+            <a:lnRef idx="1">
+              <a:schemeClr val="accent1"/>
+            </a:lnRef>
+            <a:fillRef idx="0">
+              <a:schemeClr val="accent1"/>
+            </a:fillRef>
+            <a:effectRef idx="0">
+              <a:schemeClr val="accent1"/>
+            </a:effectRef>
+            <a:fontRef idx="minor">
+              <a:schemeClr val="tx1"/>
+            </a:fontRef>
+          </p:style>
+        </p:cxnSp>
+        <p:cxnSp>
+          <p:nvCxnSpPr>
+            <p:cNvPr id="12" name="直線矢印コネクタ 11"/>
+            <p:cNvCxnSpPr>
+              <a:cxnSpLocks/>
+            </p:cNvCxnSpPr>
+            <p:nvPr/>
+          </p:nvCxnSpPr>
+          <p:spPr>
+            <a:xfrm flipH="1">
+              <a:off x="4762522" y="2781017"/>
+              <a:ext cx="1051241" cy="0"/>
+            </a:xfrm>
+            <a:prstGeom prst="straightConnector1">
+              <a:avLst/>
+            </a:prstGeom>
+            <a:ln>
+              <a:solidFill>
+                <a:schemeClr val="tx1">
+                  <a:lumMod val="50000"/>
+                  <a:lumOff val="50000"/>
+                </a:schemeClr>
+              </a:solidFill>
+              <a:headEnd type="triangle" w="med" len="med"/>
+              <a:tailEnd type="none" w="med" len="med"/>
+            </a:ln>
+          </p:spPr>
+          <p:style>
+            <a:lnRef idx="1">
+              <a:schemeClr val="accent1"/>
+            </a:lnRef>
+            <a:fillRef idx="0">
+              <a:schemeClr val="accent1"/>
+            </a:fillRef>
+            <a:effectRef idx="0">
+              <a:schemeClr val="accent1"/>
+            </a:effectRef>
+            <a:fontRef idx="minor">
+              <a:schemeClr val="tx1"/>
+            </a:fontRef>
+          </p:style>
+        </p:cxnSp>
+        <p:sp>
+          <p:nvSpPr>
+            <p:cNvPr id="13" name="正方形/長方形 12"/>
+            <p:cNvSpPr/>
+            <p:nvPr/>
+          </p:nvSpPr>
+          <p:spPr>
+            <a:xfrm>
+              <a:off x="9076486" y="1631654"/>
+              <a:ext cx="1935595" cy="2304000"/>
+            </a:xfrm>
+            <a:prstGeom prst="rect">
+              <a:avLst/>
+            </a:prstGeom>
+            <a:solidFill>
+              <a:schemeClr val="bg1"/>
+            </a:solidFill>
+            <a:ln>
+              <a:solidFill>
+                <a:schemeClr val="tx1">
+                  <a:lumMod val="75000"/>
+                  <a:lumOff val="25000"/>
+                </a:schemeClr>
+              </a:solidFill>
+            </a:ln>
+          </p:spPr>
+          <p:style>
+            <a:lnRef idx="1">
+              <a:schemeClr val="accent1"/>
+            </a:lnRef>
+            <a:fillRef idx="0">
+              <a:schemeClr val="accent1"/>
+            </a:fillRef>
+            <a:effectRef idx="0">
+              <a:schemeClr val="accent1"/>
+            </a:effectRef>
+            <a:fontRef idx="minor">
+              <a:schemeClr val="tx1"/>
+            </a:fontRef>
+          </p:style>
+          <p:txBody>
+            <a:bodyPr rot="0" spcFirstLastPara="0" vertOverflow="overflow" horzOverflow="overflow" vert="horz" wrap="square" lIns="121920" tIns="60960" rIns="121920" bIns="60960" numCol="1" spcCol="0" rtlCol="0" fromWordArt="0" anchor="t" anchorCtr="0" forceAA="0" compatLnSpc="1">
+              <a:noAutofit/>
+            </a:bodyPr>
+            <a:lstStyle/>
+            <a:p>
+              <a:r>
+                <a:rPr lang="en-US" altLang="ja-JP" sz="1335" u="sng" dirty="0">
+                  <a:latin typeface="Meiryo UI" panose="020B0604030504040204" pitchFamily="34" charset="-128"/>
+                  <a:ea typeface="Meiryo UI" panose="020B0604030504040204" pitchFamily="34" charset="-128"/>
+                  <a:cs typeface="Meiryo UI" panose="020B0604030504040204" pitchFamily="34" charset="-128"/>
+                </a:rPr>
+                <a:t>financial department</a:t>
+              </a:r>
+              <a:endParaRPr lang="ja-JP" altLang="en-US" sz="1335" u="sng" dirty="0">
+                <a:latin typeface="Meiryo UI" panose="020B0604030504040204" pitchFamily="34" charset="-128"/>
+                <a:ea typeface="Meiryo UI" panose="020B0604030504040204" pitchFamily="34" charset="-128"/>
+                <a:cs typeface="Meiryo UI" panose="020B0604030504040204" pitchFamily="34" charset="-128"/>
+              </a:endParaRPr>
+            </a:p>
+          </p:txBody>
+        </p:sp>
+        <p:pic>
+          <p:nvPicPr>
+            <p:cNvPr id="26" name="Picture 14" descr="ICON_Person_Orange_Q408.png"/>
+            <p:cNvPicPr>
+              <a:picLocks noChangeAspect="1"/>
+            </p:cNvPicPr>
+            <p:nvPr/>
+          </p:nvPicPr>
+          <p:blipFill>
+            <a:blip r:embed="rId2"/>
+            <a:srcRect/>
+            <a:stretch>
+              <a:fillRect/>
+            </a:stretch>
+          </p:blipFill>
+          <p:spPr bwMode="auto">
+            <a:xfrm>
+              <a:off x="10610083" y="2346615"/>
+              <a:ext cx="253500" cy="439433"/>
+            </a:xfrm>
+            <a:prstGeom prst="rect">
+              <a:avLst/>
+            </a:prstGeom>
+            <a:noFill/>
+            <a:ln w="9525">
+              <a:noFill/>
+              <a:miter lim="800000"/>
+              <a:headEnd/>
+              <a:tailEnd/>
+            </a:ln>
+          </p:spPr>
+        </p:pic>
+        <p:pic>
+          <p:nvPicPr>
+            <p:cNvPr id="35" name="Picture 27" descr="MC900433941"/>
+            <p:cNvPicPr>
+              <a:picLocks noChangeAspect="1" noChangeArrowheads="1"/>
+            </p:cNvPicPr>
+            <p:nvPr/>
+          </p:nvPicPr>
+          <p:blipFill>
+            <a:blip r:embed="rId3" cstate="screen"/>
+            <a:srcRect/>
+            <a:stretch>
+              <a:fillRect/>
+            </a:stretch>
+          </p:blipFill>
+          <p:spPr bwMode="auto">
+            <a:xfrm>
+              <a:off x="7312835" y="2001770"/>
+              <a:ext cx="504825" cy="534988"/>
+            </a:xfrm>
+            <a:prstGeom prst="rect">
+              <a:avLst/>
+            </a:prstGeom>
+            <a:noFill/>
+            <a:ln>
+              <a:noFill/>
+            </a:ln>
+            <a:extLst>
+              <a:ext uri="{909E8E84-426E-40DD-AFC4-6F175D3DCCD1}">
+                <a14:hiddenFill xmlns:a14="http://schemas.microsoft.com/office/drawing/2010/main">
+                  <a:solidFill>
+                    <a:srgbClr val="FFFFFF"/>
+                  </a:solidFill>
+                </a14:hiddenFill>
+              </a:ext>
+              <a:ext uri="{91240B29-F687-4F45-9708-019B960494DF}">
+                <a14:hiddenLine xmlns:a14="http://schemas.microsoft.com/office/drawing/2010/main" w="9525">
+                  <a:solidFill>
+                    <a:srgbClr val="000000"/>
+                  </a:solidFill>
+                  <a:miter lim="800000"/>
+                  <a:headEnd/>
+                  <a:tailEnd/>
+                </a14:hiddenLine>
+              </a:ext>
+            </a:extLst>
+          </p:spPr>
+        </p:pic>
+        <p:pic>
+          <p:nvPicPr>
+            <p:cNvPr id="36" name="Picture 27" descr="MC900433941"/>
+            <p:cNvPicPr>
+              <a:picLocks noChangeAspect="1" noChangeArrowheads="1"/>
+            </p:cNvPicPr>
+            <p:nvPr/>
+          </p:nvPicPr>
+          <p:blipFill>
+            <a:blip r:embed="rId3" cstate="screen"/>
+            <a:srcRect/>
+            <a:stretch>
+              <a:fillRect/>
+            </a:stretch>
+          </p:blipFill>
+          <p:spPr bwMode="auto">
+            <a:xfrm>
+              <a:off x="4265562" y="2316286"/>
+              <a:ext cx="504825" cy="534988"/>
+            </a:xfrm>
+            <a:prstGeom prst="rect">
+              <a:avLst/>
+            </a:prstGeom>
+            <a:noFill/>
+            <a:ln>
+              <a:noFill/>
+            </a:ln>
+            <a:extLst>
+              <a:ext uri="{909E8E84-426E-40DD-AFC4-6F175D3DCCD1}">
+                <a14:hiddenFill xmlns:a14="http://schemas.microsoft.com/office/drawing/2010/main">
+                  <a:solidFill>
+                    <a:srgbClr val="FFFFFF"/>
+                  </a:solidFill>
+                </a14:hiddenFill>
+              </a:ext>
+              <a:ext uri="{91240B29-F687-4F45-9708-019B960494DF}">
+                <a14:hiddenLine xmlns:a14="http://schemas.microsoft.com/office/drawing/2010/main" w="9525">
+                  <a:solidFill>
+                    <a:srgbClr val="000000"/>
+                  </a:solidFill>
+                  <a:miter lim="800000"/>
+                  <a:headEnd/>
+                  <a:tailEnd/>
+                </a14:hiddenLine>
+              </a:ext>
+            </a:extLst>
+          </p:spPr>
+        </p:pic>
+        <p:pic>
+          <p:nvPicPr>
+            <p:cNvPr id="37" name="Picture 95" descr="10"/>
+            <p:cNvPicPr>
+              <a:picLocks noChangeAspect="1" noChangeArrowheads="1"/>
+            </p:cNvPicPr>
+            <p:nvPr/>
+          </p:nvPicPr>
+          <p:blipFill>
+            <a:blip r:embed="rId4" cstate="screen">
+              <a:extLst>
+                <a:ext uri="{28A0092B-C50C-407E-A947-70E740481C1C}">
+                  <a14:useLocalDpi xmlns:a14="http://schemas.microsoft.com/office/drawing/2010/main" val="0"/>
+                </a:ext>
+              </a:extLst>
+            </a:blip>
+            <a:srcRect/>
+            <a:stretch>
+              <a:fillRect/>
+            </a:stretch>
+          </p:blipFill>
+          <p:spPr bwMode="auto">
+            <a:xfrm>
+              <a:off x="6522396" y="2403559"/>
+              <a:ext cx="253461" cy="145154"/>
+            </a:xfrm>
+            <a:prstGeom prst="rect">
+              <a:avLst/>
+            </a:prstGeom>
+            <a:noFill/>
+            <a:extLst>
+              <a:ext uri="{909E8E84-426E-40DD-AFC4-6F175D3DCCD1}">
+                <a14:hiddenFill xmlns:a14="http://schemas.microsoft.com/office/drawing/2010/main">
+                  <a:solidFill>
+                    <a:srgbClr val="FFFFFF"/>
+                  </a:solidFill>
+                </a14:hiddenFill>
+              </a:ext>
+            </a:extLst>
+          </p:spPr>
+        </p:pic>
+        <p:pic>
+          <p:nvPicPr>
+            <p:cNvPr id="3" name="Picture 210" descr="ICON_Person_Q308"/>
+            <p:cNvPicPr>
+              <a:picLocks noChangeAspect="1" noChangeArrowheads="1"/>
+            </p:cNvPicPr>
+            <p:nvPr/>
+          </p:nvPicPr>
+          <p:blipFill>
+            <a:blip r:embed="rId5"/>
+            <a:srcRect/>
+            <a:stretch>
+              <a:fillRect/>
+            </a:stretch>
+          </p:blipFill>
+          <p:spPr bwMode="auto">
+            <a:xfrm>
+              <a:off x="3100794" y="2444879"/>
+              <a:ext cx="253500" cy="432000"/>
+            </a:xfrm>
+            <a:prstGeom prst="rect">
+              <a:avLst/>
+            </a:prstGeom>
+            <a:noFill/>
+            <a:ln w="9525">
+              <a:noFill/>
+              <a:miter lim="800000"/>
+              <a:headEnd/>
+              <a:tailEnd/>
+            </a:ln>
+          </p:spPr>
+        </p:pic>
+        <p:sp>
+          <p:nvSpPr>
+            <p:cNvPr id="53" name="角丸四角形 15"/>
+            <p:cNvSpPr/>
+            <p:nvPr/>
+          </p:nvSpPr>
+          <p:spPr>
+            <a:xfrm>
+              <a:off x="10875033" y="2333855"/>
+              <a:ext cx="733630" cy="269553"/>
+            </a:xfrm>
+            <a:prstGeom prst="roundRect">
+              <a:avLst/>
+            </a:prstGeom>
+            <a:solidFill>
+              <a:schemeClr val="bg1"/>
+            </a:solidFill>
+            <a:ln>
+              <a:solidFill>
+                <a:schemeClr val="tx1">
+                  <a:lumMod val="75000"/>
+                  <a:lumOff val="25000"/>
+                </a:schemeClr>
+              </a:solidFill>
+            </a:ln>
+          </p:spPr>
+          <p:style>
+            <a:lnRef idx="1">
+              <a:schemeClr val="accent1"/>
+            </a:lnRef>
+            <a:fillRef idx="0">
+              <a:schemeClr val="accent1"/>
+            </a:fillRef>
+            <a:effectRef idx="0">
+              <a:schemeClr val="accent1"/>
+            </a:effectRef>
+            <a:fontRef idx="minor">
+              <a:schemeClr val="tx1"/>
+            </a:fontRef>
+          </p:style>
+          <p:txBody>
+            <a:bodyPr rot="0" spcFirstLastPara="0" vertOverflow="overflow" horzOverflow="overflow" vert="horz" wrap="square" lIns="121920" tIns="60960" rIns="121920" bIns="60960" numCol="1" spcCol="0" rtlCol="0" fromWordArt="0" anchor="ctr" anchorCtr="0" forceAA="0" compatLnSpc="1">
+              <a:noAutofit/>
+            </a:bodyPr>
+            <a:lstStyle/>
+            <a:p>
+              <a:pPr algn="ctr"/>
+              <a:r>
+                <a:rPr lang="en-US" sz="800" dirty="0">
+                  <a:latin typeface="Meiryo UI" panose="020B0604030504040204" pitchFamily="34" charset="-128"/>
+                  <a:ea typeface="Meiryo UI" panose="020B0604030504040204" pitchFamily="34" charset="-128"/>
+                  <a:cs typeface="Meiryo UI" panose="020B0604030504040204" pitchFamily="34" charset="-128"/>
+                </a:rPr>
+                <a:t>N</a:t>
+              </a:r>
+              <a:r>
+                <a:rPr sz="800" dirty="0">
+                  <a:latin typeface="Meiryo UI" panose="020B0604030504040204" pitchFamily="34" charset="-128"/>
+                  <a:ea typeface="Meiryo UI" panose="020B0604030504040204" pitchFamily="34" charset="-128"/>
+                  <a:cs typeface="Meiryo UI" panose="020B0604030504040204" pitchFamily="34" charset="-128"/>
+                </a:rPr>
+                <a:t>ew </a:t>
+              </a:r>
+              <a:r>
+                <a:rPr lang="en-US" altLang="ja-JP" sz="800" dirty="0">
+                  <a:solidFill>
+                    <a:srgbClr val="000000"/>
+                  </a:solidFill>
+                  <a:latin typeface="Meiryo UI" panose="020B0604030504040204" pitchFamily="34" charset="-128"/>
+                  <a:ea typeface="Meiryo UI" panose="020B0604030504040204" pitchFamily="34" charset="-128"/>
+                </a:rPr>
+                <a:t> approver</a:t>
+              </a:r>
+              <a:endParaRPr sz="800" dirty="0">
+                <a:latin typeface="Meiryo UI" panose="020B0604030504040204" pitchFamily="34" charset="-128"/>
+                <a:ea typeface="Meiryo UI" panose="020B0604030504040204" pitchFamily="34" charset="-128"/>
+                <a:cs typeface="Meiryo UI" panose="020B0604030504040204" pitchFamily="34" charset="-128"/>
+              </a:endParaRPr>
+            </a:p>
+          </p:txBody>
+        </p:sp>
+        <p:cxnSp>
+          <p:nvCxnSpPr>
+            <p:cNvPr id="77" name="直線矢印コネクタ 11"/>
+            <p:cNvCxnSpPr/>
+            <p:nvPr/>
+          </p:nvCxnSpPr>
+          <p:spPr>
+            <a:xfrm flipH="1" flipV="1">
+              <a:off x="6842979" y="2275242"/>
+              <a:ext cx="478268" cy="9549"/>
+            </a:xfrm>
+            <a:prstGeom prst="straightConnector1">
+              <a:avLst/>
+            </a:prstGeom>
+            <a:ln>
+              <a:solidFill>
+                <a:schemeClr val="tx1">
+                  <a:lumMod val="50000"/>
+                  <a:lumOff val="50000"/>
+                </a:schemeClr>
+              </a:solidFill>
+              <a:headEnd type="triangle" w="med" len="med"/>
+              <a:tailEnd type="none" w="med" len="med"/>
+            </a:ln>
+          </p:spPr>
+          <p:style>
+            <a:lnRef idx="1">
+              <a:schemeClr val="accent1"/>
+            </a:lnRef>
+            <a:fillRef idx="0">
+              <a:schemeClr val="accent1"/>
+            </a:fillRef>
+            <a:effectRef idx="0">
+              <a:schemeClr val="accent1"/>
+            </a:effectRef>
+            <a:fontRef idx="minor">
+              <a:schemeClr val="tx1"/>
+            </a:fontRef>
+          </p:style>
+        </p:cxnSp>
+        <p:cxnSp>
+          <p:nvCxnSpPr>
+            <p:cNvPr id="39" name="直線矢印コネクタ 11">
+              <a:extLst>
+                <a:ext uri="{FF2B5EF4-FFF2-40B4-BE49-F238E27FC236}">
+                  <a16:creationId xmlns:a16="http://schemas.microsoft.com/office/drawing/2014/main" id="{33202E5E-3E8A-4507-9FF8-7EAABE337AD8}"/>
+                </a:ext>
+              </a:extLst>
+            </p:cNvPr>
+            <p:cNvCxnSpPr>
+              <a:cxnSpLocks/>
+            </p:cNvCxnSpPr>
+            <p:nvPr/>
+          </p:nvCxnSpPr>
+          <p:spPr>
+            <a:xfrm flipH="1">
+              <a:off x="7936076" y="2384630"/>
+              <a:ext cx="867715" cy="0"/>
+            </a:xfrm>
+            <a:prstGeom prst="straightConnector1">
+              <a:avLst/>
+            </a:prstGeom>
+            <a:ln>
+              <a:solidFill>
+                <a:schemeClr val="tx1">
+                  <a:lumMod val="50000"/>
+                  <a:lumOff val="50000"/>
+                </a:schemeClr>
+              </a:solidFill>
+              <a:headEnd type="triangle" w="med" len="med"/>
+              <a:tailEnd type="none" w="med" len="med"/>
+            </a:ln>
+          </p:spPr>
+          <p:style>
+            <a:lnRef idx="1">
+              <a:schemeClr val="accent1"/>
+            </a:lnRef>
+            <a:fillRef idx="0">
+              <a:schemeClr val="accent1"/>
+            </a:fillRef>
+            <a:effectRef idx="0">
+              <a:schemeClr val="accent1"/>
+            </a:effectRef>
+            <a:fontRef idx="minor">
+              <a:schemeClr val="tx1"/>
+            </a:fontRef>
+          </p:style>
+        </p:cxnSp>
+        <p:cxnSp>
+          <p:nvCxnSpPr>
+            <p:cNvPr id="60" name="直線矢印コネクタ 11">
+              <a:extLst>
+                <a:ext uri="{FF2B5EF4-FFF2-40B4-BE49-F238E27FC236}">
+                  <a16:creationId xmlns:a16="http://schemas.microsoft.com/office/drawing/2014/main" id="{3F93F57B-6847-4003-A709-D79A2ADDDC98}"/>
+                </a:ext>
+              </a:extLst>
+            </p:cNvPr>
+            <p:cNvCxnSpPr>
+              <a:cxnSpLocks/>
+            </p:cNvCxnSpPr>
+            <p:nvPr/>
+          </p:nvCxnSpPr>
+          <p:spPr>
+            <a:xfrm flipH="1" flipV="1">
+              <a:off x="10400461" y="2058637"/>
+              <a:ext cx="268571" cy="271299"/>
+            </a:xfrm>
+            <a:prstGeom prst="straightConnector1">
+              <a:avLst/>
+            </a:prstGeom>
+            <a:ln>
+              <a:solidFill>
+                <a:schemeClr val="tx1">
+                  <a:lumMod val="50000"/>
+                  <a:lumOff val="50000"/>
+                </a:schemeClr>
+              </a:solidFill>
+              <a:headEnd type="triangle" w="med" len="med"/>
+              <a:tailEnd type="none" w="med" len="med"/>
+            </a:ln>
+          </p:spPr>
+          <p:style>
+            <a:lnRef idx="1">
+              <a:schemeClr val="accent1"/>
+            </a:lnRef>
+            <a:fillRef idx="0">
+              <a:schemeClr val="accent1"/>
+            </a:fillRef>
+            <a:effectRef idx="0">
+              <a:schemeClr val="accent1"/>
+            </a:effectRef>
+            <a:fontRef idx="minor">
+              <a:schemeClr val="tx1"/>
+            </a:fontRef>
+          </p:style>
+        </p:cxnSp>
+      </p:grpSp>
+      <p:sp>
+        <p:nvSpPr>
+          <p:cNvPr id="47" name="Title 2"/>
+          <p:cNvSpPr>
+            <a:spLocks noGrp="1"/>
+          </p:cNvSpPr>
+          <p:nvPr>
+            <p:ph type="title"/>
+          </p:nvPr>
+        </p:nvSpPr>
+        <p:spPr>
+          <a:xfrm>
+            <a:off x="345018" y="332077"/>
+            <a:ext cx="10727601" cy="423828"/>
+          </a:xfrm>
+        </p:spPr>
+        <p:txBody>
+          <a:bodyPr/>
+          <a:lstStyle/>
+          <a:p>
+            <a:r>
+              <a:rPr lang="en-US" dirty="0"/>
+              <a:t>Category: Request redirect and delegate</a:t>
+            </a:r>
+          </a:p>
+        </p:txBody>
+      </p:sp>
+      <p:sp>
+        <p:nvSpPr>
+          <p:cNvPr id="2" name="Rectangle 18"/>
+          <p:cNvSpPr/>
+          <p:nvPr/>
+        </p:nvSpPr>
+        <p:spPr>
+          <a:xfrm>
+            <a:off x="516469" y="1309655"/>
+            <a:ext cx="11081087" cy="583565"/>
+          </a:xfrm>
+          <a:prstGeom prst="rect">
+            <a:avLst/>
+          </a:prstGeom>
+        </p:spPr>
+        <p:txBody>
+          <a:bodyPr wrap="square">
+            <a:spAutoFit/>
+          </a:bodyPr>
+          <a:lstStyle/>
+          <a:p>
+            <a:r>
+              <a:rPr lang="en-US" altLang="ja-JP" sz="1600" dirty="0">
+                <a:solidFill>
+                  <a:srgbClr val="000000"/>
+                </a:solidFill>
+                <a:latin typeface="Meiryo UI" panose="020B0604030504040204" pitchFamily="34" charset="-128"/>
+                <a:ea typeface="Meiryo UI" panose="020B0604030504040204" pitchFamily="34" charset="-128"/>
+              </a:rPr>
+              <a:t>Description: Ticket needs to be redirected to a new approver due to system configuration not up-to-date or report line issues or some other reasons.</a:t>
+            </a:r>
+          </a:p>
+        </p:txBody>
+      </p:sp>
+      <p:sp>
+        <p:nvSpPr>
+          <p:cNvPr id="38" name="Rectangle 18"/>
+          <p:cNvSpPr/>
+          <p:nvPr/>
+        </p:nvSpPr>
+        <p:spPr>
+          <a:xfrm>
+            <a:off x="4439816" y="3019931"/>
+            <a:ext cx="896662" cy="553085"/>
+          </a:xfrm>
+          <a:prstGeom prst="rect">
+            <a:avLst/>
+          </a:prstGeom>
+        </p:spPr>
+        <p:txBody>
+          <a:bodyPr wrap="square">
+            <a:spAutoFit/>
+          </a:bodyPr>
+          <a:lstStyle/>
+          <a:p>
+            <a:r>
+              <a:rPr lang="en-US" altLang="ja-JP" sz="1000" dirty="0">
+                <a:solidFill>
+                  <a:srgbClr val="000000"/>
+                </a:solidFill>
+                <a:latin typeface="Meiryo UI" panose="020B0604030504040204" pitchFamily="34" charset="-128"/>
+                <a:ea typeface="Meiryo UI" panose="020B0604030504040204" pitchFamily="34" charset="-128"/>
+              </a:rPr>
+              <a:t>original approver 's node? </a:t>
+            </a:r>
+          </a:p>
+        </p:txBody>
+      </p:sp>
+      <p:sp>
+        <p:nvSpPr>
+          <p:cNvPr id="42" name="Left Brace 9"/>
+          <p:cNvSpPr/>
+          <p:nvPr/>
+        </p:nvSpPr>
+        <p:spPr>
+          <a:xfrm>
+            <a:off x="5519936" y="2852936"/>
+            <a:ext cx="398145" cy="1400175"/>
+          </a:xfrm>
+          <a:prstGeom prst="leftBrace">
+            <a:avLst/>
+          </a:prstGeom>
+        </p:spPr>
+        <p:style>
+          <a:lnRef idx="1">
+            <a:schemeClr val="accent1"/>
+          </a:lnRef>
+          <a:fillRef idx="0">
+            <a:schemeClr val="accent1"/>
+          </a:fillRef>
+          <a:effectRef idx="0">
+            <a:schemeClr val="accent1"/>
+          </a:effectRef>
+          <a:fontRef idx="minor">
+            <a:schemeClr val="tx1"/>
+          </a:fontRef>
+        </p:style>
+        <p:txBody>
+          <a:bodyPr rtlCol="0" anchor="ctr"/>
+          <a:lstStyle/>
+          <a:p>
+            <a:pPr algn="ctr"/>
+            <a:endParaRPr lang="en-US"/>
+          </a:p>
+        </p:txBody>
+      </p:sp>
+      <p:sp>
+        <p:nvSpPr>
+          <p:cNvPr id="49" name="Rectangle 18"/>
+          <p:cNvSpPr/>
+          <p:nvPr/>
+        </p:nvSpPr>
+        <p:spPr>
+          <a:xfrm>
+            <a:off x="5303912" y="3903970"/>
+            <a:ext cx="394970" cy="245110"/>
+          </a:xfrm>
+          <a:prstGeom prst="rect">
+            <a:avLst/>
+          </a:prstGeom>
+        </p:spPr>
+        <p:txBody>
+          <a:bodyPr wrap="square">
+            <a:spAutoFit/>
+          </a:bodyPr>
+          <a:lstStyle/>
+          <a:p>
+            <a:r>
+              <a:rPr lang="en-US" altLang="ja-JP" sz="1000" dirty="0">
+                <a:solidFill>
+                  <a:srgbClr val="000000"/>
+                </a:solidFill>
+                <a:latin typeface="Meiryo UI" panose="020B0604030504040204" pitchFamily="34" charset="-128"/>
+                <a:ea typeface="Meiryo UI" panose="020B0604030504040204" pitchFamily="34" charset="-128"/>
+              </a:rPr>
+              <a:t>NO</a:t>
+            </a:r>
+          </a:p>
+        </p:txBody>
+      </p:sp>
+      <p:sp>
+        <p:nvSpPr>
+          <p:cNvPr id="50" name="Rectangle 18"/>
+          <p:cNvSpPr/>
+          <p:nvPr/>
+        </p:nvSpPr>
+        <p:spPr>
+          <a:xfrm>
+            <a:off x="5280665" y="3039874"/>
+            <a:ext cx="455295" cy="245110"/>
+          </a:xfrm>
+          <a:prstGeom prst="rect">
+            <a:avLst/>
+          </a:prstGeom>
+        </p:spPr>
+        <p:txBody>
+          <a:bodyPr wrap="square">
+            <a:spAutoFit/>
+          </a:bodyPr>
+          <a:lstStyle/>
+          <a:p>
+            <a:r>
+              <a:rPr lang="en-US" altLang="ja-JP" sz="1000" dirty="0">
+                <a:solidFill>
+                  <a:srgbClr val="000000"/>
+                </a:solidFill>
+                <a:latin typeface="Meiryo UI" panose="020B0604030504040204" pitchFamily="34" charset="-128"/>
+                <a:ea typeface="Meiryo UI" panose="020B0604030504040204" pitchFamily="34" charset="-128"/>
+              </a:rPr>
+              <a:t>YES</a:t>
+            </a:r>
+          </a:p>
+        </p:txBody>
+      </p:sp>
+      <p:pic>
+        <p:nvPicPr>
+          <p:cNvPr id="75" name="Picture 26" descr="Related image"/>
+          <p:cNvPicPr>
+            <a:picLocks noChangeAspect="1" noChangeArrowheads="1"/>
+          </p:cNvPicPr>
+          <p:nvPr/>
+        </p:nvPicPr>
+        <p:blipFill>
+          <a:blip r:embed="rId6" cstate="print">
+            <a:extLst>
+              <a:ext uri="{28A0092B-C50C-407E-A947-70E740481C1C}">
+                <a14:useLocalDpi xmlns:a14="http://schemas.microsoft.com/office/drawing/2010/main" val="0"/>
+              </a:ext>
+            </a:extLst>
+          </a:blip>
+          <a:srcRect/>
+          <a:stretch>
+            <a:fillRect/>
+          </a:stretch>
+        </p:blipFill>
+        <p:spPr bwMode="auto">
+          <a:xfrm>
+            <a:off x="6960096" y="4077072"/>
+            <a:ext cx="317593" cy="317593"/>
+          </a:xfrm>
+          <a:prstGeom prst="rect">
+            <a:avLst/>
+          </a:prstGeom>
+          <a:noFill/>
+          <a:extLst>
+            <a:ext uri="{909E8E84-426E-40DD-AFC4-6F175D3DCCD1}">
+              <a14:hiddenFill xmlns:a14="http://schemas.microsoft.com/office/drawing/2010/main">
+                <a:solidFill>
+                  <a:srgbClr val="FFFFFF"/>
+                </a:solidFill>
+              </a14:hiddenFill>
+            </a:ext>
+          </a:extLst>
+        </p:spPr>
+      </p:pic>
+      <p:sp>
+        <p:nvSpPr>
+          <p:cNvPr id="51" name="Rectangle 18"/>
+          <p:cNvSpPr/>
+          <p:nvPr/>
+        </p:nvSpPr>
+        <p:spPr>
+          <a:xfrm>
+            <a:off x="5951984" y="4149080"/>
+            <a:ext cx="1060450" cy="245110"/>
+          </a:xfrm>
+          <a:prstGeom prst="rect">
+            <a:avLst/>
+          </a:prstGeom>
+        </p:spPr>
+        <p:txBody>
+          <a:bodyPr wrap="square">
+            <a:spAutoFit/>
+          </a:bodyPr>
+          <a:lstStyle/>
+          <a:p>
+            <a:r>
+              <a:rPr lang="en-US" altLang="ja-JP" sz="1000" dirty="0">
+                <a:solidFill>
+                  <a:srgbClr val="000000"/>
+                </a:solidFill>
+                <a:latin typeface="Meiryo UI" panose="020B0604030504040204" pitchFamily="34" charset="-128"/>
+                <a:ea typeface="Meiryo UI" panose="020B0604030504040204" pitchFamily="34" charset="-128"/>
+              </a:rPr>
+              <a:t>Can't redirect </a:t>
+            </a:r>
+          </a:p>
+        </p:txBody>
+      </p:sp>
+      <p:sp>
+        <p:nvSpPr>
+          <p:cNvPr id="52" name="Rectangle 18"/>
+          <p:cNvSpPr/>
+          <p:nvPr/>
+        </p:nvSpPr>
+        <p:spPr>
+          <a:xfrm>
+            <a:off x="5879976" y="2348880"/>
+            <a:ext cx="936104" cy="707886"/>
+          </a:xfrm>
+          <a:prstGeom prst="rect">
+            <a:avLst/>
+          </a:prstGeom>
+        </p:spPr>
+        <p:txBody>
+          <a:bodyPr wrap="square">
+            <a:spAutoFit/>
+          </a:bodyPr>
+          <a:lstStyle/>
+          <a:p>
+            <a:r>
+              <a:rPr lang="en-US" altLang="ja-JP" sz="1000" dirty="0">
+                <a:solidFill>
+                  <a:srgbClr val="000000"/>
+                </a:solidFill>
+                <a:latin typeface="Meiryo UI" panose="020B0604030504040204" pitchFamily="34" charset="-128"/>
+                <a:ea typeface="Meiryo UI" panose="020B0604030504040204" pitchFamily="34" charset="-128"/>
+              </a:rPr>
+              <a:t>New approver 's approval mail </a:t>
+            </a:r>
+          </a:p>
+        </p:txBody>
+      </p:sp>
+      <p:sp>
+        <p:nvSpPr>
+          <p:cNvPr id="79" name="Rectangle: Folded Corner 9"/>
+          <p:cNvSpPr/>
+          <p:nvPr/>
+        </p:nvSpPr>
+        <p:spPr>
+          <a:xfrm>
+            <a:off x="4223792" y="3717032"/>
+            <a:ext cx="1073785" cy="648335"/>
+          </a:xfrm>
+          <a:prstGeom prst="foldedCorner">
+            <a:avLst>
+              <a:gd name="adj" fmla="val 9802"/>
+            </a:avLst>
+          </a:prstGeom>
+          <a:solidFill>
+            <a:schemeClr val="accent6"/>
+          </a:solidFill>
+        </p:spPr>
+        <p:style>
+          <a:lnRef idx="2">
+            <a:schemeClr val="accent1">
+              <a:shade val="50000"/>
+            </a:schemeClr>
+          </a:lnRef>
+          <a:fillRef idx="1">
+            <a:schemeClr val="accent1"/>
+          </a:fillRef>
+          <a:effectRef idx="0">
+            <a:schemeClr val="accent1"/>
+          </a:effectRef>
+          <a:fontRef idx="minor">
+            <a:schemeClr val="lt1"/>
+          </a:fontRef>
+        </p:style>
+        <p:txBody>
+          <a:bodyPr rtlCol="0" anchor="ctr"/>
+          <a:lstStyle/>
+          <a:p>
+            <a:pPr algn="ctr"/>
+            <a:r>
+              <a:rPr lang="en-US" altLang="ja-JP" sz="1200" dirty="0">
+                <a:solidFill>
+                  <a:schemeClr val="tx1"/>
+                </a:solidFill>
+                <a:latin typeface="Meiryo UI" panose="020B0604030504040204" pitchFamily="34" charset="-128"/>
+                <a:ea typeface="Meiryo UI" panose="020B0604030504040204" pitchFamily="34" charset="-128"/>
+              </a:rPr>
+              <a:t>K2 ticket delegate tools</a:t>
+            </a:r>
+          </a:p>
+        </p:txBody>
+      </p:sp>
+      <p:sp>
+        <p:nvSpPr>
+          <p:cNvPr id="80" name="Rectangle: Folded Corner 9"/>
+          <p:cNvSpPr/>
+          <p:nvPr/>
+        </p:nvSpPr>
+        <p:spPr>
+          <a:xfrm>
+            <a:off x="6744072" y="3284853"/>
+            <a:ext cx="1073785" cy="648335"/>
+          </a:xfrm>
+          <a:prstGeom prst="foldedCorner">
+            <a:avLst>
+              <a:gd name="adj" fmla="val 9802"/>
+            </a:avLst>
+          </a:prstGeom>
+          <a:solidFill>
+            <a:schemeClr val="accent6"/>
+          </a:solidFill>
+        </p:spPr>
+        <p:style>
+          <a:lnRef idx="2">
+            <a:schemeClr val="accent1">
+              <a:shade val="50000"/>
+            </a:schemeClr>
+          </a:lnRef>
+          <a:fillRef idx="1">
+            <a:schemeClr val="accent1"/>
+          </a:fillRef>
+          <a:effectRef idx="0">
+            <a:schemeClr val="accent1"/>
+          </a:effectRef>
+          <a:fontRef idx="minor">
+            <a:schemeClr val="lt1"/>
+          </a:fontRef>
+        </p:style>
+        <p:txBody>
+          <a:bodyPr rtlCol="0" anchor="ctr"/>
+          <a:lstStyle/>
+          <a:p>
+            <a:pPr algn="ctr"/>
+            <a:r>
+              <a:rPr lang="en-US" altLang="ja-JP" sz="1200" dirty="0">
+                <a:solidFill>
+                  <a:schemeClr val="tx1"/>
+                </a:solidFill>
+                <a:latin typeface="Meiryo UI" panose="020B0604030504040204" pitchFamily="34" charset="-128"/>
+                <a:ea typeface="Meiryo UI" panose="020B0604030504040204" pitchFamily="34" charset="-128"/>
+              </a:rPr>
+              <a:t>K2 ticket delegate tools</a:t>
+            </a:r>
+          </a:p>
+        </p:txBody>
+      </p:sp>
+      <p:sp>
+        <p:nvSpPr>
+          <p:cNvPr id="40" name="Left Brace 9">
+            <a:extLst>
+              <a:ext uri="{FF2B5EF4-FFF2-40B4-BE49-F238E27FC236}">
+                <a16:creationId xmlns:a16="http://schemas.microsoft.com/office/drawing/2014/main" id="{36B7D9BF-A0F1-4317-8661-FB379B38B6DA}"/>
+              </a:ext>
+            </a:extLst>
+          </p:cNvPr>
+          <p:cNvSpPr/>
+          <p:nvPr/>
+        </p:nvSpPr>
+        <p:spPr>
+          <a:xfrm>
+            <a:off x="8761484" y="2534841"/>
+            <a:ext cx="332894" cy="1072699"/>
+          </a:xfrm>
+          <a:prstGeom prst="leftBrace">
+            <a:avLst/>
+          </a:prstGeom>
+        </p:spPr>
+        <p:style>
+          <a:lnRef idx="1">
+            <a:schemeClr val="accent1"/>
+          </a:lnRef>
+          <a:fillRef idx="0">
+            <a:schemeClr val="accent1"/>
+          </a:fillRef>
+          <a:effectRef idx="0">
+            <a:schemeClr val="accent1"/>
+          </a:effectRef>
+          <a:fontRef idx="minor">
+            <a:schemeClr val="tx1"/>
+          </a:fontRef>
+        </p:style>
+        <p:txBody>
+          <a:bodyPr rtlCol="0" anchor="ctr"/>
+          <a:lstStyle/>
+          <a:p>
+            <a:pPr algn="ctr"/>
+            <a:endParaRPr lang="en-US"/>
+          </a:p>
+        </p:txBody>
+      </p:sp>
+      <p:sp>
+        <p:nvSpPr>
+          <p:cNvPr id="41" name="Rectangle 18">
+            <a:extLst>
+              <a:ext uri="{FF2B5EF4-FFF2-40B4-BE49-F238E27FC236}">
+                <a16:creationId xmlns:a16="http://schemas.microsoft.com/office/drawing/2014/main" id="{71B733B2-C6BC-4EAD-AEEA-FB6D9A093747}"/>
+              </a:ext>
+            </a:extLst>
+          </p:cNvPr>
+          <p:cNvSpPr/>
+          <p:nvPr/>
+        </p:nvSpPr>
+        <p:spPr>
+          <a:xfrm>
+            <a:off x="7885877" y="2420888"/>
+            <a:ext cx="950951" cy="553998"/>
+          </a:xfrm>
+          <a:prstGeom prst="rect">
+            <a:avLst/>
+          </a:prstGeom>
+        </p:spPr>
+        <p:txBody>
+          <a:bodyPr wrap="square">
+            <a:spAutoFit/>
+          </a:bodyPr>
+          <a:lstStyle/>
+          <a:p>
+            <a:r>
+              <a:rPr lang="en-US" altLang="ja-JP" sz="1000" dirty="0">
+                <a:solidFill>
+                  <a:srgbClr val="000000"/>
+                </a:solidFill>
+                <a:latin typeface="Meiryo UI" panose="020B0604030504040204" pitchFamily="34" charset="-128"/>
+                <a:ea typeface="Meiryo UI" panose="020B0604030504040204" pitchFamily="34" charset="-128"/>
+              </a:rPr>
+              <a:t>Report line modification </a:t>
+            </a:r>
+            <a:r>
+              <a:rPr lang="en-US" altLang="ja-JP" sz="1000" dirty="0" err="1">
+                <a:solidFill>
+                  <a:srgbClr val="000000"/>
+                </a:solidFill>
+                <a:latin typeface="Meiryo UI" panose="020B0604030504040204" pitchFamily="34" charset="-128"/>
+                <a:ea typeface="Meiryo UI" panose="020B0604030504040204" pitchFamily="34" charset="-128"/>
+              </a:rPr>
+              <a:t>ralated</a:t>
+            </a:r>
+            <a:endParaRPr lang="en-US" altLang="ja-JP" sz="1000" dirty="0">
+              <a:solidFill>
+                <a:srgbClr val="000000"/>
+              </a:solidFill>
+              <a:latin typeface="Meiryo UI" panose="020B0604030504040204" pitchFamily="34" charset="-128"/>
+              <a:ea typeface="Meiryo UI" panose="020B0604030504040204" pitchFamily="34" charset="-128"/>
+            </a:endParaRPr>
+          </a:p>
+        </p:txBody>
+      </p:sp>
+      <p:sp>
+        <p:nvSpPr>
+          <p:cNvPr id="43" name="Rectangle 18">
+            <a:extLst>
+              <a:ext uri="{FF2B5EF4-FFF2-40B4-BE49-F238E27FC236}">
+                <a16:creationId xmlns:a16="http://schemas.microsoft.com/office/drawing/2014/main" id="{5FABF929-BC4A-47A4-ACD0-6139B3C99089}"/>
+              </a:ext>
+            </a:extLst>
+          </p:cNvPr>
+          <p:cNvSpPr/>
+          <p:nvPr/>
+        </p:nvSpPr>
+        <p:spPr>
+          <a:xfrm>
+            <a:off x="7896200" y="3163034"/>
+            <a:ext cx="940629" cy="707886"/>
+          </a:xfrm>
+          <a:prstGeom prst="rect">
+            <a:avLst/>
+          </a:prstGeom>
+        </p:spPr>
+        <p:txBody>
+          <a:bodyPr wrap="square">
+            <a:spAutoFit/>
+          </a:bodyPr>
+          <a:lstStyle/>
+          <a:p>
+            <a:r>
+              <a:rPr lang="en-US" altLang="ja-JP" sz="1000" dirty="0">
+                <a:solidFill>
+                  <a:srgbClr val="000000"/>
+                </a:solidFill>
+                <a:latin typeface="Meiryo UI" panose="020B0604030504040204" pitchFamily="34" charset="-128"/>
+                <a:ea typeface="Meiryo UI" panose="020B0604030504040204" pitchFamily="34" charset="-128"/>
+              </a:rPr>
+              <a:t>Functional department modification </a:t>
+            </a:r>
+            <a:r>
+              <a:rPr lang="en-US" altLang="ja-JP" sz="1000" dirty="0" err="1">
+                <a:solidFill>
+                  <a:srgbClr val="000000"/>
+                </a:solidFill>
+                <a:latin typeface="Meiryo UI" panose="020B0604030504040204" pitchFamily="34" charset="-128"/>
+                <a:ea typeface="Meiryo UI" panose="020B0604030504040204" pitchFamily="34" charset="-128"/>
+              </a:rPr>
+              <a:t>ralated</a:t>
+            </a:r>
+            <a:endParaRPr lang="en-US" altLang="ja-JP" sz="1000" dirty="0">
+              <a:solidFill>
+                <a:srgbClr val="000000"/>
+              </a:solidFill>
+              <a:latin typeface="Meiryo UI" panose="020B0604030504040204" pitchFamily="34" charset="-128"/>
+              <a:ea typeface="Meiryo UI" panose="020B0604030504040204" pitchFamily="34" charset="-128"/>
+            </a:endParaRPr>
+          </a:p>
+        </p:txBody>
+      </p:sp>
+      <p:sp>
+        <p:nvSpPr>
+          <p:cNvPr id="46" name="Rectangle 18">
+            <a:extLst>
+              <a:ext uri="{FF2B5EF4-FFF2-40B4-BE49-F238E27FC236}">
+                <a16:creationId xmlns:a16="http://schemas.microsoft.com/office/drawing/2014/main" id="{16ECE23B-98C4-4526-B743-D4B75BC193F9}"/>
+              </a:ext>
+            </a:extLst>
+          </p:cNvPr>
+          <p:cNvSpPr/>
+          <p:nvPr/>
+        </p:nvSpPr>
+        <p:spPr>
+          <a:xfrm>
+            <a:off x="9073733" y="2429073"/>
+            <a:ext cx="1414756" cy="246221"/>
+          </a:xfrm>
+          <a:prstGeom prst="rect">
+            <a:avLst/>
+          </a:prstGeom>
+        </p:spPr>
+        <p:txBody>
+          <a:bodyPr wrap="square">
+            <a:spAutoFit/>
+          </a:bodyPr>
+          <a:lstStyle/>
+          <a:p>
+            <a:r>
+              <a:rPr lang="en-US" altLang="ja-JP" sz="1000" dirty="0">
+                <a:solidFill>
+                  <a:srgbClr val="000000"/>
+                </a:solidFill>
+                <a:latin typeface="Meiryo UI" panose="020B0604030504040204" pitchFamily="34" charset="-128"/>
+                <a:ea typeface="Meiryo UI" panose="020B0604030504040204" pitchFamily="34" charset="-128"/>
+              </a:rPr>
+              <a:t>Confirm and update</a:t>
+            </a:r>
+          </a:p>
+        </p:txBody>
+      </p:sp>
+      <p:sp>
+        <p:nvSpPr>
+          <p:cNvPr id="54" name="Rectangle 18">
+            <a:extLst>
+              <a:ext uri="{FF2B5EF4-FFF2-40B4-BE49-F238E27FC236}">
+                <a16:creationId xmlns:a16="http://schemas.microsoft.com/office/drawing/2014/main" id="{4A8E0576-3788-47FD-9658-519720DF9184}"/>
+              </a:ext>
+            </a:extLst>
+          </p:cNvPr>
+          <p:cNvSpPr/>
+          <p:nvPr/>
+        </p:nvSpPr>
+        <p:spPr>
+          <a:xfrm>
+            <a:off x="9108460" y="3429000"/>
+            <a:ext cx="1101721" cy="707886"/>
+          </a:xfrm>
+          <a:prstGeom prst="rect">
+            <a:avLst/>
+          </a:prstGeom>
+        </p:spPr>
+        <p:txBody>
+          <a:bodyPr wrap="square">
+            <a:spAutoFit/>
+          </a:bodyPr>
+          <a:lstStyle/>
+          <a:p>
+            <a:r>
+              <a:rPr lang="en-US" altLang="ja-JP" sz="1000" dirty="0">
+                <a:solidFill>
+                  <a:srgbClr val="000000"/>
+                </a:solidFill>
+                <a:latin typeface="Meiryo UI" panose="020B0604030504040204" pitchFamily="34" charset="-128"/>
+                <a:ea typeface="Meiryo UI" panose="020B0604030504040204" pitchFamily="34" charset="-128"/>
+              </a:rPr>
+              <a:t>System configuration modification required?</a:t>
+            </a:r>
+          </a:p>
+        </p:txBody>
+      </p:sp>
+      <p:sp>
+        <p:nvSpPr>
+          <p:cNvPr id="55" name="Left Brace 9">
+            <a:extLst>
+              <a:ext uri="{FF2B5EF4-FFF2-40B4-BE49-F238E27FC236}">
+                <a16:creationId xmlns:a16="http://schemas.microsoft.com/office/drawing/2014/main" id="{096AD551-F15F-45B6-82A5-481E3969A062}"/>
+              </a:ext>
+            </a:extLst>
+          </p:cNvPr>
+          <p:cNvSpPr/>
+          <p:nvPr/>
+        </p:nvSpPr>
+        <p:spPr>
+          <a:xfrm>
+            <a:off x="10120047" y="3178754"/>
+            <a:ext cx="332894" cy="1072699"/>
+          </a:xfrm>
+          <a:prstGeom prst="leftBrace">
+            <a:avLst/>
+          </a:prstGeom>
+        </p:spPr>
+        <p:style>
+          <a:lnRef idx="1">
+            <a:schemeClr val="accent1"/>
+          </a:lnRef>
+          <a:fillRef idx="0">
+            <a:schemeClr val="accent1"/>
+          </a:fillRef>
+          <a:effectRef idx="0">
+            <a:schemeClr val="accent1"/>
+          </a:effectRef>
+          <a:fontRef idx="minor">
+            <a:schemeClr val="tx1"/>
+          </a:fontRef>
+        </p:style>
+        <p:txBody>
+          <a:bodyPr rtlCol="0" anchor="ctr"/>
+          <a:lstStyle/>
+          <a:p>
+            <a:pPr algn="ctr"/>
+            <a:endParaRPr lang="en-US"/>
+          </a:p>
+        </p:txBody>
+      </p:sp>
+      <p:sp>
+        <p:nvSpPr>
+          <p:cNvPr id="57" name="Rectangle 18">
+            <a:extLst>
+              <a:ext uri="{FF2B5EF4-FFF2-40B4-BE49-F238E27FC236}">
+                <a16:creationId xmlns:a16="http://schemas.microsoft.com/office/drawing/2014/main" id="{BC9B8303-8BCC-41F8-A684-951455A10C6F}"/>
+              </a:ext>
+            </a:extLst>
+          </p:cNvPr>
+          <p:cNvSpPr/>
+          <p:nvPr/>
+        </p:nvSpPr>
+        <p:spPr>
+          <a:xfrm>
+            <a:off x="9817169" y="3248594"/>
+            <a:ext cx="455295" cy="245110"/>
+          </a:xfrm>
+          <a:prstGeom prst="rect">
+            <a:avLst/>
+          </a:prstGeom>
+        </p:spPr>
+        <p:txBody>
+          <a:bodyPr wrap="square">
+            <a:spAutoFit/>
+          </a:bodyPr>
+          <a:lstStyle/>
+          <a:p>
+            <a:r>
+              <a:rPr lang="en-US" altLang="ja-JP" sz="1000" dirty="0">
+                <a:solidFill>
+                  <a:srgbClr val="000000"/>
+                </a:solidFill>
+                <a:latin typeface="Meiryo UI" panose="020B0604030504040204" pitchFamily="34" charset="-128"/>
+                <a:ea typeface="Meiryo UI" panose="020B0604030504040204" pitchFamily="34" charset="-128"/>
+              </a:rPr>
+              <a:t>YES</a:t>
+            </a:r>
+          </a:p>
+        </p:txBody>
+      </p:sp>
+      <p:sp>
+        <p:nvSpPr>
+          <p:cNvPr id="58" name="Rectangle 18">
+            <a:extLst>
+              <a:ext uri="{FF2B5EF4-FFF2-40B4-BE49-F238E27FC236}">
+                <a16:creationId xmlns:a16="http://schemas.microsoft.com/office/drawing/2014/main" id="{50ADEA03-265F-4B73-B9DA-2FECE1E5750B}"/>
+              </a:ext>
+            </a:extLst>
+          </p:cNvPr>
+          <p:cNvSpPr/>
+          <p:nvPr/>
+        </p:nvSpPr>
+        <p:spPr>
+          <a:xfrm>
+            <a:off x="9852327" y="3970979"/>
+            <a:ext cx="394970" cy="245110"/>
+          </a:xfrm>
+          <a:prstGeom prst="rect">
+            <a:avLst/>
+          </a:prstGeom>
+        </p:spPr>
+        <p:txBody>
+          <a:bodyPr wrap="square">
+            <a:spAutoFit/>
+          </a:bodyPr>
+          <a:lstStyle/>
+          <a:p>
+            <a:r>
+              <a:rPr lang="en-US" altLang="ja-JP" sz="1000" dirty="0">
+                <a:solidFill>
+                  <a:srgbClr val="000000"/>
+                </a:solidFill>
+                <a:latin typeface="Meiryo UI" panose="020B0604030504040204" pitchFamily="34" charset="-128"/>
+                <a:ea typeface="Meiryo UI" panose="020B0604030504040204" pitchFamily="34" charset="-128"/>
+              </a:rPr>
+              <a:t>NO</a:t>
+            </a:r>
+          </a:p>
+        </p:txBody>
+      </p:sp>
+      <p:pic>
+        <p:nvPicPr>
+          <p:cNvPr id="59" name="Picture 26" descr="Related image">
+            <a:extLst>
+              <a:ext uri="{FF2B5EF4-FFF2-40B4-BE49-F238E27FC236}">
+                <a16:creationId xmlns:a16="http://schemas.microsoft.com/office/drawing/2014/main" id="{F9D84BD8-1CAC-4915-964E-B5B42CCB2BC7}"/>
+              </a:ext>
+            </a:extLst>
+          </p:cNvPr>
+          <p:cNvPicPr>
+            <a:picLocks noChangeAspect="1" noChangeArrowheads="1"/>
+          </p:cNvPicPr>
+          <p:nvPr/>
+        </p:nvPicPr>
+        <p:blipFill>
+          <a:blip r:embed="rId6" cstate="print">
+            <a:extLst>
+              <a:ext uri="{28A0092B-C50C-407E-A947-70E740481C1C}">
+                <a14:useLocalDpi xmlns:a14="http://schemas.microsoft.com/office/drawing/2010/main" val="0"/>
+              </a:ext>
+            </a:extLst>
+          </a:blip>
+          <a:srcRect/>
+          <a:stretch>
+            <a:fillRect/>
+          </a:stretch>
+        </p:blipFill>
+        <p:spPr bwMode="auto">
+          <a:xfrm>
+            <a:off x="10514504" y="4083380"/>
+            <a:ext cx="317593" cy="317593"/>
+          </a:xfrm>
+          <a:prstGeom prst="rect">
+            <a:avLst/>
+          </a:prstGeom>
+          <a:noFill/>
+          <a:extLst>
+            <a:ext uri="{909E8E84-426E-40DD-AFC4-6F175D3DCCD1}">
+              <a14:hiddenFill xmlns:a14="http://schemas.microsoft.com/office/drawing/2010/main">
+                <a:solidFill>
+                  <a:srgbClr val="FFFFFF"/>
+                </a:solidFill>
+              </a14:hiddenFill>
+            </a:ext>
+          </a:extLst>
+        </p:spPr>
+      </p:pic>
+    </p:spTree>
+    <p:extLst>
+      <p:ext uri="{BB962C8B-B14F-4D97-AF65-F5344CB8AC3E}">
+        <p14:creationId xmlns:p14="http://schemas.microsoft.com/office/powerpoint/2010/main" val="2342877264"/>
       </p:ext>
     </p:extLst>
   </p:cSld>
